--- a/Dpo.pptx
+++ b/Dpo.pptx
@@ -12,13 +12,18 @@
     <p:sldId id="266" r:id="rId6"/>
     <p:sldId id="267" r:id="rId7"/>
     <p:sldId id="268" r:id="rId8"/>
-    <p:sldId id="269" r:id="rId9"/>
-    <p:sldId id="270" r:id="rId10"/>
-    <p:sldId id="274" r:id="rId11"/>
-    <p:sldId id="275" r:id="rId12"/>
-    <p:sldId id="273" r:id="rId13"/>
-    <p:sldId id="271" r:id="rId14"/>
-    <p:sldId id="272" r:id="rId15"/>
+    <p:sldId id="270" r:id="rId9"/>
+    <p:sldId id="276" r:id="rId10"/>
+    <p:sldId id="277" r:id="rId11"/>
+    <p:sldId id="278" r:id="rId12"/>
+    <p:sldId id="281" r:id="rId13"/>
+    <p:sldId id="279" r:id="rId14"/>
+    <p:sldId id="274" r:id="rId15"/>
+    <p:sldId id="275" r:id="rId16"/>
+    <p:sldId id="273" r:id="rId17"/>
+    <p:sldId id="271" r:id="rId18"/>
+    <p:sldId id="272" r:id="rId19"/>
+    <p:sldId id="280" r:id="rId20"/>
   </p:sldIdLst>
   <p:sldSz cx="12192000" cy="6858000"/>
   <p:notesSz cx="6858000" cy="9144000"/>
@@ -167,7 +172,7 @@
           </a:lstStyle>
           <a:p>
             <a:r>
-              <a:rPr lang="ru-RU" smtClean="0"/>
+              <a:rPr lang="ru-RU"/>
               <a:t>Образец заголовка</a:t>
             </a:r>
             <a:endParaRPr lang="en-US" dirty="0"/>
@@ -232,7 +237,7 @@
           </a:lstStyle>
           <a:p>
             <a:r>
-              <a:rPr lang="ru-RU" smtClean="0"/>
+              <a:rPr lang="ru-RU"/>
               <a:t>Образец подзаголовка</a:t>
             </a:r>
             <a:endParaRPr lang="en-US" dirty="0"/>
@@ -350,7 +355,7 @@
           <a:lstStyle/>
           <a:p>
             <a:r>
-              <a:rPr lang="ru-RU" smtClean="0"/>
+              <a:rPr lang="ru-RU"/>
               <a:t>Образец заголовка</a:t>
             </a:r>
             <a:endParaRPr lang="en-US" dirty="0"/>
@@ -374,35 +379,35 @@
           <a:p>
             <a:pPr lvl="0"/>
             <a:r>
-              <a:rPr lang="ru-RU" smtClean="0"/>
+              <a:rPr lang="ru-RU"/>
               <a:t>Образец текста</a:t>
             </a:r>
           </a:p>
           <a:p>
             <a:pPr lvl="1"/>
             <a:r>
-              <a:rPr lang="ru-RU" smtClean="0"/>
+              <a:rPr lang="ru-RU"/>
               <a:t>Второй уровень</a:t>
             </a:r>
           </a:p>
           <a:p>
             <a:pPr lvl="2"/>
             <a:r>
-              <a:rPr lang="ru-RU" smtClean="0"/>
+              <a:rPr lang="ru-RU"/>
               <a:t>Третий уровень</a:t>
             </a:r>
           </a:p>
           <a:p>
             <a:pPr lvl="3"/>
             <a:r>
-              <a:rPr lang="ru-RU" smtClean="0"/>
+              <a:rPr lang="ru-RU"/>
               <a:t>Четвертый уровень</a:t>
             </a:r>
           </a:p>
           <a:p>
             <a:pPr lvl="4"/>
             <a:r>
-              <a:rPr lang="ru-RU" smtClean="0"/>
+              <a:rPr lang="ru-RU"/>
               <a:t>Пятый уровень</a:t>
             </a:r>
             <a:endParaRPr lang="en-US" dirty="0"/>
@@ -525,7 +530,7 @@
           <a:lstStyle/>
           <a:p>
             <a:r>
-              <a:rPr lang="ru-RU" smtClean="0"/>
+              <a:rPr lang="ru-RU"/>
               <a:t>Образец заголовка</a:t>
             </a:r>
             <a:endParaRPr lang="en-US" dirty="0"/>
@@ -554,35 +559,35 @@
           <a:p>
             <a:pPr lvl="0"/>
             <a:r>
-              <a:rPr lang="ru-RU" smtClean="0"/>
+              <a:rPr lang="ru-RU"/>
               <a:t>Образец текста</a:t>
             </a:r>
           </a:p>
           <a:p>
             <a:pPr lvl="1"/>
             <a:r>
-              <a:rPr lang="ru-RU" smtClean="0"/>
+              <a:rPr lang="ru-RU"/>
               <a:t>Второй уровень</a:t>
             </a:r>
           </a:p>
           <a:p>
             <a:pPr lvl="2"/>
             <a:r>
-              <a:rPr lang="ru-RU" smtClean="0"/>
+              <a:rPr lang="ru-RU"/>
               <a:t>Третий уровень</a:t>
             </a:r>
           </a:p>
           <a:p>
             <a:pPr lvl="3"/>
             <a:r>
-              <a:rPr lang="ru-RU" smtClean="0"/>
+              <a:rPr lang="ru-RU"/>
               <a:t>Четвертый уровень</a:t>
             </a:r>
           </a:p>
           <a:p>
             <a:pPr lvl="4"/>
             <a:r>
-              <a:rPr lang="ru-RU" smtClean="0"/>
+              <a:rPr lang="ru-RU"/>
               <a:t>Пятый уровень</a:t>
             </a:r>
             <a:endParaRPr lang="en-US" dirty="0"/>
@@ -700,7 +705,7 @@
           <a:lstStyle/>
           <a:p>
             <a:r>
-              <a:rPr lang="ru-RU" smtClean="0"/>
+              <a:rPr lang="ru-RU"/>
               <a:t>Образец заголовка</a:t>
             </a:r>
             <a:endParaRPr lang="en-US" dirty="0"/>
@@ -724,35 +729,35 @@
           <a:p>
             <a:pPr lvl="0"/>
             <a:r>
-              <a:rPr lang="ru-RU" smtClean="0"/>
+              <a:rPr lang="ru-RU"/>
               <a:t>Образец текста</a:t>
             </a:r>
           </a:p>
           <a:p>
             <a:pPr lvl="1"/>
             <a:r>
-              <a:rPr lang="ru-RU" smtClean="0"/>
+              <a:rPr lang="ru-RU"/>
               <a:t>Второй уровень</a:t>
             </a:r>
           </a:p>
           <a:p>
             <a:pPr lvl="2"/>
             <a:r>
-              <a:rPr lang="ru-RU" smtClean="0"/>
+              <a:rPr lang="ru-RU"/>
               <a:t>Третий уровень</a:t>
             </a:r>
           </a:p>
           <a:p>
             <a:pPr lvl="3"/>
             <a:r>
-              <a:rPr lang="ru-RU" smtClean="0"/>
+              <a:rPr lang="ru-RU"/>
               <a:t>Четвертый уровень</a:t>
             </a:r>
           </a:p>
           <a:p>
             <a:pPr lvl="4"/>
             <a:r>
-              <a:rPr lang="ru-RU" smtClean="0"/>
+              <a:rPr lang="ru-RU"/>
               <a:t>Пятый уровень</a:t>
             </a:r>
             <a:endParaRPr lang="en-US" dirty="0"/>
@@ -879,7 +884,7 @@
           </a:lstStyle>
           <a:p>
             <a:r>
-              <a:rPr lang="ru-RU" smtClean="0"/>
+              <a:rPr lang="ru-RU"/>
               <a:t>Образец заголовка</a:t>
             </a:r>
             <a:endParaRPr lang="en-US" dirty="0"/>
@@ -999,7 +1004,7 @@
           <a:p>
             <a:pPr lvl="0"/>
             <a:r>
-              <a:rPr lang="ru-RU" smtClean="0"/>
+              <a:rPr lang="ru-RU"/>
               <a:t>Образец текста</a:t>
             </a:r>
           </a:p>
@@ -1116,7 +1121,7 @@
           <a:lstStyle/>
           <a:p>
             <a:r>
-              <a:rPr lang="ru-RU" smtClean="0"/>
+              <a:rPr lang="ru-RU"/>
               <a:t>Образец заголовка</a:t>
             </a:r>
             <a:endParaRPr lang="en-US" dirty="0"/>
@@ -1145,35 +1150,35 @@
           <a:p>
             <a:pPr lvl="0"/>
             <a:r>
-              <a:rPr lang="ru-RU" smtClean="0"/>
+              <a:rPr lang="ru-RU"/>
               <a:t>Образец текста</a:t>
             </a:r>
           </a:p>
           <a:p>
             <a:pPr lvl="1"/>
             <a:r>
-              <a:rPr lang="ru-RU" smtClean="0"/>
+              <a:rPr lang="ru-RU"/>
               <a:t>Второй уровень</a:t>
             </a:r>
           </a:p>
           <a:p>
             <a:pPr lvl="2"/>
             <a:r>
-              <a:rPr lang="ru-RU" smtClean="0"/>
+              <a:rPr lang="ru-RU"/>
               <a:t>Третий уровень</a:t>
             </a:r>
           </a:p>
           <a:p>
             <a:pPr lvl="3"/>
             <a:r>
-              <a:rPr lang="ru-RU" smtClean="0"/>
+              <a:rPr lang="ru-RU"/>
               <a:t>Четвертый уровень</a:t>
             </a:r>
           </a:p>
           <a:p>
             <a:pPr lvl="4"/>
             <a:r>
-              <a:rPr lang="ru-RU" smtClean="0"/>
+              <a:rPr lang="ru-RU"/>
               <a:t>Пятый уровень</a:t>
             </a:r>
             <a:endParaRPr lang="en-US" dirty="0"/>
@@ -1202,35 +1207,35 @@
           <a:p>
             <a:pPr lvl="0"/>
             <a:r>
-              <a:rPr lang="ru-RU" smtClean="0"/>
+              <a:rPr lang="ru-RU"/>
               <a:t>Образец текста</a:t>
             </a:r>
           </a:p>
           <a:p>
             <a:pPr lvl="1"/>
             <a:r>
-              <a:rPr lang="ru-RU" smtClean="0"/>
+              <a:rPr lang="ru-RU"/>
               <a:t>Второй уровень</a:t>
             </a:r>
           </a:p>
           <a:p>
             <a:pPr lvl="2"/>
             <a:r>
-              <a:rPr lang="ru-RU" smtClean="0"/>
+              <a:rPr lang="ru-RU"/>
               <a:t>Третий уровень</a:t>
             </a:r>
           </a:p>
           <a:p>
             <a:pPr lvl="3"/>
             <a:r>
-              <a:rPr lang="ru-RU" smtClean="0"/>
+              <a:rPr lang="ru-RU"/>
               <a:t>Четвертый уровень</a:t>
             </a:r>
           </a:p>
           <a:p>
             <a:pPr lvl="4"/>
             <a:r>
-              <a:rPr lang="ru-RU" smtClean="0"/>
+              <a:rPr lang="ru-RU"/>
               <a:t>Пятый уровень</a:t>
             </a:r>
             <a:endParaRPr lang="en-US" dirty="0"/>
@@ -1353,7 +1358,7 @@
           <a:lstStyle/>
           <a:p>
             <a:r>
-              <a:rPr lang="ru-RU" smtClean="0"/>
+              <a:rPr lang="ru-RU"/>
               <a:t>Образец заголовка</a:t>
             </a:r>
             <a:endParaRPr lang="en-US" dirty="0"/>
@@ -1419,7 +1424,7 @@
           <a:p>
             <a:pPr lvl="0"/>
             <a:r>
-              <a:rPr lang="ru-RU" smtClean="0"/>
+              <a:rPr lang="ru-RU"/>
               <a:t>Образец текста</a:t>
             </a:r>
           </a:p>
@@ -1447,35 +1452,35 @@
           <a:p>
             <a:pPr lvl="0"/>
             <a:r>
-              <a:rPr lang="ru-RU" smtClean="0"/>
+              <a:rPr lang="ru-RU"/>
               <a:t>Образец текста</a:t>
             </a:r>
           </a:p>
           <a:p>
             <a:pPr lvl="1"/>
             <a:r>
-              <a:rPr lang="ru-RU" smtClean="0"/>
+              <a:rPr lang="ru-RU"/>
               <a:t>Второй уровень</a:t>
             </a:r>
           </a:p>
           <a:p>
             <a:pPr lvl="2"/>
             <a:r>
-              <a:rPr lang="ru-RU" smtClean="0"/>
+              <a:rPr lang="ru-RU"/>
               <a:t>Третий уровень</a:t>
             </a:r>
           </a:p>
           <a:p>
             <a:pPr lvl="3"/>
             <a:r>
-              <a:rPr lang="ru-RU" smtClean="0"/>
+              <a:rPr lang="ru-RU"/>
               <a:t>Четвертый уровень</a:t>
             </a:r>
           </a:p>
           <a:p>
             <a:pPr lvl="4"/>
             <a:r>
-              <a:rPr lang="ru-RU" smtClean="0"/>
+              <a:rPr lang="ru-RU"/>
               <a:t>Пятый уровень</a:t>
             </a:r>
             <a:endParaRPr lang="en-US" dirty="0"/>
@@ -1541,7 +1546,7 @@
           <a:p>
             <a:pPr lvl="0"/>
             <a:r>
-              <a:rPr lang="ru-RU" smtClean="0"/>
+              <a:rPr lang="ru-RU"/>
               <a:t>Образец текста</a:t>
             </a:r>
           </a:p>
@@ -1569,35 +1574,35 @@
           <a:p>
             <a:pPr lvl="0"/>
             <a:r>
-              <a:rPr lang="ru-RU" smtClean="0"/>
+              <a:rPr lang="ru-RU"/>
               <a:t>Образец текста</a:t>
             </a:r>
           </a:p>
           <a:p>
             <a:pPr lvl="1"/>
             <a:r>
-              <a:rPr lang="ru-RU" smtClean="0"/>
+              <a:rPr lang="ru-RU"/>
               <a:t>Второй уровень</a:t>
             </a:r>
           </a:p>
           <a:p>
             <a:pPr lvl="2"/>
             <a:r>
-              <a:rPr lang="ru-RU" smtClean="0"/>
+              <a:rPr lang="ru-RU"/>
               <a:t>Третий уровень</a:t>
             </a:r>
           </a:p>
           <a:p>
             <a:pPr lvl="3"/>
             <a:r>
-              <a:rPr lang="ru-RU" smtClean="0"/>
+              <a:rPr lang="ru-RU"/>
               <a:t>Четвертый уровень</a:t>
             </a:r>
           </a:p>
           <a:p>
             <a:pPr lvl="4"/>
             <a:r>
-              <a:rPr lang="ru-RU" smtClean="0"/>
+              <a:rPr lang="ru-RU"/>
               <a:t>Пятый уровень</a:t>
             </a:r>
             <a:endParaRPr lang="en-US" dirty="0"/>
@@ -1715,7 +1720,7 @@
           <a:lstStyle/>
           <a:p>
             <a:r>
-              <a:rPr lang="ru-RU" smtClean="0"/>
+              <a:rPr lang="ru-RU"/>
               <a:t>Образец заголовка</a:t>
             </a:r>
             <a:endParaRPr lang="en-US" dirty="0"/>
@@ -1937,7 +1942,7 @@
           </a:lstStyle>
           <a:p>
             <a:r>
-              <a:rPr lang="ru-RU" smtClean="0"/>
+              <a:rPr lang="ru-RU"/>
               <a:t>Образец заголовка</a:t>
             </a:r>
             <a:endParaRPr lang="en-US" dirty="0"/>
@@ -1994,35 +1999,35 @@
           <a:p>
             <a:pPr lvl="0"/>
             <a:r>
-              <a:rPr lang="ru-RU" smtClean="0"/>
+              <a:rPr lang="ru-RU"/>
               <a:t>Образец текста</a:t>
             </a:r>
           </a:p>
           <a:p>
             <a:pPr lvl="1"/>
             <a:r>
-              <a:rPr lang="ru-RU" smtClean="0"/>
+              <a:rPr lang="ru-RU"/>
               <a:t>Второй уровень</a:t>
             </a:r>
           </a:p>
           <a:p>
             <a:pPr lvl="2"/>
             <a:r>
-              <a:rPr lang="ru-RU" smtClean="0"/>
+              <a:rPr lang="ru-RU"/>
               <a:t>Третий уровень</a:t>
             </a:r>
           </a:p>
           <a:p>
             <a:pPr lvl="3"/>
             <a:r>
-              <a:rPr lang="ru-RU" smtClean="0"/>
+              <a:rPr lang="ru-RU"/>
               <a:t>Четвертый уровень</a:t>
             </a:r>
           </a:p>
           <a:p>
             <a:pPr lvl="4"/>
             <a:r>
-              <a:rPr lang="ru-RU" smtClean="0"/>
+              <a:rPr lang="ru-RU"/>
               <a:t>Пятый уровень</a:t>
             </a:r>
             <a:endParaRPr lang="en-US" dirty="0"/>
@@ -2088,7 +2093,7 @@
           <a:p>
             <a:pPr lvl="0"/>
             <a:r>
-              <a:rPr lang="ru-RU" smtClean="0"/>
+              <a:rPr lang="ru-RU"/>
               <a:t>Образец текста</a:t>
             </a:r>
           </a:p>
@@ -2214,7 +2219,7 @@
           </a:lstStyle>
           <a:p>
             <a:r>
-              <a:rPr lang="ru-RU" smtClean="0"/>
+              <a:rPr lang="ru-RU"/>
               <a:t>Образец заголовка</a:t>
             </a:r>
             <a:endParaRPr lang="en-US" dirty="0"/>
@@ -2279,7 +2284,7 @@
           </a:lstStyle>
           <a:p>
             <a:r>
-              <a:rPr lang="ru-RU" smtClean="0"/>
+              <a:rPr lang="ru-RU"/>
               <a:t>Вставка рисунка</a:t>
             </a:r>
             <a:endParaRPr lang="en-US" dirty="0"/>
@@ -2345,7 +2350,7 @@
           <a:p>
             <a:pPr lvl="0"/>
             <a:r>
-              <a:rPr lang="ru-RU" smtClean="0"/>
+              <a:rPr lang="ru-RU"/>
               <a:t>Образец текста</a:t>
             </a:r>
           </a:p>
@@ -2477,7 +2482,7 @@
           <a:lstStyle/>
           <a:p>
             <a:r>
-              <a:rPr lang="ru-RU" smtClean="0"/>
+              <a:rPr lang="ru-RU"/>
               <a:t>Образец заголовка</a:t>
             </a:r>
             <a:endParaRPr lang="en-US" dirty="0"/>
@@ -2511,35 +2516,35 @@
           <a:p>
             <a:pPr lvl="0"/>
             <a:r>
-              <a:rPr lang="ru-RU" smtClean="0"/>
+              <a:rPr lang="ru-RU"/>
               <a:t>Образец текста</a:t>
             </a:r>
           </a:p>
           <a:p>
             <a:pPr lvl="1"/>
             <a:r>
-              <a:rPr lang="ru-RU" smtClean="0"/>
+              <a:rPr lang="ru-RU"/>
               <a:t>Второй уровень</a:t>
             </a:r>
           </a:p>
           <a:p>
             <a:pPr lvl="2"/>
             <a:r>
-              <a:rPr lang="ru-RU" smtClean="0"/>
+              <a:rPr lang="ru-RU"/>
               <a:t>Третий уровень</a:t>
             </a:r>
           </a:p>
           <a:p>
             <a:pPr lvl="3"/>
             <a:r>
-              <a:rPr lang="ru-RU" smtClean="0"/>
+              <a:rPr lang="ru-RU"/>
               <a:t>Четвертый уровень</a:t>
             </a:r>
           </a:p>
           <a:p>
             <a:pPr lvl="4"/>
             <a:r>
-              <a:rPr lang="ru-RU" smtClean="0"/>
+              <a:rPr lang="ru-RU"/>
               <a:t>Пятый уровень</a:t>
             </a:r>
             <a:endParaRPr lang="en-US" dirty="0"/>
@@ -2995,7 +3000,7 @@
           <p:nvPr/>
         </p:nvPicPr>
         <p:blipFill>
-          <a:blip r:embed="rId3">
+          <a:blip r:embed="rId2">
             <a:extLst>
               <a:ext uri="{28A0092B-C50C-407E-A947-70E740481C1C}">
                 <a14:useLocalDpi xmlns:a14="http://schemas.microsoft.com/office/drawing/2010/main" val="0"/>
@@ -3025,7 +3030,7 @@
           <p:nvPr/>
         </p:nvPicPr>
         <p:blipFill rotWithShape="1">
-          <a:blip r:embed="rId4" cstate="print">
+          <a:blip r:embed="rId3" cstate="print">
             <a:extLst>
               <a:ext uri="{28A0092B-C50C-407E-A947-70E740481C1C}">
                 <a14:useLocalDpi xmlns:a14="http://schemas.microsoft.com/office/drawing/2010/main" val="0"/>
@@ -3067,12 +3072,12 @@
           <a:graphicData uri="http://schemas.openxmlformats.org/presentationml/2006/ole">
             <mc:AlternateContent xmlns:mc="http://schemas.openxmlformats.org/markup-compatibility/2006">
               <mc:Choice xmlns:v="urn:schemas-microsoft-com:vml" Requires="v">
-                <p:oleObj spid="_x0000_s3172" name="CorelDRAW" r:id="rId5" imgW="3084412" imgH="1354813" progId="CorelDraw.Graphic.22">
+                <p:oleObj name="CorelDRAW" r:id="rId4" imgW="3084412" imgH="1354813" progId="CorelDraw.Graphic.22">
                   <p:embed/>
                 </p:oleObj>
               </mc:Choice>
               <mc:Fallback>
-                <p:oleObj name="CorelDRAW" r:id="rId5" imgW="3084412" imgH="1354813" progId="CorelDraw.Graphic.22">
+                <p:oleObj name="CorelDRAW" r:id="rId4" imgW="3084412" imgH="1354813" progId="CorelDraw.Graphic.22">
                   <p:embed/>
                   <p:pic>
                     <p:nvPicPr>
@@ -3081,7 +3086,7 @@
                       <p:nvPr/>
                     </p:nvPicPr>
                     <p:blipFill>
-                      <a:blip r:embed="rId6"/>
+                      <a:blip r:embed="rId5"/>
                       <a:stretch>
                         <a:fillRect/>
                       </a:stretch>
@@ -3183,13 +3188,13 @@
           <a:lstStyle/>
           <a:p>
             <a:r>
-              <a:rPr lang="ru-RU" sz="2600" dirty="0" smtClean="0">
+              <a:rPr lang="ru-RU" sz="2600" dirty="0">
                 <a:latin typeface="Times New Roman" panose="02020603050405020304" pitchFamily="18" charset="0"/>
                 <a:cs typeface="Times New Roman" panose="02020603050405020304" pitchFamily="18" charset="0"/>
               </a:rPr>
               <a:t>Докладчики</a:t>
             </a:r>
-            <a:endParaRPr lang="en-US" sz="2600" dirty="0" smtClean="0">
+            <a:endParaRPr lang="en-US" sz="2600" dirty="0">
               <a:latin typeface="Times New Roman" panose="02020603050405020304" pitchFamily="18" charset="0"/>
               <a:cs typeface="Times New Roman" panose="02020603050405020304" pitchFamily="18" charset="0"/>
             </a:endParaRPr>
@@ -3207,14 +3212,7 @@
                 <a:latin typeface="Times New Roman" panose="02020603050405020304" pitchFamily="18" charset="0"/>
                 <a:cs typeface="Times New Roman" panose="02020603050405020304" pitchFamily="18" charset="0"/>
               </a:rPr>
-              <a:t> </a:t>
-            </a:r>
-            <a:r>
-              <a:rPr lang="ru-RU" dirty="0" smtClean="0">
-                <a:latin typeface="Times New Roman" panose="02020603050405020304" pitchFamily="18" charset="0"/>
-                <a:cs typeface="Times New Roman" panose="02020603050405020304" pitchFamily="18" charset="0"/>
-              </a:rPr>
-              <a:t>А.А.</a:t>
+              <a:t> А.А.</a:t>
             </a:r>
           </a:p>
           <a:p>
@@ -3223,14 +3221,7 @@
                 <a:latin typeface="Times New Roman" panose="02020603050405020304" pitchFamily="18" charset="0"/>
                 <a:cs typeface="Times New Roman" panose="02020603050405020304" pitchFamily="18" charset="0"/>
               </a:rPr>
-              <a:t>Колмогорова </a:t>
-            </a:r>
-            <a:r>
-              <a:rPr lang="ru-RU" dirty="0" smtClean="0">
-                <a:latin typeface="Times New Roman" panose="02020603050405020304" pitchFamily="18" charset="0"/>
-                <a:cs typeface="Times New Roman" panose="02020603050405020304" pitchFamily="18" charset="0"/>
-              </a:rPr>
-              <a:t>М.В.</a:t>
+              <a:t>Колмогорова М.В.</a:t>
             </a:r>
           </a:p>
           <a:p>
@@ -3239,14 +3230,7 @@
                 <a:latin typeface="Times New Roman" panose="02020603050405020304" pitchFamily="18" charset="0"/>
                 <a:cs typeface="Times New Roman" panose="02020603050405020304" pitchFamily="18" charset="0"/>
               </a:rPr>
-              <a:t>Конышев </a:t>
-            </a:r>
-            <a:r>
-              <a:rPr lang="ru-RU" dirty="0" smtClean="0">
-                <a:latin typeface="Times New Roman" panose="02020603050405020304" pitchFamily="18" charset="0"/>
-                <a:cs typeface="Times New Roman" panose="02020603050405020304" pitchFamily="18" charset="0"/>
-              </a:rPr>
-              <a:t>А.В.</a:t>
+              <a:t>Конышев А.В.</a:t>
             </a:r>
           </a:p>
           <a:p>
@@ -3274,17 +3258,1748 @@
   <p:clrMapOvr>
     <a:masterClrMapping/>
   </p:clrMapOvr>
-  <p:timing>
-    <p:tnLst>
-      <p:par>
-        <p:cTn id="1" dur="indefinite" restart="never" nodeType="tmRoot"/>
-      </p:par>
-    </p:tnLst>
-  </p:timing>
 </p:sld>
 </file>
 
 <file path=ppt/slides/slide10.xml><?xml version="1.0" encoding="utf-8"?>
+<p:sld xmlns:a="http://schemas.openxmlformats.org/drawingml/2006/main" xmlns:r="http://schemas.openxmlformats.org/officeDocument/2006/relationships" xmlns:p="http://schemas.openxmlformats.org/presentationml/2006/main">
+  <p:cSld>
+    <p:spTree>
+      <p:nvGrpSpPr>
+        <p:cNvPr id="1" name="">
+          <a:extLst>
+            <a:ext uri="{FF2B5EF4-FFF2-40B4-BE49-F238E27FC236}">
+              <a16:creationId xmlns:a16="http://schemas.microsoft.com/office/drawing/2014/main" id="{17F6BD8E-421E-F5B4-4D1F-96C6CE0AC3BD}"/>
+            </a:ext>
+          </a:extLst>
+        </p:cNvPr>
+        <p:cNvGrpSpPr/>
+        <p:nvPr/>
+      </p:nvGrpSpPr>
+      <p:grpSpPr>
+        <a:xfrm>
+          <a:off x="0" y="0"/>
+          <a:ext cx="0" cy="0"/>
+          <a:chOff x="0" y="0"/>
+          <a:chExt cx="0" cy="0"/>
+        </a:xfrm>
+      </p:grpSpPr>
+      <p:graphicFrame>
+        <p:nvGraphicFramePr>
+          <p:cNvPr id="12" name="Объект 11">
+            <a:extLst>
+              <a:ext uri="{FF2B5EF4-FFF2-40B4-BE49-F238E27FC236}">
+                <a16:creationId xmlns:a16="http://schemas.microsoft.com/office/drawing/2014/main" id="{D74103BC-4797-9427-6CF0-9DA8E8946F97}"/>
+              </a:ext>
+            </a:extLst>
+          </p:cNvPr>
+          <p:cNvGraphicFramePr>
+            <a:graphicFrameLocks noChangeAspect="1"/>
+          </p:cNvGraphicFramePr>
+          <p:nvPr/>
+        </p:nvGraphicFramePr>
+        <p:xfrm>
+          <a:off x="10289848" y="216259"/>
+          <a:ext cx="1282735" cy="446617"/>
+        </p:xfrm>
+        <a:graphic>
+          <a:graphicData uri="http://schemas.openxmlformats.org/presentationml/2006/ole">
+            <mc:AlternateContent xmlns:mc="http://schemas.openxmlformats.org/markup-compatibility/2006">
+              <mc:Choice xmlns:v="urn:schemas-microsoft-com:vml" Requires="v">
+                <p:oleObj name="CorelDRAW" r:id="rId2" imgW="2566457" imgH="894201" progId="CorelDraw.Graphic.22">
+                  <p:embed/>
+                </p:oleObj>
+              </mc:Choice>
+              <mc:Fallback>
+                <p:oleObj name="CorelDRAW" r:id="rId2" imgW="2566457" imgH="894201" progId="CorelDraw.Graphic.22">
+                  <p:embed/>
+                  <p:pic>
+                    <p:nvPicPr>
+                      <p:cNvPr id="12" name="Объект 11">
+                        <a:extLst>
+                          <a:ext uri="{FF2B5EF4-FFF2-40B4-BE49-F238E27FC236}">
+                            <a16:creationId xmlns:a16="http://schemas.microsoft.com/office/drawing/2014/main" id="{79186DF5-91BF-CD54-D393-A8B457F34874}"/>
+                          </a:ext>
+                        </a:extLst>
+                      </p:cNvPr>
+                      <p:cNvPicPr/>
+                      <p:nvPr/>
+                    </p:nvPicPr>
+                    <p:blipFill>
+                      <a:blip r:embed="rId3"/>
+                      <a:stretch>
+                        <a:fillRect/>
+                      </a:stretch>
+                    </p:blipFill>
+                    <p:spPr>
+                      <a:xfrm>
+                        <a:off x="10289848" y="216259"/>
+                        <a:ext cx="1282735" cy="446617"/>
+                      </a:xfrm>
+                      <a:prstGeom prst="rect">
+                        <a:avLst/>
+                      </a:prstGeom>
+                    </p:spPr>
+                  </p:pic>
+                </p:oleObj>
+              </mc:Fallback>
+            </mc:AlternateContent>
+          </a:graphicData>
+        </a:graphic>
+      </p:graphicFrame>
+      <p:sp>
+        <p:nvSpPr>
+          <p:cNvPr id="9" name="Прямоугольник 8">
+            <a:extLst>
+              <a:ext uri="{FF2B5EF4-FFF2-40B4-BE49-F238E27FC236}">
+                <a16:creationId xmlns:a16="http://schemas.microsoft.com/office/drawing/2014/main" id="{ADF45792-0C1D-D042-B0CD-EF94529120C5}"/>
+              </a:ext>
+            </a:extLst>
+          </p:cNvPr>
+          <p:cNvSpPr/>
+          <p:nvPr/>
+        </p:nvSpPr>
+        <p:spPr>
+          <a:xfrm>
+            <a:off x="986118" y="756621"/>
+            <a:ext cx="10586465" cy="21600"/>
+          </a:xfrm>
+          <a:prstGeom prst="rect">
+            <a:avLst/>
+          </a:prstGeom>
+          <a:solidFill>
+            <a:srgbClr val="0070C0"/>
+          </a:solidFill>
+          <a:ln>
+            <a:noFill/>
+          </a:ln>
+        </p:spPr>
+        <p:style>
+          <a:lnRef idx="2">
+            <a:schemeClr val="accent1">
+              <a:shade val="50000"/>
+            </a:schemeClr>
+          </a:lnRef>
+          <a:fillRef idx="1">
+            <a:schemeClr val="accent1"/>
+          </a:fillRef>
+          <a:effectRef idx="0">
+            <a:schemeClr val="accent1"/>
+          </a:effectRef>
+          <a:fontRef idx="minor">
+            <a:schemeClr val="lt1"/>
+          </a:fontRef>
+        </p:style>
+        <p:txBody>
+          <a:bodyPr rtlCol="0" anchor="ctr"/>
+          <a:lstStyle/>
+          <a:p>
+            <a:pPr algn="ctr"/>
+            <a:endParaRPr lang="ru-RU" dirty="0">
+              <a:solidFill>
+                <a:srgbClr val="7030A0"/>
+              </a:solidFill>
+            </a:endParaRPr>
+          </a:p>
+        </p:txBody>
+      </p:sp>
+      <p:pic>
+        <p:nvPicPr>
+          <p:cNvPr id="10" name="Рисунок 9">
+            <a:extLst>
+              <a:ext uri="{FF2B5EF4-FFF2-40B4-BE49-F238E27FC236}">
+                <a16:creationId xmlns:a16="http://schemas.microsoft.com/office/drawing/2014/main" id="{78B69183-C0BB-DF7B-4165-ED219E858765}"/>
+              </a:ext>
+            </a:extLst>
+          </p:cNvPr>
+          <p:cNvPicPr>
+            <a:picLocks noChangeAspect="1"/>
+          </p:cNvPicPr>
+          <p:nvPr/>
+        </p:nvPicPr>
+        <p:blipFill>
+          <a:blip r:embed="rId4" cstate="print">
+            <a:extLst>
+              <a:ext uri="{28A0092B-C50C-407E-A947-70E740481C1C}">
+                <a14:useLocalDpi xmlns:a14="http://schemas.microsoft.com/office/drawing/2010/main" val="0"/>
+              </a:ext>
+            </a:extLst>
+          </a:blip>
+          <a:stretch>
+            <a:fillRect/>
+          </a:stretch>
+        </p:blipFill>
+        <p:spPr>
+          <a:xfrm>
+            <a:off x="653795" y="228173"/>
+            <a:ext cx="917722" cy="434968"/>
+          </a:xfrm>
+          <a:prstGeom prst="rect">
+            <a:avLst/>
+          </a:prstGeom>
+        </p:spPr>
+      </p:pic>
+      <p:sp>
+        <p:nvSpPr>
+          <p:cNvPr id="5" name="Заголовок 1">
+            <a:extLst>
+              <a:ext uri="{FF2B5EF4-FFF2-40B4-BE49-F238E27FC236}">
+                <a16:creationId xmlns:a16="http://schemas.microsoft.com/office/drawing/2014/main" id="{24CA03D2-0C25-4C56-981C-E42AE1D2258D}"/>
+              </a:ext>
+            </a:extLst>
+          </p:cNvPr>
+          <p:cNvSpPr txBox="1">
+            <a:spLocks/>
+          </p:cNvSpPr>
+          <p:nvPr/>
+        </p:nvSpPr>
+        <p:spPr>
+          <a:xfrm>
+            <a:off x="2725435" y="253769"/>
+            <a:ext cx="7107826" cy="524452"/>
+          </a:xfrm>
+          <a:prstGeom prst="rect">
+            <a:avLst/>
+          </a:prstGeom>
+        </p:spPr>
+        <p:txBody>
+          <a:bodyPr>
+            <a:noAutofit/>
+          </a:bodyPr>
+          <a:lstStyle>
+            <a:lvl1pPr algn="l" defTabSz="914400" rtl="0" eaLnBrk="1" latinLnBrk="0" hangingPunct="1">
+              <a:lnSpc>
+                <a:spcPct val="90000"/>
+              </a:lnSpc>
+              <a:spcBef>
+                <a:spcPct val="0"/>
+              </a:spcBef>
+              <a:buNone/>
+              <a:defRPr sz="4400" kern="1200">
+                <a:solidFill>
+                  <a:schemeClr val="tx1"/>
+                </a:solidFill>
+                <a:latin typeface="+mj-lt"/>
+                <a:ea typeface="+mj-ea"/>
+                <a:cs typeface="+mj-cs"/>
+              </a:defRPr>
+            </a:lvl1pPr>
+          </a:lstStyle>
+          <a:p>
+            <a:pPr algn="ctr">
+              <a:lnSpc>
+                <a:spcPct val="100000"/>
+              </a:lnSpc>
+            </a:pPr>
+            <a:r>
+              <a:rPr lang="ru-RU" altLang="ru-RU" sz="2400" b="1" dirty="0">
+                <a:solidFill>
+                  <a:srgbClr val="0070C0"/>
+                </a:solidFill>
+                <a:latin typeface="Times New Roman" panose="02020603050405020304" pitchFamily="18" charset="0"/>
+                <a:cs typeface="Times New Roman" panose="02020603050405020304" pitchFamily="18" charset="0"/>
+              </a:rPr>
+              <a:t>Наложение карты сегментации на изображение </a:t>
+            </a:r>
+          </a:p>
+        </p:txBody>
+      </p:sp>
+      <p:pic>
+        <p:nvPicPr>
+          <p:cNvPr id="19458" name="Picture 2">
+            <a:extLst>
+              <a:ext uri="{FF2B5EF4-FFF2-40B4-BE49-F238E27FC236}">
+                <a16:creationId xmlns:a16="http://schemas.microsoft.com/office/drawing/2014/main" id="{2EEBD0B3-4018-4B8A-8A87-F44CABFBEA47}"/>
+              </a:ext>
+            </a:extLst>
+          </p:cNvPr>
+          <p:cNvPicPr>
+            <a:picLocks noChangeAspect="1" noChangeArrowheads="1"/>
+          </p:cNvPicPr>
+          <p:nvPr/>
+        </p:nvPicPr>
+        <p:blipFill>
+          <a:blip r:embed="rId5">
+            <a:extLst>
+              <a:ext uri="{28A0092B-C50C-407E-A947-70E740481C1C}">
+                <a14:useLocalDpi xmlns:a14="http://schemas.microsoft.com/office/drawing/2010/main" val="0"/>
+              </a:ext>
+            </a:extLst>
+          </a:blip>
+          <a:srcRect/>
+          <a:stretch>
+            <a:fillRect/>
+          </a:stretch>
+        </p:blipFill>
+        <p:spPr bwMode="auto">
+          <a:xfrm>
+            <a:off x="0" y="3505200"/>
+            <a:ext cx="6096000" cy="3352800"/>
+          </a:xfrm>
+          <a:prstGeom prst="rect">
+            <a:avLst/>
+          </a:prstGeom>
+          <a:noFill/>
+          <a:extLst>
+            <a:ext uri="{909E8E84-426E-40DD-AFC4-6F175D3DCCD1}">
+              <a14:hiddenFill xmlns:a14="http://schemas.microsoft.com/office/drawing/2010/main">
+                <a:solidFill>
+                  <a:srgbClr val="FFFFFF"/>
+                </a:solidFill>
+              </a14:hiddenFill>
+            </a:ext>
+          </a:extLst>
+        </p:spPr>
+      </p:pic>
+      <p:pic>
+        <p:nvPicPr>
+          <p:cNvPr id="19460" name="Picture 4">
+            <a:extLst>
+              <a:ext uri="{FF2B5EF4-FFF2-40B4-BE49-F238E27FC236}">
+                <a16:creationId xmlns:a16="http://schemas.microsoft.com/office/drawing/2014/main" id="{FA31E637-D045-62CB-AFA3-9852EC75BF56}"/>
+              </a:ext>
+            </a:extLst>
+          </p:cNvPr>
+          <p:cNvPicPr>
+            <a:picLocks noChangeAspect="1" noChangeArrowheads="1"/>
+          </p:cNvPicPr>
+          <p:nvPr/>
+        </p:nvPicPr>
+        <p:blipFill>
+          <a:blip r:embed="rId6">
+            <a:extLst>
+              <a:ext uri="{28A0092B-C50C-407E-A947-70E740481C1C}">
+                <a14:useLocalDpi xmlns:a14="http://schemas.microsoft.com/office/drawing/2010/main" val="0"/>
+              </a:ext>
+            </a:extLst>
+          </a:blip>
+          <a:srcRect/>
+          <a:stretch>
+            <a:fillRect/>
+          </a:stretch>
+        </p:blipFill>
+        <p:spPr bwMode="auto">
+          <a:xfrm>
+            <a:off x="3638639" y="871701"/>
+            <a:ext cx="4914722" cy="2703097"/>
+          </a:xfrm>
+          <a:prstGeom prst="rect">
+            <a:avLst/>
+          </a:prstGeom>
+          <a:noFill/>
+          <a:extLst>
+            <a:ext uri="{909E8E84-426E-40DD-AFC4-6F175D3DCCD1}">
+              <a14:hiddenFill xmlns:a14="http://schemas.microsoft.com/office/drawing/2010/main">
+                <a:solidFill>
+                  <a:srgbClr val="FFFFFF"/>
+                </a:solidFill>
+              </a14:hiddenFill>
+            </a:ext>
+          </a:extLst>
+        </p:spPr>
+      </p:pic>
+      <p:pic>
+        <p:nvPicPr>
+          <p:cNvPr id="19462" name="Picture 6">
+            <a:extLst>
+              <a:ext uri="{FF2B5EF4-FFF2-40B4-BE49-F238E27FC236}">
+                <a16:creationId xmlns:a16="http://schemas.microsoft.com/office/drawing/2014/main" id="{6FED006E-A11B-10AF-1D21-263858596747}"/>
+              </a:ext>
+            </a:extLst>
+          </p:cNvPr>
+          <p:cNvPicPr>
+            <a:picLocks noChangeAspect="1" noChangeArrowheads="1"/>
+          </p:cNvPicPr>
+          <p:nvPr/>
+        </p:nvPicPr>
+        <p:blipFill>
+          <a:blip r:embed="rId7">
+            <a:extLst>
+              <a:ext uri="{28A0092B-C50C-407E-A947-70E740481C1C}">
+                <a14:useLocalDpi xmlns:a14="http://schemas.microsoft.com/office/drawing/2010/main" val="0"/>
+              </a:ext>
+            </a:extLst>
+          </a:blip>
+          <a:srcRect/>
+          <a:stretch>
+            <a:fillRect/>
+          </a:stretch>
+        </p:blipFill>
+        <p:spPr bwMode="auto">
+          <a:xfrm>
+            <a:off x="6096000" y="3504935"/>
+            <a:ext cx="6096000" cy="3352800"/>
+          </a:xfrm>
+          <a:prstGeom prst="rect">
+            <a:avLst/>
+          </a:prstGeom>
+          <a:noFill/>
+          <a:extLst>
+            <a:ext uri="{909E8E84-426E-40DD-AFC4-6F175D3DCCD1}">
+              <a14:hiddenFill xmlns:a14="http://schemas.microsoft.com/office/drawing/2010/main">
+                <a:solidFill>
+                  <a:srgbClr val="FFFFFF"/>
+                </a:solidFill>
+              </a14:hiddenFill>
+            </a:ext>
+          </a:extLst>
+        </p:spPr>
+      </p:pic>
+    </p:spTree>
+    <p:extLst>
+      <p:ext uri="{BB962C8B-B14F-4D97-AF65-F5344CB8AC3E}">
+        <p14:creationId xmlns:p14="http://schemas.microsoft.com/office/powerpoint/2010/main" val="1884507916"/>
+      </p:ext>
+    </p:extLst>
+  </p:cSld>
+  <p:clrMapOvr>
+    <a:masterClrMapping/>
+  </p:clrMapOvr>
+</p:sld>
+</file>
+
+<file path=ppt/slides/slide11.xml><?xml version="1.0" encoding="utf-8"?>
+<p:sld xmlns:a="http://schemas.openxmlformats.org/drawingml/2006/main" xmlns:r="http://schemas.openxmlformats.org/officeDocument/2006/relationships" xmlns:p="http://schemas.openxmlformats.org/presentationml/2006/main">
+  <p:cSld>
+    <p:spTree>
+      <p:nvGrpSpPr>
+        <p:cNvPr id="1" name="">
+          <a:extLst>
+            <a:ext uri="{FF2B5EF4-FFF2-40B4-BE49-F238E27FC236}">
+              <a16:creationId xmlns:a16="http://schemas.microsoft.com/office/drawing/2014/main" id="{DB619755-13D0-13DA-CB78-E33EED552EC5}"/>
+            </a:ext>
+          </a:extLst>
+        </p:cNvPr>
+        <p:cNvGrpSpPr/>
+        <p:nvPr/>
+      </p:nvGrpSpPr>
+      <p:grpSpPr>
+        <a:xfrm>
+          <a:off x="0" y="0"/>
+          <a:ext cx="0" cy="0"/>
+          <a:chOff x="0" y="0"/>
+          <a:chExt cx="0" cy="0"/>
+        </a:xfrm>
+      </p:grpSpPr>
+      <p:graphicFrame>
+        <p:nvGraphicFramePr>
+          <p:cNvPr id="12" name="Объект 11">
+            <a:extLst>
+              <a:ext uri="{FF2B5EF4-FFF2-40B4-BE49-F238E27FC236}">
+                <a16:creationId xmlns:a16="http://schemas.microsoft.com/office/drawing/2014/main" id="{8037E854-CB5C-6796-945F-67256B464B3A}"/>
+              </a:ext>
+            </a:extLst>
+          </p:cNvPr>
+          <p:cNvGraphicFramePr>
+            <a:graphicFrameLocks noChangeAspect="1"/>
+          </p:cNvGraphicFramePr>
+          <p:nvPr/>
+        </p:nvGraphicFramePr>
+        <p:xfrm>
+          <a:off x="10289848" y="216259"/>
+          <a:ext cx="1282735" cy="446617"/>
+        </p:xfrm>
+        <a:graphic>
+          <a:graphicData uri="http://schemas.openxmlformats.org/presentationml/2006/ole">
+            <mc:AlternateContent xmlns:mc="http://schemas.openxmlformats.org/markup-compatibility/2006">
+              <mc:Choice xmlns:v="urn:schemas-microsoft-com:vml" Requires="v">
+                <p:oleObj name="CorelDRAW" r:id="rId2" imgW="2566457" imgH="894201" progId="CorelDraw.Graphic.22">
+                  <p:embed/>
+                </p:oleObj>
+              </mc:Choice>
+              <mc:Fallback>
+                <p:oleObj name="CorelDRAW" r:id="rId2" imgW="2566457" imgH="894201" progId="CorelDraw.Graphic.22">
+                  <p:embed/>
+                  <p:pic>
+                    <p:nvPicPr>
+                      <p:cNvPr id="12" name="Объект 11">
+                        <a:extLst>
+                          <a:ext uri="{FF2B5EF4-FFF2-40B4-BE49-F238E27FC236}">
+                            <a16:creationId xmlns:a16="http://schemas.microsoft.com/office/drawing/2014/main" id="{D74103BC-4797-9427-6CF0-9DA8E8946F97}"/>
+                          </a:ext>
+                        </a:extLst>
+                      </p:cNvPr>
+                      <p:cNvPicPr/>
+                      <p:nvPr/>
+                    </p:nvPicPr>
+                    <p:blipFill>
+                      <a:blip r:embed="rId3"/>
+                      <a:stretch>
+                        <a:fillRect/>
+                      </a:stretch>
+                    </p:blipFill>
+                    <p:spPr>
+                      <a:xfrm>
+                        <a:off x="10289848" y="216259"/>
+                        <a:ext cx="1282735" cy="446617"/>
+                      </a:xfrm>
+                      <a:prstGeom prst="rect">
+                        <a:avLst/>
+                      </a:prstGeom>
+                    </p:spPr>
+                  </p:pic>
+                </p:oleObj>
+              </mc:Fallback>
+            </mc:AlternateContent>
+          </a:graphicData>
+        </a:graphic>
+      </p:graphicFrame>
+      <p:sp>
+        <p:nvSpPr>
+          <p:cNvPr id="9" name="Прямоугольник 8">
+            <a:extLst>
+              <a:ext uri="{FF2B5EF4-FFF2-40B4-BE49-F238E27FC236}">
+                <a16:creationId xmlns:a16="http://schemas.microsoft.com/office/drawing/2014/main" id="{BD24C95B-E5BC-16C0-D361-6AF2425DE452}"/>
+              </a:ext>
+            </a:extLst>
+          </p:cNvPr>
+          <p:cNvSpPr/>
+          <p:nvPr/>
+        </p:nvSpPr>
+        <p:spPr>
+          <a:xfrm>
+            <a:off x="986118" y="756621"/>
+            <a:ext cx="10586465" cy="21600"/>
+          </a:xfrm>
+          <a:prstGeom prst="rect">
+            <a:avLst/>
+          </a:prstGeom>
+          <a:solidFill>
+            <a:srgbClr val="0070C0"/>
+          </a:solidFill>
+          <a:ln>
+            <a:noFill/>
+          </a:ln>
+        </p:spPr>
+        <p:style>
+          <a:lnRef idx="2">
+            <a:schemeClr val="accent1">
+              <a:shade val="50000"/>
+            </a:schemeClr>
+          </a:lnRef>
+          <a:fillRef idx="1">
+            <a:schemeClr val="accent1"/>
+          </a:fillRef>
+          <a:effectRef idx="0">
+            <a:schemeClr val="accent1"/>
+          </a:effectRef>
+          <a:fontRef idx="minor">
+            <a:schemeClr val="lt1"/>
+          </a:fontRef>
+        </p:style>
+        <p:txBody>
+          <a:bodyPr rtlCol="0" anchor="ctr"/>
+          <a:lstStyle/>
+          <a:p>
+            <a:pPr algn="ctr"/>
+            <a:endParaRPr lang="ru-RU" dirty="0">
+              <a:solidFill>
+                <a:srgbClr val="7030A0"/>
+              </a:solidFill>
+            </a:endParaRPr>
+          </a:p>
+        </p:txBody>
+      </p:sp>
+      <p:pic>
+        <p:nvPicPr>
+          <p:cNvPr id="10" name="Рисунок 9">
+            <a:extLst>
+              <a:ext uri="{FF2B5EF4-FFF2-40B4-BE49-F238E27FC236}">
+                <a16:creationId xmlns:a16="http://schemas.microsoft.com/office/drawing/2014/main" id="{2F129FE4-22AE-86DC-4DD3-CB234C4C6C7C}"/>
+              </a:ext>
+            </a:extLst>
+          </p:cNvPr>
+          <p:cNvPicPr>
+            <a:picLocks noChangeAspect="1"/>
+          </p:cNvPicPr>
+          <p:nvPr/>
+        </p:nvPicPr>
+        <p:blipFill>
+          <a:blip r:embed="rId4" cstate="print">
+            <a:extLst>
+              <a:ext uri="{28A0092B-C50C-407E-A947-70E740481C1C}">
+                <a14:useLocalDpi xmlns:a14="http://schemas.microsoft.com/office/drawing/2010/main" val="0"/>
+              </a:ext>
+            </a:extLst>
+          </a:blip>
+          <a:stretch>
+            <a:fillRect/>
+          </a:stretch>
+        </p:blipFill>
+        <p:spPr>
+          <a:xfrm>
+            <a:off x="653795" y="228173"/>
+            <a:ext cx="917722" cy="434968"/>
+          </a:xfrm>
+          <a:prstGeom prst="rect">
+            <a:avLst/>
+          </a:prstGeom>
+        </p:spPr>
+      </p:pic>
+      <p:sp>
+        <p:nvSpPr>
+          <p:cNvPr id="5" name="Заголовок 1">
+            <a:extLst>
+              <a:ext uri="{FF2B5EF4-FFF2-40B4-BE49-F238E27FC236}">
+                <a16:creationId xmlns:a16="http://schemas.microsoft.com/office/drawing/2014/main" id="{0C8E5C66-2913-5B9A-B826-BE6272470E56}"/>
+              </a:ext>
+            </a:extLst>
+          </p:cNvPr>
+          <p:cNvSpPr txBox="1">
+            <a:spLocks/>
+          </p:cNvSpPr>
+          <p:nvPr/>
+        </p:nvSpPr>
+        <p:spPr>
+          <a:xfrm>
+            <a:off x="2725435" y="253769"/>
+            <a:ext cx="7107826" cy="524452"/>
+          </a:xfrm>
+          <a:prstGeom prst="rect">
+            <a:avLst/>
+          </a:prstGeom>
+        </p:spPr>
+        <p:txBody>
+          <a:bodyPr>
+            <a:noAutofit/>
+          </a:bodyPr>
+          <a:lstStyle>
+            <a:lvl1pPr algn="l" defTabSz="914400" rtl="0" eaLnBrk="1" latinLnBrk="0" hangingPunct="1">
+              <a:lnSpc>
+                <a:spcPct val="90000"/>
+              </a:lnSpc>
+              <a:spcBef>
+                <a:spcPct val="0"/>
+              </a:spcBef>
+              <a:buNone/>
+              <a:defRPr sz="4400" kern="1200">
+                <a:solidFill>
+                  <a:schemeClr val="tx1"/>
+                </a:solidFill>
+                <a:latin typeface="+mj-lt"/>
+                <a:ea typeface="+mj-ea"/>
+                <a:cs typeface="+mj-cs"/>
+              </a:defRPr>
+            </a:lvl1pPr>
+          </a:lstStyle>
+          <a:p>
+            <a:pPr algn="ctr">
+              <a:lnSpc>
+                <a:spcPct val="100000"/>
+              </a:lnSpc>
+            </a:pPr>
+            <a:r>
+              <a:rPr lang="ru-RU" altLang="ru-RU" sz="2400" b="1" dirty="0">
+                <a:solidFill>
+                  <a:srgbClr val="0070C0"/>
+                </a:solidFill>
+                <a:latin typeface="Times New Roman" panose="02020603050405020304" pitchFamily="18" charset="0"/>
+                <a:cs typeface="Times New Roman" panose="02020603050405020304" pitchFamily="18" charset="0"/>
+              </a:rPr>
+              <a:t>Модели для сегментации</a:t>
+            </a:r>
+          </a:p>
+        </p:txBody>
+      </p:sp>
+      <p:pic>
+        <p:nvPicPr>
+          <p:cNvPr id="3" name="Рисунок 2">
+            <a:extLst>
+              <a:ext uri="{FF2B5EF4-FFF2-40B4-BE49-F238E27FC236}">
+                <a16:creationId xmlns:a16="http://schemas.microsoft.com/office/drawing/2014/main" id="{13BDAB75-44D7-6D6D-8988-BFE90A940971}"/>
+              </a:ext>
+            </a:extLst>
+          </p:cNvPr>
+          <p:cNvPicPr>
+            <a:picLocks noChangeAspect="1"/>
+          </p:cNvPicPr>
+          <p:nvPr/>
+        </p:nvPicPr>
+        <p:blipFill>
+          <a:blip r:embed="rId5"/>
+          <a:stretch>
+            <a:fillRect/>
+          </a:stretch>
+        </p:blipFill>
+        <p:spPr>
+          <a:xfrm>
+            <a:off x="526762" y="3582159"/>
+            <a:ext cx="5569238" cy="2882956"/>
+          </a:xfrm>
+          <a:prstGeom prst="rect">
+            <a:avLst/>
+          </a:prstGeom>
+        </p:spPr>
+      </p:pic>
+      <p:pic>
+        <p:nvPicPr>
+          <p:cNvPr id="6" name="Рисунок 5">
+            <a:extLst>
+              <a:ext uri="{FF2B5EF4-FFF2-40B4-BE49-F238E27FC236}">
+                <a16:creationId xmlns:a16="http://schemas.microsoft.com/office/drawing/2014/main" id="{2D9210BB-5C07-4CED-1ECC-03F50DDF0A6E}"/>
+              </a:ext>
+            </a:extLst>
+          </p:cNvPr>
+          <p:cNvPicPr>
+            <a:picLocks noChangeAspect="1"/>
+          </p:cNvPicPr>
+          <p:nvPr/>
+        </p:nvPicPr>
+        <p:blipFill>
+          <a:blip r:embed="rId6"/>
+          <a:stretch>
+            <a:fillRect/>
+          </a:stretch>
+        </p:blipFill>
+        <p:spPr>
+          <a:xfrm>
+            <a:off x="6620901" y="903767"/>
+            <a:ext cx="5241738" cy="2882956"/>
+          </a:xfrm>
+          <a:prstGeom prst="rect">
+            <a:avLst/>
+          </a:prstGeom>
+        </p:spPr>
+      </p:pic>
+      <p:pic>
+        <p:nvPicPr>
+          <p:cNvPr id="8" name="Рисунок 7">
+            <a:extLst>
+              <a:ext uri="{FF2B5EF4-FFF2-40B4-BE49-F238E27FC236}">
+                <a16:creationId xmlns:a16="http://schemas.microsoft.com/office/drawing/2014/main" id="{1DD9E749-98AC-5166-28D6-8B03BE8AD4E6}"/>
+              </a:ext>
+            </a:extLst>
+          </p:cNvPr>
+          <p:cNvPicPr>
+            <a:picLocks noChangeAspect="1"/>
+          </p:cNvPicPr>
+          <p:nvPr/>
+        </p:nvPicPr>
+        <p:blipFill>
+          <a:blip r:embed="rId7"/>
+          <a:stretch>
+            <a:fillRect/>
+          </a:stretch>
+        </p:blipFill>
+        <p:spPr>
+          <a:xfrm>
+            <a:off x="6620900" y="3662431"/>
+            <a:ext cx="5241737" cy="2882956"/>
+          </a:xfrm>
+          <a:prstGeom prst="rect">
+            <a:avLst/>
+          </a:prstGeom>
+        </p:spPr>
+      </p:pic>
+      <p:sp>
+        <p:nvSpPr>
+          <p:cNvPr id="11" name="Заголовок 1">
+            <a:extLst>
+              <a:ext uri="{FF2B5EF4-FFF2-40B4-BE49-F238E27FC236}">
+                <a16:creationId xmlns:a16="http://schemas.microsoft.com/office/drawing/2014/main" id="{7AEF3077-A24B-76E7-1322-10D655615165}"/>
+              </a:ext>
+            </a:extLst>
+          </p:cNvPr>
+          <p:cNvSpPr txBox="1">
+            <a:spLocks/>
+          </p:cNvSpPr>
+          <p:nvPr/>
+        </p:nvSpPr>
+        <p:spPr>
+          <a:xfrm>
+            <a:off x="-1251781" y="903767"/>
+            <a:ext cx="7107826" cy="524452"/>
+          </a:xfrm>
+          <a:prstGeom prst="rect">
+            <a:avLst/>
+          </a:prstGeom>
+        </p:spPr>
+        <p:txBody>
+          <a:bodyPr>
+            <a:noAutofit/>
+          </a:bodyPr>
+          <a:lstStyle>
+            <a:lvl1pPr algn="l" defTabSz="914400" rtl="0" eaLnBrk="1" latinLnBrk="0" hangingPunct="1">
+              <a:lnSpc>
+                <a:spcPct val="90000"/>
+              </a:lnSpc>
+              <a:spcBef>
+                <a:spcPct val="0"/>
+              </a:spcBef>
+              <a:buNone/>
+              <a:defRPr sz="4400" kern="1200">
+                <a:solidFill>
+                  <a:schemeClr val="tx1"/>
+                </a:solidFill>
+                <a:latin typeface="+mj-lt"/>
+                <a:ea typeface="+mj-ea"/>
+                <a:cs typeface="+mj-cs"/>
+              </a:defRPr>
+            </a:lvl1pPr>
+          </a:lstStyle>
+          <a:p>
+            <a:pPr algn="ctr">
+              <a:lnSpc>
+                <a:spcPct val="100000"/>
+              </a:lnSpc>
+            </a:pPr>
+            <a:r>
+              <a:rPr lang="ru-RU" altLang="ru-RU" sz="2400" b="1" dirty="0">
+                <a:solidFill>
+                  <a:srgbClr val="0070C0"/>
+                </a:solidFill>
+                <a:latin typeface="Times New Roman" panose="02020603050405020304" pitchFamily="18" charset="0"/>
+                <a:cs typeface="Times New Roman" panose="02020603050405020304" pitchFamily="18" charset="0"/>
+              </a:rPr>
+              <a:t>Модель 1</a:t>
+            </a:r>
+          </a:p>
+        </p:txBody>
+      </p:sp>
+      <p:pic>
+        <p:nvPicPr>
+          <p:cNvPr id="15" name="Рисунок 14">
+            <a:extLst>
+              <a:ext uri="{FF2B5EF4-FFF2-40B4-BE49-F238E27FC236}">
+                <a16:creationId xmlns:a16="http://schemas.microsoft.com/office/drawing/2014/main" id="{3E9DF8F8-AF31-828E-050E-FFA782AB47A4}"/>
+              </a:ext>
+            </a:extLst>
+          </p:cNvPr>
+          <p:cNvPicPr>
+            <a:picLocks noChangeAspect="1"/>
+          </p:cNvPicPr>
+          <p:nvPr/>
+        </p:nvPicPr>
+        <p:blipFill>
+          <a:blip r:embed="rId8"/>
+          <a:stretch>
+            <a:fillRect/>
+          </a:stretch>
+        </p:blipFill>
+        <p:spPr>
+          <a:xfrm>
+            <a:off x="526762" y="1809287"/>
+            <a:ext cx="5550838" cy="1391803"/>
+          </a:xfrm>
+          <a:prstGeom prst="rect">
+            <a:avLst/>
+          </a:prstGeom>
+        </p:spPr>
+      </p:pic>
+    </p:spTree>
+    <p:extLst>
+      <p:ext uri="{BB962C8B-B14F-4D97-AF65-F5344CB8AC3E}">
+        <p14:creationId xmlns:p14="http://schemas.microsoft.com/office/powerpoint/2010/main" val="3552297675"/>
+      </p:ext>
+    </p:extLst>
+  </p:cSld>
+  <p:clrMapOvr>
+    <a:masterClrMapping/>
+  </p:clrMapOvr>
+</p:sld>
+</file>
+
+<file path=ppt/slides/slide12.xml><?xml version="1.0" encoding="utf-8"?>
+<p:sld xmlns:a="http://schemas.openxmlformats.org/drawingml/2006/main" xmlns:r="http://schemas.openxmlformats.org/officeDocument/2006/relationships" xmlns:p="http://schemas.openxmlformats.org/presentationml/2006/main">
+  <p:cSld>
+    <p:spTree>
+      <p:nvGrpSpPr>
+        <p:cNvPr id="1" name="">
+          <a:extLst>
+            <a:ext uri="{FF2B5EF4-FFF2-40B4-BE49-F238E27FC236}">
+              <a16:creationId xmlns:a16="http://schemas.microsoft.com/office/drawing/2014/main" id="{B6230954-9EB7-8EB2-8BC3-2FB26562CBC7}"/>
+            </a:ext>
+          </a:extLst>
+        </p:cNvPr>
+        <p:cNvGrpSpPr/>
+        <p:nvPr/>
+      </p:nvGrpSpPr>
+      <p:grpSpPr>
+        <a:xfrm>
+          <a:off x="0" y="0"/>
+          <a:ext cx="0" cy="0"/>
+          <a:chOff x="0" y="0"/>
+          <a:chExt cx="0" cy="0"/>
+        </a:xfrm>
+      </p:grpSpPr>
+      <p:graphicFrame>
+        <p:nvGraphicFramePr>
+          <p:cNvPr id="12" name="Объект 11">
+            <a:extLst>
+              <a:ext uri="{FF2B5EF4-FFF2-40B4-BE49-F238E27FC236}">
+                <a16:creationId xmlns:a16="http://schemas.microsoft.com/office/drawing/2014/main" id="{AF06E936-DD31-5EE4-4DFD-0F5B7E8A84E8}"/>
+              </a:ext>
+            </a:extLst>
+          </p:cNvPr>
+          <p:cNvGraphicFramePr>
+            <a:graphicFrameLocks noChangeAspect="1"/>
+          </p:cNvGraphicFramePr>
+          <p:nvPr/>
+        </p:nvGraphicFramePr>
+        <p:xfrm>
+          <a:off x="10289848" y="216259"/>
+          <a:ext cx="1282735" cy="446617"/>
+        </p:xfrm>
+        <a:graphic>
+          <a:graphicData uri="http://schemas.openxmlformats.org/presentationml/2006/ole">
+            <mc:AlternateContent xmlns:mc="http://schemas.openxmlformats.org/markup-compatibility/2006">
+              <mc:Choice xmlns:v="urn:schemas-microsoft-com:vml" Requires="v">
+                <p:oleObj name="CorelDRAW" r:id="rId2" imgW="2566457" imgH="894201" progId="CorelDraw.Graphic.22">
+                  <p:embed/>
+                </p:oleObj>
+              </mc:Choice>
+              <mc:Fallback>
+                <p:oleObj name="CorelDRAW" r:id="rId2" imgW="2566457" imgH="894201" progId="CorelDraw.Graphic.22">
+                  <p:embed/>
+                  <p:pic>
+                    <p:nvPicPr>
+                      <p:cNvPr id="12" name="Объект 11">
+                        <a:extLst>
+                          <a:ext uri="{FF2B5EF4-FFF2-40B4-BE49-F238E27FC236}">
+                            <a16:creationId xmlns:a16="http://schemas.microsoft.com/office/drawing/2014/main" id="{8037E854-CB5C-6796-945F-67256B464B3A}"/>
+                          </a:ext>
+                        </a:extLst>
+                      </p:cNvPr>
+                      <p:cNvPicPr/>
+                      <p:nvPr/>
+                    </p:nvPicPr>
+                    <p:blipFill>
+                      <a:blip r:embed="rId3"/>
+                      <a:stretch>
+                        <a:fillRect/>
+                      </a:stretch>
+                    </p:blipFill>
+                    <p:spPr>
+                      <a:xfrm>
+                        <a:off x="10289848" y="216259"/>
+                        <a:ext cx="1282735" cy="446617"/>
+                      </a:xfrm>
+                      <a:prstGeom prst="rect">
+                        <a:avLst/>
+                      </a:prstGeom>
+                    </p:spPr>
+                  </p:pic>
+                </p:oleObj>
+              </mc:Fallback>
+            </mc:AlternateContent>
+          </a:graphicData>
+        </a:graphic>
+      </p:graphicFrame>
+      <p:sp>
+        <p:nvSpPr>
+          <p:cNvPr id="9" name="Прямоугольник 8">
+            <a:extLst>
+              <a:ext uri="{FF2B5EF4-FFF2-40B4-BE49-F238E27FC236}">
+                <a16:creationId xmlns:a16="http://schemas.microsoft.com/office/drawing/2014/main" id="{12AAFA08-61FE-0AE3-97D5-945CA1CDDA70}"/>
+              </a:ext>
+            </a:extLst>
+          </p:cNvPr>
+          <p:cNvSpPr/>
+          <p:nvPr/>
+        </p:nvSpPr>
+        <p:spPr>
+          <a:xfrm>
+            <a:off x="986118" y="756621"/>
+            <a:ext cx="10586465" cy="21600"/>
+          </a:xfrm>
+          <a:prstGeom prst="rect">
+            <a:avLst/>
+          </a:prstGeom>
+          <a:solidFill>
+            <a:srgbClr val="0070C0"/>
+          </a:solidFill>
+          <a:ln>
+            <a:noFill/>
+          </a:ln>
+        </p:spPr>
+        <p:style>
+          <a:lnRef idx="2">
+            <a:schemeClr val="accent1">
+              <a:shade val="50000"/>
+            </a:schemeClr>
+          </a:lnRef>
+          <a:fillRef idx="1">
+            <a:schemeClr val="accent1"/>
+          </a:fillRef>
+          <a:effectRef idx="0">
+            <a:schemeClr val="accent1"/>
+          </a:effectRef>
+          <a:fontRef idx="minor">
+            <a:schemeClr val="lt1"/>
+          </a:fontRef>
+        </p:style>
+        <p:txBody>
+          <a:bodyPr rtlCol="0" anchor="ctr"/>
+          <a:lstStyle/>
+          <a:p>
+            <a:pPr algn="ctr"/>
+            <a:endParaRPr lang="ru-RU" dirty="0">
+              <a:solidFill>
+                <a:srgbClr val="7030A0"/>
+              </a:solidFill>
+            </a:endParaRPr>
+          </a:p>
+        </p:txBody>
+      </p:sp>
+      <p:pic>
+        <p:nvPicPr>
+          <p:cNvPr id="10" name="Рисунок 9">
+            <a:extLst>
+              <a:ext uri="{FF2B5EF4-FFF2-40B4-BE49-F238E27FC236}">
+                <a16:creationId xmlns:a16="http://schemas.microsoft.com/office/drawing/2014/main" id="{C6C7A7E2-CAF3-6616-0729-B275997FEB33}"/>
+              </a:ext>
+            </a:extLst>
+          </p:cNvPr>
+          <p:cNvPicPr>
+            <a:picLocks noChangeAspect="1"/>
+          </p:cNvPicPr>
+          <p:nvPr/>
+        </p:nvPicPr>
+        <p:blipFill>
+          <a:blip r:embed="rId4" cstate="print">
+            <a:extLst>
+              <a:ext uri="{28A0092B-C50C-407E-A947-70E740481C1C}">
+                <a14:useLocalDpi xmlns:a14="http://schemas.microsoft.com/office/drawing/2010/main" val="0"/>
+              </a:ext>
+            </a:extLst>
+          </a:blip>
+          <a:stretch>
+            <a:fillRect/>
+          </a:stretch>
+        </p:blipFill>
+        <p:spPr>
+          <a:xfrm>
+            <a:off x="653795" y="228173"/>
+            <a:ext cx="917722" cy="434968"/>
+          </a:xfrm>
+          <a:prstGeom prst="rect">
+            <a:avLst/>
+          </a:prstGeom>
+        </p:spPr>
+      </p:pic>
+      <p:sp>
+        <p:nvSpPr>
+          <p:cNvPr id="5" name="Заголовок 1">
+            <a:extLst>
+              <a:ext uri="{FF2B5EF4-FFF2-40B4-BE49-F238E27FC236}">
+                <a16:creationId xmlns:a16="http://schemas.microsoft.com/office/drawing/2014/main" id="{DE405766-5564-DF07-92F5-16650DE1A377}"/>
+              </a:ext>
+            </a:extLst>
+          </p:cNvPr>
+          <p:cNvSpPr txBox="1">
+            <a:spLocks/>
+          </p:cNvSpPr>
+          <p:nvPr/>
+        </p:nvSpPr>
+        <p:spPr>
+          <a:xfrm>
+            <a:off x="2725435" y="253769"/>
+            <a:ext cx="7107826" cy="524452"/>
+          </a:xfrm>
+          <a:prstGeom prst="rect">
+            <a:avLst/>
+          </a:prstGeom>
+        </p:spPr>
+        <p:txBody>
+          <a:bodyPr>
+            <a:noAutofit/>
+          </a:bodyPr>
+          <a:lstStyle>
+            <a:lvl1pPr algn="l" defTabSz="914400" rtl="0" eaLnBrk="1" latinLnBrk="0" hangingPunct="1">
+              <a:lnSpc>
+                <a:spcPct val="90000"/>
+              </a:lnSpc>
+              <a:spcBef>
+                <a:spcPct val="0"/>
+              </a:spcBef>
+              <a:buNone/>
+              <a:defRPr sz="4400" kern="1200">
+                <a:solidFill>
+                  <a:schemeClr val="tx1"/>
+                </a:solidFill>
+                <a:latin typeface="+mj-lt"/>
+                <a:ea typeface="+mj-ea"/>
+                <a:cs typeface="+mj-cs"/>
+              </a:defRPr>
+            </a:lvl1pPr>
+          </a:lstStyle>
+          <a:p>
+            <a:pPr algn="ctr">
+              <a:lnSpc>
+                <a:spcPct val="100000"/>
+              </a:lnSpc>
+            </a:pPr>
+            <a:r>
+              <a:rPr lang="ru-RU" altLang="ru-RU" sz="2400" b="1" dirty="0">
+                <a:solidFill>
+                  <a:srgbClr val="0070C0"/>
+                </a:solidFill>
+                <a:latin typeface="Times New Roman" panose="02020603050405020304" pitchFamily="18" charset="0"/>
+                <a:cs typeface="Times New Roman" panose="02020603050405020304" pitchFamily="18" charset="0"/>
+              </a:rPr>
+              <a:t>Модели для сегментации</a:t>
+            </a:r>
+          </a:p>
+        </p:txBody>
+      </p:sp>
+      <p:pic>
+        <p:nvPicPr>
+          <p:cNvPr id="6" name="Рисунок 5">
+            <a:extLst>
+              <a:ext uri="{FF2B5EF4-FFF2-40B4-BE49-F238E27FC236}">
+                <a16:creationId xmlns:a16="http://schemas.microsoft.com/office/drawing/2014/main" id="{37ACAD74-EA48-6028-EBAB-60F9687EFB44}"/>
+              </a:ext>
+            </a:extLst>
+          </p:cNvPr>
+          <p:cNvPicPr>
+            <a:picLocks noChangeAspect="1"/>
+          </p:cNvPicPr>
+          <p:nvPr/>
+        </p:nvPicPr>
+        <p:blipFill>
+          <a:blip r:embed="rId5"/>
+          <a:stretch>
+            <a:fillRect/>
+          </a:stretch>
+        </p:blipFill>
+        <p:spPr>
+          <a:xfrm>
+            <a:off x="6620901" y="903767"/>
+            <a:ext cx="5241738" cy="2882956"/>
+          </a:xfrm>
+          <a:prstGeom prst="rect">
+            <a:avLst/>
+          </a:prstGeom>
+        </p:spPr>
+      </p:pic>
+      <p:pic>
+        <p:nvPicPr>
+          <p:cNvPr id="8" name="Рисунок 7">
+            <a:extLst>
+              <a:ext uri="{FF2B5EF4-FFF2-40B4-BE49-F238E27FC236}">
+                <a16:creationId xmlns:a16="http://schemas.microsoft.com/office/drawing/2014/main" id="{FBD8A6E4-F531-0CD5-9F3D-D37E10CB0D5E}"/>
+              </a:ext>
+            </a:extLst>
+          </p:cNvPr>
+          <p:cNvPicPr>
+            <a:picLocks noChangeAspect="1"/>
+          </p:cNvPicPr>
+          <p:nvPr/>
+        </p:nvPicPr>
+        <p:blipFill>
+          <a:blip r:embed="rId6"/>
+          <a:stretch>
+            <a:fillRect/>
+          </a:stretch>
+        </p:blipFill>
+        <p:spPr>
+          <a:xfrm>
+            <a:off x="6620900" y="3662431"/>
+            <a:ext cx="5241737" cy="2882956"/>
+          </a:xfrm>
+          <a:prstGeom prst="rect">
+            <a:avLst/>
+          </a:prstGeom>
+        </p:spPr>
+      </p:pic>
+      <p:sp>
+        <p:nvSpPr>
+          <p:cNvPr id="11" name="Заголовок 1">
+            <a:extLst>
+              <a:ext uri="{FF2B5EF4-FFF2-40B4-BE49-F238E27FC236}">
+                <a16:creationId xmlns:a16="http://schemas.microsoft.com/office/drawing/2014/main" id="{19D333C9-2C49-39E2-73C4-BE8F58083A9D}"/>
+              </a:ext>
+            </a:extLst>
+          </p:cNvPr>
+          <p:cNvSpPr txBox="1">
+            <a:spLocks/>
+          </p:cNvSpPr>
+          <p:nvPr/>
+        </p:nvSpPr>
+        <p:spPr>
+          <a:xfrm>
+            <a:off x="-1251781" y="903767"/>
+            <a:ext cx="7107826" cy="524452"/>
+          </a:xfrm>
+          <a:prstGeom prst="rect">
+            <a:avLst/>
+          </a:prstGeom>
+        </p:spPr>
+        <p:txBody>
+          <a:bodyPr>
+            <a:noAutofit/>
+          </a:bodyPr>
+          <a:lstStyle>
+            <a:lvl1pPr algn="l" defTabSz="914400" rtl="0" eaLnBrk="1" latinLnBrk="0" hangingPunct="1">
+              <a:lnSpc>
+                <a:spcPct val="90000"/>
+              </a:lnSpc>
+              <a:spcBef>
+                <a:spcPct val="0"/>
+              </a:spcBef>
+              <a:buNone/>
+              <a:defRPr sz="4400" kern="1200">
+                <a:solidFill>
+                  <a:schemeClr val="tx1"/>
+                </a:solidFill>
+                <a:latin typeface="+mj-lt"/>
+                <a:ea typeface="+mj-ea"/>
+                <a:cs typeface="+mj-cs"/>
+              </a:defRPr>
+            </a:lvl1pPr>
+          </a:lstStyle>
+          <a:p>
+            <a:pPr algn="ctr">
+              <a:lnSpc>
+                <a:spcPct val="100000"/>
+              </a:lnSpc>
+            </a:pPr>
+            <a:r>
+              <a:rPr lang="ru-RU" altLang="ru-RU" sz="2400" b="1" dirty="0">
+                <a:solidFill>
+                  <a:srgbClr val="0070C0"/>
+                </a:solidFill>
+                <a:latin typeface="Times New Roman" panose="02020603050405020304" pitchFamily="18" charset="0"/>
+                <a:cs typeface="Times New Roman" panose="02020603050405020304" pitchFamily="18" charset="0"/>
+              </a:rPr>
+              <a:t>Модель 1</a:t>
+            </a:r>
+          </a:p>
+        </p:txBody>
+      </p:sp>
+      <p:sp>
+        <p:nvSpPr>
+          <p:cNvPr id="4" name="TextBox 3">
+            <a:extLst>
+              <a:ext uri="{FF2B5EF4-FFF2-40B4-BE49-F238E27FC236}">
+                <a16:creationId xmlns:a16="http://schemas.microsoft.com/office/drawing/2014/main" id="{D3B83747-6FBA-FE83-4C1F-CC07797B68B9}"/>
+              </a:ext>
+            </a:extLst>
+          </p:cNvPr>
+          <p:cNvSpPr txBox="1"/>
+          <p:nvPr/>
+        </p:nvSpPr>
+        <p:spPr>
+          <a:xfrm>
+            <a:off x="1239012" y="2345245"/>
+            <a:ext cx="2692908" cy="2862322"/>
+          </a:xfrm>
+          <a:prstGeom prst="rect">
+            <a:avLst/>
+          </a:prstGeom>
+          <a:noFill/>
+        </p:spPr>
+        <p:txBody>
+          <a:bodyPr wrap="square">
+            <a:spAutoFit/>
+          </a:bodyPr>
+          <a:lstStyle/>
+          <a:p>
+            <a:r>
+              <a:rPr lang="ru-RU" b="0" i="0" dirty="0">
+                <a:effectLst/>
+                <a:latin typeface="-apple-system"/>
+              </a:rPr>
+              <a:t>Дисбаланс классов сильный.</a:t>
+            </a:r>
+            <a:br>
+              <a:rPr lang="ru-RU" dirty="0"/>
+            </a:br>
+            <a:r>
+              <a:rPr lang="ru-RU" b="0" i="0" dirty="0">
+                <a:effectLst/>
+                <a:latin typeface="-apple-system"/>
+              </a:rPr>
+              <a:t>Класс 6 Отсутствует в обучающей выборке.</a:t>
+            </a:r>
+            <a:br>
+              <a:rPr lang="ru-RU" dirty="0"/>
+            </a:br>
+            <a:r>
+              <a:rPr lang="ru-RU" b="0" i="0" dirty="0">
+                <a:effectLst/>
+                <a:latin typeface="-apple-system"/>
+              </a:rPr>
+              <a:t>Обучение на </a:t>
+            </a:r>
+            <a:r>
+              <a:rPr lang="ru-RU" dirty="0">
+                <a:latin typeface="-apple-system"/>
+              </a:rPr>
+              <a:t>3</a:t>
+            </a:r>
+            <a:r>
+              <a:rPr lang="ru-RU" b="0" i="0" dirty="0">
+                <a:effectLst/>
+                <a:latin typeface="-apple-system"/>
+              </a:rPr>
+              <a:t> эпохах - явно недостаточно для сходимости.</a:t>
+            </a:r>
+            <a:br>
+              <a:rPr lang="ru-RU" dirty="0"/>
+            </a:br>
+            <a:r>
+              <a:rPr lang="ru-RU" b="0" i="0" dirty="0">
+                <a:effectLst/>
+                <a:latin typeface="-apple-system"/>
+              </a:rPr>
+              <a:t>CPU вместо GPU Очень медленно, желательно использовать GPU.</a:t>
+            </a:r>
+            <a:endParaRPr lang="en-US" dirty="0"/>
+          </a:p>
+        </p:txBody>
+      </p:sp>
+    </p:spTree>
+    <p:extLst>
+      <p:ext uri="{BB962C8B-B14F-4D97-AF65-F5344CB8AC3E}">
+        <p14:creationId xmlns:p14="http://schemas.microsoft.com/office/powerpoint/2010/main" val="2513536519"/>
+      </p:ext>
+    </p:extLst>
+  </p:cSld>
+  <p:clrMapOvr>
+    <a:masterClrMapping/>
+  </p:clrMapOvr>
+</p:sld>
+</file>
+
+<file path=ppt/slides/slide13.xml><?xml version="1.0" encoding="utf-8"?>
+<p:sld xmlns:a="http://schemas.openxmlformats.org/drawingml/2006/main" xmlns:r="http://schemas.openxmlformats.org/officeDocument/2006/relationships" xmlns:p="http://schemas.openxmlformats.org/presentationml/2006/main">
+  <p:cSld>
+    <p:spTree>
+      <p:nvGrpSpPr>
+        <p:cNvPr id="1" name="">
+          <a:extLst>
+            <a:ext uri="{FF2B5EF4-FFF2-40B4-BE49-F238E27FC236}">
+              <a16:creationId xmlns:a16="http://schemas.microsoft.com/office/drawing/2014/main" id="{045A7E69-CEC0-54D4-D4D0-1DACBE8B9DF9}"/>
+            </a:ext>
+          </a:extLst>
+        </p:cNvPr>
+        <p:cNvGrpSpPr/>
+        <p:nvPr/>
+      </p:nvGrpSpPr>
+      <p:grpSpPr>
+        <a:xfrm>
+          <a:off x="0" y="0"/>
+          <a:ext cx="0" cy="0"/>
+          <a:chOff x="0" y="0"/>
+          <a:chExt cx="0" cy="0"/>
+        </a:xfrm>
+      </p:grpSpPr>
+      <p:graphicFrame>
+        <p:nvGraphicFramePr>
+          <p:cNvPr id="12" name="Объект 11">
+            <a:extLst>
+              <a:ext uri="{FF2B5EF4-FFF2-40B4-BE49-F238E27FC236}">
+                <a16:creationId xmlns:a16="http://schemas.microsoft.com/office/drawing/2014/main" id="{250B951B-59B0-3CBE-71EB-8FE32FAE913A}"/>
+              </a:ext>
+            </a:extLst>
+          </p:cNvPr>
+          <p:cNvGraphicFramePr>
+            <a:graphicFrameLocks noChangeAspect="1"/>
+          </p:cNvGraphicFramePr>
+          <p:nvPr/>
+        </p:nvGraphicFramePr>
+        <p:xfrm>
+          <a:off x="10289848" y="216259"/>
+          <a:ext cx="1282735" cy="446617"/>
+        </p:xfrm>
+        <a:graphic>
+          <a:graphicData uri="http://schemas.openxmlformats.org/presentationml/2006/ole">
+            <mc:AlternateContent xmlns:mc="http://schemas.openxmlformats.org/markup-compatibility/2006">
+              <mc:Choice xmlns:v="urn:schemas-microsoft-com:vml" Requires="v">
+                <p:oleObj name="CorelDRAW" r:id="rId2" imgW="2566457" imgH="894201" progId="CorelDraw.Graphic.22">
+                  <p:embed/>
+                </p:oleObj>
+              </mc:Choice>
+              <mc:Fallback>
+                <p:oleObj name="CorelDRAW" r:id="rId2" imgW="2566457" imgH="894201" progId="CorelDraw.Graphic.22">
+                  <p:embed/>
+                  <p:pic>
+                    <p:nvPicPr>
+                      <p:cNvPr id="12" name="Объект 11">
+                        <a:extLst>
+                          <a:ext uri="{FF2B5EF4-FFF2-40B4-BE49-F238E27FC236}">
+                            <a16:creationId xmlns:a16="http://schemas.microsoft.com/office/drawing/2014/main" id="{8037E854-CB5C-6796-945F-67256B464B3A}"/>
+                          </a:ext>
+                        </a:extLst>
+                      </p:cNvPr>
+                      <p:cNvPicPr/>
+                      <p:nvPr/>
+                    </p:nvPicPr>
+                    <p:blipFill>
+                      <a:blip r:embed="rId3"/>
+                      <a:stretch>
+                        <a:fillRect/>
+                      </a:stretch>
+                    </p:blipFill>
+                    <p:spPr>
+                      <a:xfrm>
+                        <a:off x="10289848" y="216259"/>
+                        <a:ext cx="1282735" cy="446617"/>
+                      </a:xfrm>
+                      <a:prstGeom prst="rect">
+                        <a:avLst/>
+                      </a:prstGeom>
+                    </p:spPr>
+                  </p:pic>
+                </p:oleObj>
+              </mc:Fallback>
+            </mc:AlternateContent>
+          </a:graphicData>
+        </a:graphic>
+      </p:graphicFrame>
+      <p:sp>
+        <p:nvSpPr>
+          <p:cNvPr id="9" name="Прямоугольник 8">
+            <a:extLst>
+              <a:ext uri="{FF2B5EF4-FFF2-40B4-BE49-F238E27FC236}">
+                <a16:creationId xmlns:a16="http://schemas.microsoft.com/office/drawing/2014/main" id="{DBFDE905-6086-29CA-CA8C-9BE7265D3D95}"/>
+              </a:ext>
+            </a:extLst>
+          </p:cNvPr>
+          <p:cNvSpPr/>
+          <p:nvPr/>
+        </p:nvSpPr>
+        <p:spPr>
+          <a:xfrm>
+            <a:off x="986118" y="756621"/>
+            <a:ext cx="10586465" cy="21600"/>
+          </a:xfrm>
+          <a:prstGeom prst="rect">
+            <a:avLst/>
+          </a:prstGeom>
+          <a:solidFill>
+            <a:srgbClr val="0070C0"/>
+          </a:solidFill>
+          <a:ln>
+            <a:noFill/>
+          </a:ln>
+        </p:spPr>
+        <p:style>
+          <a:lnRef idx="2">
+            <a:schemeClr val="accent1">
+              <a:shade val="50000"/>
+            </a:schemeClr>
+          </a:lnRef>
+          <a:fillRef idx="1">
+            <a:schemeClr val="accent1"/>
+          </a:fillRef>
+          <a:effectRef idx="0">
+            <a:schemeClr val="accent1"/>
+          </a:effectRef>
+          <a:fontRef idx="minor">
+            <a:schemeClr val="lt1"/>
+          </a:fontRef>
+        </p:style>
+        <p:txBody>
+          <a:bodyPr rtlCol="0" anchor="ctr"/>
+          <a:lstStyle/>
+          <a:p>
+            <a:pPr algn="ctr"/>
+            <a:endParaRPr lang="ru-RU" dirty="0">
+              <a:solidFill>
+                <a:srgbClr val="7030A0"/>
+              </a:solidFill>
+            </a:endParaRPr>
+          </a:p>
+        </p:txBody>
+      </p:sp>
+      <p:pic>
+        <p:nvPicPr>
+          <p:cNvPr id="10" name="Рисунок 9">
+            <a:extLst>
+              <a:ext uri="{FF2B5EF4-FFF2-40B4-BE49-F238E27FC236}">
+                <a16:creationId xmlns:a16="http://schemas.microsoft.com/office/drawing/2014/main" id="{56EED1BB-9D3D-589B-00B8-DDAA366E7BDA}"/>
+              </a:ext>
+            </a:extLst>
+          </p:cNvPr>
+          <p:cNvPicPr>
+            <a:picLocks noChangeAspect="1"/>
+          </p:cNvPicPr>
+          <p:nvPr/>
+        </p:nvPicPr>
+        <p:blipFill>
+          <a:blip r:embed="rId4" cstate="print">
+            <a:extLst>
+              <a:ext uri="{28A0092B-C50C-407E-A947-70E740481C1C}">
+                <a14:useLocalDpi xmlns:a14="http://schemas.microsoft.com/office/drawing/2010/main" val="0"/>
+              </a:ext>
+            </a:extLst>
+          </a:blip>
+          <a:stretch>
+            <a:fillRect/>
+          </a:stretch>
+        </p:blipFill>
+        <p:spPr>
+          <a:xfrm>
+            <a:off x="653795" y="228173"/>
+            <a:ext cx="917722" cy="434968"/>
+          </a:xfrm>
+          <a:prstGeom prst="rect">
+            <a:avLst/>
+          </a:prstGeom>
+        </p:spPr>
+      </p:pic>
+      <p:sp>
+        <p:nvSpPr>
+          <p:cNvPr id="5" name="Заголовок 1">
+            <a:extLst>
+              <a:ext uri="{FF2B5EF4-FFF2-40B4-BE49-F238E27FC236}">
+                <a16:creationId xmlns:a16="http://schemas.microsoft.com/office/drawing/2014/main" id="{F2A15B50-A42E-7AB7-FD9B-288ACD4373E6}"/>
+              </a:ext>
+            </a:extLst>
+          </p:cNvPr>
+          <p:cNvSpPr txBox="1">
+            <a:spLocks/>
+          </p:cNvSpPr>
+          <p:nvPr/>
+        </p:nvSpPr>
+        <p:spPr>
+          <a:xfrm>
+            <a:off x="2725435" y="253769"/>
+            <a:ext cx="7107826" cy="524452"/>
+          </a:xfrm>
+          <a:prstGeom prst="rect">
+            <a:avLst/>
+          </a:prstGeom>
+        </p:spPr>
+        <p:txBody>
+          <a:bodyPr>
+            <a:noAutofit/>
+          </a:bodyPr>
+          <a:lstStyle>
+            <a:lvl1pPr algn="l" defTabSz="914400" rtl="0" eaLnBrk="1" latinLnBrk="0" hangingPunct="1">
+              <a:lnSpc>
+                <a:spcPct val="90000"/>
+              </a:lnSpc>
+              <a:spcBef>
+                <a:spcPct val="0"/>
+              </a:spcBef>
+              <a:buNone/>
+              <a:defRPr sz="4400" kern="1200">
+                <a:solidFill>
+                  <a:schemeClr val="tx1"/>
+                </a:solidFill>
+                <a:latin typeface="+mj-lt"/>
+                <a:ea typeface="+mj-ea"/>
+                <a:cs typeface="+mj-cs"/>
+              </a:defRPr>
+            </a:lvl1pPr>
+          </a:lstStyle>
+          <a:p>
+            <a:pPr algn="ctr">
+              <a:lnSpc>
+                <a:spcPct val="100000"/>
+              </a:lnSpc>
+            </a:pPr>
+            <a:r>
+              <a:rPr lang="ru-RU" altLang="ru-RU" sz="2400" b="1" dirty="0">
+                <a:solidFill>
+                  <a:srgbClr val="0070C0"/>
+                </a:solidFill>
+                <a:latin typeface="Times New Roman" panose="02020603050405020304" pitchFamily="18" charset="0"/>
+                <a:cs typeface="Times New Roman" panose="02020603050405020304" pitchFamily="18" charset="0"/>
+              </a:rPr>
+              <a:t>Модели для сегментации</a:t>
+            </a:r>
+          </a:p>
+        </p:txBody>
+      </p:sp>
+      <p:sp>
+        <p:nvSpPr>
+          <p:cNvPr id="2" name="Заголовок 1">
+            <a:extLst>
+              <a:ext uri="{FF2B5EF4-FFF2-40B4-BE49-F238E27FC236}">
+                <a16:creationId xmlns:a16="http://schemas.microsoft.com/office/drawing/2014/main" id="{50A74CB1-7492-BE42-479E-C13A9B8FBA4A}"/>
+              </a:ext>
+            </a:extLst>
+          </p:cNvPr>
+          <p:cNvSpPr txBox="1">
+            <a:spLocks/>
+          </p:cNvSpPr>
+          <p:nvPr/>
+        </p:nvSpPr>
+        <p:spPr>
+          <a:xfrm>
+            <a:off x="-1251781" y="903767"/>
+            <a:ext cx="7107826" cy="524452"/>
+          </a:xfrm>
+          <a:prstGeom prst="rect">
+            <a:avLst/>
+          </a:prstGeom>
+        </p:spPr>
+        <p:txBody>
+          <a:bodyPr>
+            <a:noAutofit/>
+          </a:bodyPr>
+          <a:lstStyle>
+            <a:lvl1pPr algn="l" defTabSz="914400" rtl="0" eaLnBrk="1" latinLnBrk="0" hangingPunct="1">
+              <a:lnSpc>
+                <a:spcPct val="90000"/>
+              </a:lnSpc>
+              <a:spcBef>
+                <a:spcPct val="0"/>
+              </a:spcBef>
+              <a:buNone/>
+              <a:defRPr sz="4400" kern="1200">
+                <a:solidFill>
+                  <a:schemeClr val="tx1"/>
+                </a:solidFill>
+                <a:latin typeface="+mj-lt"/>
+                <a:ea typeface="+mj-ea"/>
+                <a:cs typeface="+mj-cs"/>
+              </a:defRPr>
+            </a:lvl1pPr>
+          </a:lstStyle>
+          <a:p>
+            <a:pPr algn="ctr">
+              <a:lnSpc>
+                <a:spcPct val="100000"/>
+              </a:lnSpc>
+            </a:pPr>
+            <a:r>
+              <a:rPr lang="ru-RU" altLang="ru-RU" sz="2400" b="1" dirty="0">
+                <a:solidFill>
+                  <a:srgbClr val="0070C0"/>
+                </a:solidFill>
+                <a:latin typeface="Times New Roman" panose="02020603050405020304" pitchFamily="18" charset="0"/>
+                <a:cs typeface="Times New Roman" panose="02020603050405020304" pitchFamily="18" charset="0"/>
+              </a:rPr>
+              <a:t>Модель 2</a:t>
+            </a:r>
+          </a:p>
+        </p:txBody>
+      </p:sp>
+      <p:pic>
+        <p:nvPicPr>
+          <p:cNvPr id="20482" name="Picture 2">
+            <a:extLst>
+              <a:ext uri="{FF2B5EF4-FFF2-40B4-BE49-F238E27FC236}">
+                <a16:creationId xmlns:a16="http://schemas.microsoft.com/office/drawing/2014/main" id="{EEF980CF-F8E5-96D2-7BC2-CF804BE16FD1}"/>
+              </a:ext>
+            </a:extLst>
+          </p:cNvPr>
+          <p:cNvPicPr>
+            <a:picLocks noChangeAspect="1" noChangeArrowheads="1"/>
+          </p:cNvPicPr>
+          <p:nvPr/>
+        </p:nvPicPr>
+        <p:blipFill>
+          <a:blip r:embed="rId5">
+            <a:extLst>
+              <a:ext uri="{28A0092B-C50C-407E-A947-70E740481C1C}">
+                <a14:useLocalDpi xmlns:a14="http://schemas.microsoft.com/office/drawing/2010/main" val="0"/>
+              </a:ext>
+            </a:extLst>
+          </a:blip>
+          <a:srcRect/>
+          <a:stretch>
+            <a:fillRect/>
+          </a:stretch>
+        </p:blipFill>
+        <p:spPr bwMode="auto">
+          <a:xfrm>
+            <a:off x="986118" y="1668845"/>
+            <a:ext cx="5591175" cy="4924425"/>
+          </a:xfrm>
+          <a:prstGeom prst="rect">
+            <a:avLst/>
+          </a:prstGeom>
+          <a:noFill/>
+          <a:extLst>
+            <a:ext uri="{909E8E84-426E-40DD-AFC4-6F175D3DCCD1}">
+              <a14:hiddenFill xmlns:a14="http://schemas.microsoft.com/office/drawing/2010/main">
+                <a:solidFill>
+                  <a:srgbClr val="FFFFFF"/>
+                </a:solidFill>
+              </a14:hiddenFill>
+            </a:ext>
+          </a:extLst>
+        </p:spPr>
+      </p:pic>
+      <p:pic>
+        <p:nvPicPr>
+          <p:cNvPr id="4" name="Рисунок 3">
+            <a:extLst>
+              <a:ext uri="{FF2B5EF4-FFF2-40B4-BE49-F238E27FC236}">
+                <a16:creationId xmlns:a16="http://schemas.microsoft.com/office/drawing/2014/main" id="{A13FB572-382A-634B-D13D-D9F62850FE8F}"/>
+              </a:ext>
+            </a:extLst>
+          </p:cNvPr>
+          <p:cNvPicPr>
+            <a:picLocks noChangeAspect="1"/>
+          </p:cNvPicPr>
+          <p:nvPr/>
+        </p:nvPicPr>
+        <p:blipFill>
+          <a:blip r:embed="rId6"/>
+          <a:stretch>
+            <a:fillRect/>
+          </a:stretch>
+        </p:blipFill>
+        <p:spPr>
+          <a:xfrm>
+            <a:off x="8008969" y="4060923"/>
+            <a:ext cx="3648584" cy="2229161"/>
+          </a:xfrm>
+          <a:prstGeom prst="rect">
+            <a:avLst/>
+          </a:prstGeom>
+        </p:spPr>
+      </p:pic>
+      <p:sp>
+        <p:nvSpPr>
+          <p:cNvPr id="6" name="TextBox 5">
+            <a:extLst>
+              <a:ext uri="{FF2B5EF4-FFF2-40B4-BE49-F238E27FC236}">
+                <a16:creationId xmlns:a16="http://schemas.microsoft.com/office/drawing/2014/main" id="{E695BE32-368A-D15F-1051-2B272100E24A}"/>
+              </a:ext>
+            </a:extLst>
+          </p:cNvPr>
+          <p:cNvSpPr txBox="1"/>
+          <p:nvPr/>
+        </p:nvSpPr>
+        <p:spPr>
+          <a:xfrm>
+            <a:off x="7957566" y="3011836"/>
+            <a:ext cx="2692908" cy="646331"/>
+          </a:xfrm>
+          <a:prstGeom prst="rect">
+            <a:avLst/>
+          </a:prstGeom>
+          <a:noFill/>
+        </p:spPr>
+        <p:txBody>
+          <a:bodyPr wrap="square">
+            <a:spAutoFit/>
+          </a:bodyPr>
+          <a:lstStyle/>
+          <a:p>
+            <a:r>
+              <a:rPr lang="ru-RU" b="0" i="0" dirty="0">
+                <a:effectLst/>
+                <a:latin typeface="-apple-system"/>
+              </a:rPr>
+              <a:t>Получены наилучшие веса</a:t>
+            </a:r>
+            <a:endParaRPr lang="en-US" dirty="0"/>
+          </a:p>
+        </p:txBody>
+      </p:sp>
+    </p:spTree>
+    <p:extLst>
+      <p:ext uri="{BB962C8B-B14F-4D97-AF65-F5344CB8AC3E}">
+        <p14:creationId xmlns:p14="http://schemas.microsoft.com/office/powerpoint/2010/main" val="2858541110"/>
+      </p:ext>
+    </p:extLst>
+  </p:cSld>
+  <p:clrMapOvr>
+    <a:masterClrMapping/>
+  </p:clrMapOvr>
+</p:sld>
+</file>
+
+<file path=ppt/slides/slide14.xml><?xml version="1.0" encoding="utf-8"?>
 <p:sld xmlns:a="http://schemas.openxmlformats.org/drawingml/2006/main" xmlns:r="http://schemas.openxmlformats.org/officeDocument/2006/relationships" xmlns:p="http://schemas.openxmlformats.org/presentationml/2006/main">
   <p:cSld>
     <p:spTree>
@@ -3323,12 +5038,12 @@
           <a:graphicData uri="http://schemas.openxmlformats.org/presentationml/2006/ole">
             <mc:AlternateContent xmlns:mc="http://schemas.openxmlformats.org/markup-compatibility/2006">
               <mc:Choice xmlns:v="urn:schemas-microsoft-com:vml" Requires="v">
-                <p:oleObj spid="_x0000_s16386" name="CorelDRAW" r:id="rId3" imgW="2566457" imgH="894201" progId="CorelDraw.Graphic.22">
+                <p:oleObj name="CorelDRAW" r:id="rId2" imgW="2566457" imgH="894201" progId="CorelDraw.Graphic.22">
                   <p:embed/>
                 </p:oleObj>
               </mc:Choice>
               <mc:Fallback>
-                <p:oleObj name="CorelDRAW" r:id="rId3" imgW="2566457" imgH="894201" progId="CorelDraw.Graphic.22">
+                <p:oleObj name="CorelDRAW" r:id="rId2" imgW="2566457" imgH="894201" progId="CorelDraw.Graphic.22">
                   <p:embed/>
                   <p:pic>
                     <p:nvPicPr>
@@ -3337,7 +5052,7 @@
                       <p:nvPr/>
                     </p:nvPicPr>
                     <p:blipFill>
-                      <a:blip r:embed="rId4"/>
+                      <a:blip r:embed="rId3"/>
                       <a:stretch>
                         <a:fillRect/>
                       </a:stretch>
@@ -3417,7 +5132,7 @@
           <p:nvPr/>
         </p:nvPicPr>
         <p:blipFill>
-          <a:blip r:embed="rId5" cstate="print">
+          <a:blip r:embed="rId4" cstate="print">
             <a:extLst>
               <a:ext uri="{28A0092B-C50C-407E-A947-70E740481C1C}">
                 <a14:useLocalDpi xmlns:a14="http://schemas.microsoft.com/office/drawing/2010/main" val="0"/>
@@ -3485,7 +5200,7 @@
               </a:lnSpc>
             </a:pPr>
             <a:r>
-              <a:rPr lang="ru-RU" altLang="ru-RU" sz="2400" b="1" dirty="0" smtClean="0">
+              <a:rPr lang="ru-RU" altLang="ru-RU" sz="2400" b="1" dirty="0">
                 <a:solidFill>
                   <a:srgbClr val="0070C0"/>
                 </a:solidFill>
@@ -3494,13 +5209,6 @@
               </a:rPr>
               <a:t>Инфраструктура и реализация</a:t>
             </a:r>
-            <a:endParaRPr lang="ru-RU" altLang="ru-RU" sz="2400" b="1" dirty="0">
-              <a:solidFill>
-                <a:srgbClr val="0070C0"/>
-              </a:solidFill>
-              <a:latin typeface="Times New Roman" panose="02020603050405020304" pitchFamily="18" charset="0"/>
-              <a:cs typeface="Times New Roman" panose="02020603050405020304" pitchFamily="18" charset="0"/>
-            </a:endParaRPr>
           </a:p>
         </p:txBody>
       </p:sp>
@@ -3628,21 +5336,7 @@
                 <a:latin typeface="Times New Roman" panose="02020603050405020304" pitchFamily="18" charset="0"/>
                 <a:cs typeface="Times New Roman" panose="02020603050405020304" pitchFamily="18" charset="0"/>
               </a:rPr>
-              <a:t>Приём и визуализация ответа: наложение цветной маски на исходное изображение, отображение </a:t>
-            </a:r>
-            <a:r>
-              <a:rPr lang="ru-RU" dirty="0" smtClean="0">
-                <a:latin typeface="Times New Roman" panose="02020603050405020304" pitchFamily="18" charset="0"/>
-                <a:cs typeface="Times New Roman" panose="02020603050405020304" pitchFamily="18" charset="0"/>
-              </a:rPr>
-              <a:t>результата пользователю. </a:t>
-            </a:r>
-            <a:r>
-              <a:rPr lang="ru-RU" dirty="0">
-                <a:latin typeface="Times New Roman" panose="02020603050405020304" pitchFamily="18" charset="0"/>
-                <a:cs typeface="Times New Roman" panose="02020603050405020304" pitchFamily="18" charset="0"/>
-              </a:rPr>
-              <a:t/>
+              <a:t>Приём и визуализация ответа: наложение цветной маски на исходное изображение, отображение результата пользователю. </a:t>
             </a:r>
             <a:br>
               <a:rPr lang="ru-RU" dirty="0">
@@ -3680,7 +5374,7 @@
 </p:sld>
 </file>
 
-<file path=ppt/slides/slide11.xml><?xml version="1.0" encoding="utf-8"?>
+<file path=ppt/slides/slide15.xml><?xml version="1.0" encoding="utf-8"?>
 <p:sld xmlns:a="http://schemas.openxmlformats.org/drawingml/2006/main" xmlns:r="http://schemas.openxmlformats.org/officeDocument/2006/relationships" xmlns:p="http://schemas.openxmlformats.org/presentationml/2006/main">
   <p:cSld>
     <p:spTree>
@@ -3719,12 +5413,12 @@
           <a:graphicData uri="http://schemas.openxmlformats.org/presentationml/2006/ole">
             <mc:AlternateContent xmlns:mc="http://schemas.openxmlformats.org/markup-compatibility/2006">
               <mc:Choice xmlns:v="urn:schemas-microsoft-com:vml" Requires="v">
-                <p:oleObj spid="_x0000_s17412" name="CorelDRAW" r:id="rId3" imgW="2566457" imgH="894201" progId="CorelDraw.Graphic.22">
+                <p:oleObj name="CorelDRAW" r:id="rId2" imgW="2566457" imgH="894201" progId="CorelDraw.Graphic.22">
                   <p:embed/>
                 </p:oleObj>
               </mc:Choice>
               <mc:Fallback>
-                <p:oleObj name="CorelDRAW" r:id="rId3" imgW="2566457" imgH="894201" progId="CorelDraw.Graphic.22">
+                <p:oleObj name="CorelDRAW" r:id="rId2" imgW="2566457" imgH="894201" progId="CorelDraw.Graphic.22">
                   <p:embed/>
                   <p:pic>
                     <p:nvPicPr>
@@ -3733,7 +5427,7 @@
                       <p:nvPr/>
                     </p:nvPicPr>
                     <p:blipFill>
-                      <a:blip r:embed="rId4"/>
+                      <a:blip r:embed="rId3"/>
                       <a:stretch>
                         <a:fillRect/>
                       </a:stretch>
@@ -3813,7 +5507,7 @@
           <p:nvPr/>
         </p:nvPicPr>
         <p:blipFill>
-          <a:blip r:embed="rId5" cstate="print">
+          <a:blip r:embed="rId4" cstate="print">
             <a:extLst>
               <a:ext uri="{28A0092B-C50C-407E-A947-70E740481C1C}">
                 <a14:useLocalDpi xmlns:a14="http://schemas.microsoft.com/office/drawing/2010/main" val="0"/>
@@ -3881,7 +5575,7 @@
               </a:lnSpc>
             </a:pPr>
             <a:r>
-              <a:rPr lang="ru-RU" altLang="ru-RU" sz="2400" b="1" dirty="0" smtClean="0">
+              <a:rPr lang="ru-RU" altLang="ru-RU" sz="2400" b="1" dirty="0">
                 <a:solidFill>
                   <a:srgbClr val="0070C0"/>
                 </a:solidFill>
@@ -3890,13 +5584,6 @@
               </a:rPr>
               <a:t>Инфраструктура и реализация</a:t>
             </a:r>
-            <a:endParaRPr lang="ru-RU" altLang="ru-RU" sz="2400" b="1" dirty="0">
-              <a:solidFill>
-                <a:srgbClr val="0070C0"/>
-              </a:solidFill>
-              <a:latin typeface="Times New Roman" panose="02020603050405020304" pitchFamily="18" charset="0"/>
-              <a:cs typeface="Times New Roman" panose="02020603050405020304" pitchFamily="18" charset="0"/>
-            </a:endParaRPr>
           </a:p>
         </p:txBody>
       </p:sp>
@@ -3923,7 +5610,7 @@
           <a:p>
             <a:pPr algn="just"/>
             <a:r>
-              <a:rPr lang="ru-RU" b="1" dirty="0" smtClean="0">
+              <a:rPr lang="ru-RU" b="1" dirty="0">
                 <a:latin typeface="Times New Roman" panose="02020603050405020304" pitchFamily="18" charset="0"/>
                 <a:cs typeface="Times New Roman" panose="02020603050405020304" pitchFamily="18" charset="0"/>
               </a:rPr>
@@ -3945,7 +5632,7 @@
           <p:nvPr/>
         </p:nvPicPr>
         <p:blipFill>
-          <a:blip r:embed="rId6"/>
+          <a:blip r:embed="rId5"/>
           <a:stretch>
             <a:fillRect/>
           </a:stretch>
@@ -3969,7 +5656,7 @@
           <p:nvPr/>
         </p:nvPicPr>
         <p:blipFill>
-          <a:blip r:embed="rId7"/>
+          <a:blip r:embed="rId6"/>
           <a:stretch>
             <a:fillRect/>
           </a:stretch>
@@ -3997,7 +5684,7 @@
 </p:sld>
 </file>
 
-<file path=ppt/slides/slide12.xml><?xml version="1.0" encoding="utf-8"?>
+<file path=ppt/slides/slide16.xml><?xml version="1.0" encoding="utf-8"?>
 <p:sld xmlns:a="http://schemas.openxmlformats.org/drawingml/2006/main" xmlns:r="http://schemas.openxmlformats.org/officeDocument/2006/relationships" xmlns:p="http://schemas.openxmlformats.org/presentationml/2006/main">
   <p:cSld>
     <p:spTree>
@@ -4036,12 +5723,12 @@
           <a:graphicData uri="http://schemas.openxmlformats.org/presentationml/2006/ole">
             <mc:AlternateContent xmlns:mc="http://schemas.openxmlformats.org/markup-compatibility/2006">
               <mc:Choice xmlns:v="urn:schemas-microsoft-com:vml" Requires="v">
-                <p:oleObj spid="_x0000_s15369" name="CorelDRAW" r:id="rId5" imgW="2566457" imgH="894201" progId="CorelDraw.Graphic.22">
+                <p:oleObj name="CorelDRAW" r:id="rId4" imgW="2566457" imgH="894201" progId="CorelDraw.Graphic.22">
                   <p:embed/>
                 </p:oleObj>
               </mc:Choice>
               <mc:Fallback>
-                <p:oleObj name="CorelDRAW" r:id="rId5" imgW="2566457" imgH="894201" progId="CorelDraw.Graphic.22">
+                <p:oleObj name="CorelDRAW" r:id="rId4" imgW="2566457" imgH="894201" progId="CorelDraw.Graphic.22">
                   <p:embed/>
                   <p:pic>
                     <p:nvPicPr>
@@ -4050,7 +5737,7 @@
                       <p:nvPr/>
                     </p:nvPicPr>
                     <p:blipFill>
-                      <a:blip r:embed="rId6"/>
+                      <a:blip r:embed="rId5"/>
                       <a:stretch>
                         <a:fillRect/>
                       </a:stretch>
@@ -4130,7 +5817,7 @@
           <p:nvPr/>
         </p:nvPicPr>
         <p:blipFill>
-          <a:blip r:embed="rId7" cstate="print">
+          <a:blip r:embed="rId6" cstate="print">
             <a:extLst>
               <a:ext uri="{28A0092B-C50C-407E-A947-70E740481C1C}">
                 <a14:useLocalDpi xmlns:a14="http://schemas.microsoft.com/office/drawing/2010/main" val="0"/>
@@ -4198,7 +5885,7 @@
               </a:lnSpc>
             </a:pPr>
             <a:r>
-              <a:rPr lang="ru-RU" altLang="ru-RU" sz="2400" b="1" dirty="0" smtClean="0">
+              <a:rPr lang="ru-RU" altLang="ru-RU" sz="2400" b="1" dirty="0">
                 <a:solidFill>
                   <a:srgbClr val="0070C0"/>
                 </a:solidFill>
@@ -4207,13 +5894,6 @@
               </a:rPr>
               <a:t>Инфраструктура и реализация</a:t>
             </a:r>
-            <a:endParaRPr lang="ru-RU" altLang="ru-RU" sz="2400" b="1" dirty="0">
-              <a:solidFill>
-                <a:srgbClr val="0070C0"/>
-              </a:solidFill>
-              <a:latin typeface="Times New Roman" panose="02020603050405020304" pitchFamily="18" charset="0"/>
-              <a:cs typeface="Times New Roman" panose="02020603050405020304" pitchFamily="18" charset="0"/>
-            </a:endParaRPr>
           </a:p>
         </p:txBody>
       </p:sp>
@@ -4240,16 +5920,12 @@
           <a:p>
             <a:pPr algn="just"/>
             <a:r>
-              <a:rPr lang="ru-RU" b="1" dirty="0" smtClean="0">
+              <a:rPr lang="ru-RU" b="1" dirty="0">
                 <a:latin typeface="Times New Roman" panose="02020603050405020304" pitchFamily="18" charset="0"/>
                 <a:cs typeface="Times New Roman" panose="02020603050405020304" pitchFamily="18" charset="0"/>
               </a:rPr>
               <a:t>Работа приложения</a:t>
             </a:r>
-            <a:endParaRPr lang="ru-RU" b="1" dirty="0">
-              <a:latin typeface="Times New Roman" panose="02020603050405020304" pitchFamily="18" charset="0"/>
-              <a:cs typeface="Times New Roman" panose="02020603050405020304" pitchFamily="18" charset="0"/>
-            </a:endParaRPr>
           </a:p>
         </p:txBody>
       </p:sp>
@@ -4262,7 +5938,7 @@
           <p:nvPr/>
         </p:nvPicPr>
         <p:blipFill>
-          <a:blip r:embed="rId8" cstate="print">
+          <a:blip r:embed="rId7" cstate="print">
             <a:extLst>
               <a:ext uri="{28A0092B-C50C-407E-A947-70E740481C1C}">
                 <a14:useLocalDpi xmlns:a14="http://schemas.microsoft.com/office/drawing/2010/main" val="0"/>
@@ -4303,16 +5979,16 @@
             <a:picLocks noChangeAspect="1"/>
           </p:cNvPicPr>
           <p:nvPr>
-            <a:videoFile r:link="rId3"/>
+            <a:videoFile r:link="rId2"/>
             <p:extLst>
               <p:ext uri="{DAA4B4D4-6D71-4841-9C94-3DE7FCFB9230}">
-                <p14:media xmlns:p14="http://schemas.microsoft.com/office/powerpoint/2010/main" r:embed="rId2"/>
+                <p14:media xmlns:p14="http://schemas.microsoft.com/office/powerpoint/2010/main" r:embed="rId1"/>
               </p:ext>
             </p:extLst>
           </p:nvPr>
         </p:nvPicPr>
         <p:blipFill>
-          <a:blip r:embed="rId9"/>
+          <a:blip r:embed="rId8"/>
           <a:stretch>
             <a:fillRect/>
           </a:stretch>
@@ -4420,7 +6096,7 @@
 </p:sld>
 </file>
 
-<file path=ppt/slides/slide13.xml><?xml version="1.0" encoding="utf-8"?>
+<file path=ppt/slides/slide17.xml><?xml version="1.0" encoding="utf-8"?>
 <p:sld xmlns:a="http://schemas.openxmlformats.org/drawingml/2006/main" xmlns:r="http://schemas.openxmlformats.org/officeDocument/2006/relationships" xmlns:p="http://schemas.openxmlformats.org/presentationml/2006/main">
   <p:cSld>
     <p:spTree>
@@ -4459,12 +6135,12 @@
           <a:graphicData uri="http://schemas.openxmlformats.org/presentationml/2006/ole">
             <mc:AlternateContent xmlns:mc="http://schemas.openxmlformats.org/markup-compatibility/2006">
               <mc:Choice xmlns:v="urn:schemas-microsoft-com:vml" Requires="v">
-                <p:oleObj spid="_x0000_s13323" name="CorelDRAW" r:id="rId3" imgW="2566457" imgH="894201" progId="CorelDraw.Graphic.22">
+                <p:oleObj name="CorelDRAW" r:id="rId2" imgW="2566457" imgH="894201" progId="CorelDraw.Graphic.22">
                   <p:embed/>
                 </p:oleObj>
               </mc:Choice>
               <mc:Fallback>
-                <p:oleObj name="CorelDRAW" r:id="rId3" imgW="2566457" imgH="894201" progId="CorelDraw.Graphic.22">
+                <p:oleObj name="CorelDRAW" r:id="rId2" imgW="2566457" imgH="894201" progId="CorelDraw.Graphic.22">
                   <p:embed/>
                   <p:pic>
                     <p:nvPicPr>
@@ -4473,7 +6149,7 @@
                       <p:nvPr/>
                     </p:nvPicPr>
                     <p:blipFill>
-                      <a:blip r:embed="rId4"/>
+                      <a:blip r:embed="rId3"/>
                       <a:stretch>
                         <a:fillRect/>
                       </a:stretch>
@@ -4553,7 +6229,7 @@
           <p:nvPr/>
         </p:nvPicPr>
         <p:blipFill>
-          <a:blip r:embed="rId5" cstate="print">
+          <a:blip r:embed="rId4" cstate="print">
             <a:extLst>
               <a:ext uri="{28A0092B-C50C-407E-A947-70E740481C1C}">
                 <a14:useLocalDpi xmlns:a14="http://schemas.microsoft.com/office/drawing/2010/main" val="0"/>
@@ -4621,7 +6297,7 @@
               </a:lnSpc>
             </a:pPr>
             <a:r>
-              <a:rPr lang="ru-RU" altLang="ru-RU" sz="2400" b="1" dirty="0" smtClean="0">
+              <a:rPr lang="ru-RU" altLang="ru-RU" sz="2400" b="1" dirty="0">
                 <a:solidFill>
                   <a:srgbClr val="0070C0"/>
                 </a:solidFill>
@@ -4630,13 +6306,6 @@
               </a:rPr>
               <a:t>Заключение</a:t>
             </a:r>
-            <a:endParaRPr lang="ru-RU" altLang="ru-RU" sz="2400" b="1" dirty="0">
-              <a:solidFill>
-                <a:srgbClr val="0070C0"/>
-              </a:solidFill>
-              <a:latin typeface="Times New Roman" panose="02020603050405020304" pitchFamily="18" charset="0"/>
-              <a:cs typeface="Times New Roman" panose="02020603050405020304" pitchFamily="18" charset="0"/>
-            </a:endParaRPr>
           </a:p>
         </p:txBody>
       </p:sp>
@@ -4726,14 +6395,14 @@
             </a:r>
           </a:p>
           <a:p>
-            <a:endParaRPr lang="ru-RU" dirty="0" smtClean="0">
+            <a:endParaRPr lang="ru-RU" dirty="0">
               <a:latin typeface="Times New Roman" panose="02020603050405020304" pitchFamily="18" charset="0"/>
               <a:cs typeface="Times New Roman" panose="02020603050405020304" pitchFamily="18" charset="0"/>
             </a:endParaRPr>
           </a:p>
           <a:p>
             <a:r>
-              <a:rPr lang="ru-RU" dirty="0" smtClean="0">
+              <a:rPr lang="ru-RU" dirty="0">
                 <a:latin typeface="Times New Roman" panose="02020603050405020304" pitchFamily="18" charset="0"/>
                 <a:cs typeface="Times New Roman" panose="02020603050405020304" pitchFamily="18" charset="0"/>
               </a:rPr>
@@ -4769,25 +6438,18 @@
             </a:r>
           </a:p>
           <a:p>
-            <a:endParaRPr lang="ru-RU" dirty="0" smtClean="0">
+            <a:endParaRPr lang="ru-RU" dirty="0">
               <a:latin typeface="Times New Roman" panose="02020603050405020304" pitchFamily="18" charset="0"/>
               <a:cs typeface="Times New Roman" panose="02020603050405020304" pitchFamily="18" charset="0"/>
             </a:endParaRPr>
           </a:p>
           <a:p>
             <a:r>
-              <a:rPr lang="ru-RU" dirty="0" smtClean="0">
-                <a:latin typeface="Times New Roman" panose="02020603050405020304" pitchFamily="18" charset="0"/>
-                <a:cs typeface="Times New Roman" panose="02020603050405020304" pitchFamily="18" charset="0"/>
-              </a:rPr>
-              <a:t>Ограничения</a:t>
-            </a:r>
-            <a:r>
               <a:rPr lang="ru-RU" dirty="0">
                 <a:latin typeface="Times New Roman" panose="02020603050405020304" pitchFamily="18" charset="0"/>
                 <a:cs typeface="Times New Roman" panose="02020603050405020304" pitchFamily="18" charset="0"/>
               </a:rPr>
-              <a:t>:</a:t>
+              <a:t>Ограничения:</a:t>
             </a:r>
           </a:p>
           <a:p>
@@ -4800,33 +6462,8 @@
                 <a:latin typeface="Times New Roman" panose="02020603050405020304" pitchFamily="18" charset="0"/>
                 <a:cs typeface="Times New Roman" panose="02020603050405020304" pitchFamily="18" charset="0"/>
               </a:rPr>
-              <a:t>Н</a:t>
-            </a:r>
-            <a:r>
-              <a:rPr lang="ru-RU" dirty="0" smtClean="0">
-                <a:latin typeface="Times New Roman" panose="02020603050405020304" pitchFamily="18" charset="0"/>
-                <a:cs typeface="Times New Roman" panose="02020603050405020304" pitchFamily="18" charset="0"/>
-              </a:rPr>
-              <a:t>еобходимость </a:t>
-            </a:r>
-            <a:r>
-              <a:rPr lang="ru-RU" dirty="0">
-                <a:latin typeface="Times New Roman" panose="02020603050405020304" pitchFamily="18" charset="0"/>
-                <a:cs typeface="Times New Roman" panose="02020603050405020304" pitchFamily="18" charset="0"/>
-              </a:rPr>
-              <a:t>использования GPU для достижения полной </a:t>
-            </a:r>
-            <a:r>
-              <a:rPr lang="ru-RU" dirty="0" smtClean="0">
-                <a:latin typeface="Times New Roman" panose="02020603050405020304" pitchFamily="18" charset="0"/>
-                <a:cs typeface="Times New Roman" panose="02020603050405020304" pitchFamily="18" charset="0"/>
-              </a:rPr>
-              <a:t>производительности;</a:t>
-            </a:r>
-            <a:endParaRPr lang="ru-RU" dirty="0">
-              <a:latin typeface="Times New Roman" panose="02020603050405020304" pitchFamily="18" charset="0"/>
-              <a:cs typeface="Times New Roman" panose="02020603050405020304" pitchFamily="18" charset="0"/>
-            </a:endParaRPr>
+              <a:t>Необходимость использования GPU для достижения полной производительности;</a:t>
+            </a:r>
           </a:p>
           <a:p>
             <a:pPr marL="285750" indent="-285750" fontAlgn="base">
@@ -4838,33 +6475,8 @@
                 <a:latin typeface="Times New Roman" panose="02020603050405020304" pitchFamily="18" charset="0"/>
                 <a:cs typeface="Times New Roman" panose="02020603050405020304" pitchFamily="18" charset="0"/>
               </a:rPr>
-              <a:t>У</a:t>
-            </a:r>
-            <a:r>
-              <a:rPr lang="ru-RU" dirty="0" smtClean="0">
-                <a:latin typeface="Times New Roman" panose="02020603050405020304" pitchFamily="18" charset="0"/>
-                <a:cs typeface="Times New Roman" panose="02020603050405020304" pitchFamily="18" charset="0"/>
-              </a:rPr>
-              <a:t>худшение </a:t>
-            </a:r>
-            <a:r>
-              <a:rPr lang="ru-RU" dirty="0">
-                <a:latin typeface="Times New Roman" panose="02020603050405020304" pitchFamily="18" charset="0"/>
-                <a:cs typeface="Times New Roman" panose="02020603050405020304" pitchFamily="18" charset="0"/>
-              </a:rPr>
-              <a:t>качества сегментации для мелких объектов и сложных </a:t>
-            </a:r>
-            <a:r>
-              <a:rPr lang="ru-RU" dirty="0" smtClean="0">
-                <a:latin typeface="Times New Roman" panose="02020603050405020304" pitchFamily="18" charset="0"/>
-                <a:cs typeface="Times New Roman" panose="02020603050405020304" pitchFamily="18" charset="0"/>
-              </a:rPr>
-              <a:t>границ;</a:t>
-            </a:r>
-            <a:endParaRPr lang="ru-RU" dirty="0">
-              <a:latin typeface="Times New Roman" panose="02020603050405020304" pitchFamily="18" charset="0"/>
-              <a:cs typeface="Times New Roman" panose="02020603050405020304" pitchFamily="18" charset="0"/>
-            </a:endParaRPr>
+              <a:t>Ухудшение качества сегментации для мелких объектов и сложных границ;</a:t>
+            </a:r>
           </a:p>
           <a:p>
             <a:pPr marL="285750" indent="-285750" fontAlgn="base">
@@ -4876,54 +6488,36 @@
                 <a:latin typeface="Times New Roman" panose="02020603050405020304" pitchFamily="18" charset="0"/>
                 <a:cs typeface="Times New Roman" panose="02020603050405020304" pitchFamily="18" charset="0"/>
               </a:rPr>
-              <a:t>О</a:t>
-            </a:r>
-            <a:r>
-              <a:rPr lang="ru-RU" dirty="0" smtClean="0">
-                <a:latin typeface="Times New Roman" panose="02020603050405020304" pitchFamily="18" charset="0"/>
-                <a:cs typeface="Times New Roman" panose="02020603050405020304" pitchFamily="18" charset="0"/>
-              </a:rPr>
-              <a:t>граниченное </a:t>
+              <a:t>Ограниченное число классов в </a:t>
+            </a:r>
+            <a:r>
+              <a:rPr lang="ru-RU" dirty="0" err="1">
+                <a:latin typeface="Times New Roman" panose="02020603050405020304" pitchFamily="18" charset="0"/>
+                <a:cs typeface="Times New Roman" panose="02020603050405020304" pitchFamily="18" charset="0"/>
+              </a:rPr>
+              <a:t>датасете</a:t>
             </a:r>
             <a:r>
               <a:rPr lang="ru-RU" dirty="0">
                 <a:latin typeface="Times New Roman" panose="02020603050405020304" pitchFamily="18" charset="0"/>
                 <a:cs typeface="Times New Roman" panose="02020603050405020304" pitchFamily="18" charset="0"/>
               </a:rPr>
-              <a:t>число классов в </a:t>
+              <a:t> </a:t>
             </a:r>
             <a:r>
               <a:rPr lang="ru-RU" dirty="0" err="1">
                 <a:latin typeface="Times New Roman" panose="02020603050405020304" pitchFamily="18" charset="0"/>
                 <a:cs typeface="Times New Roman" panose="02020603050405020304" pitchFamily="18" charset="0"/>
               </a:rPr>
-              <a:t>датасете</a:t>
+              <a:t>Cityscapes</a:t>
             </a:r>
             <a:r>
               <a:rPr lang="ru-RU" dirty="0">
                 <a:latin typeface="Times New Roman" panose="02020603050405020304" pitchFamily="18" charset="0"/>
                 <a:cs typeface="Times New Roman" panose="02020603050405020304" pitchFamily="18" charset="0"/>
               </a:rPr>
-              <a:t> </a:t>
-            </a:r>
-            <a:r>
-              <a:rPr lang="ru-RU" dirty="0" err="1">
-                <a:latin typeface="Times New Roman" panose="02020603050405020304" pitchFamily="18" charset="0"/>
-                <a:cs typeface="Times New Roman" panose="02020603050405020304" pitchFamily="18" charset="0"/>
-              </a:rPr>
-              <a:t>Cityscapes</a:t>
-            </a:r>
-            <a:r>
-              <a:rPr lang="ru-RU" dirty="0" smtClean="0">
-                <a:latin typeface="Times New Roman" panose="02020603050405020304" pitchFamily="18" charset="0"/>
-                <a:cs typeface="Times New Roman" panose="02020603050405020304" pitchFamily="18" charset="0"/>
-              </a:rPr>
               <a:t>.</a:t>
             </a:r>
-            <a:endParaRPr lang="ru-RU" dirty="0">
-              <a:latin typeface="Times New Roman" panose="02020603050405020304" pitchFamily="18" charset="0"/>
-              <a:cs typeface="Times New Roman" panose="02020603050405020304" pitchFamily="18" charset="0"/>
-            </a:endParaRPr>
           </a:p>
           <a:p>
             <a:pPr fontAlgn="base"/>
@@ -4951,14 +6545,7 @@
                 <a:latin typeface="Times New Roman" panose="02020603050405020304" pitchFamily="18" charset="0"/>
                 <a:cs typeface="Times New Roman" panose="02020603050405020304" pitchFamily="18" charset="0"/>
               </a:rPr>
-              <a:t>Р</a:t>
-            </a:r>
-            <a:r>
-              <a:rPr lang="ru-RU" dirty="0" smtClean="0">
-                <a:latin typeface="Times New Roman" panose="02020603050405020304" pitchFamily="18" charset="0"/>
-                <a:cs typeface="Times New Roman" panose="02020603050405020304" pitchFamily="18" charset="0"/>
-              </a:rPr>
-              <a:t>асширение </a:t>
+              <a:t>Расширение </a:t>
             </a:r>
             <a:r>
               <a:rPr lang="ru-RU" dirty="0" err="1">
@@ -4972,19 +6559,8 @@
                 <a:latin typeface="Times New Roman" panose="02020603050405020304" pitchFamily="18" charset="0"/>
                 <a:cs typeface="Times New Roman" panose="02020603050405020304" pitchFamily="18" charset="0"/>
               </a:rPr>
-              <a:t> с учётом российских </a:t>
-            </a:r>
-            <a:r>
-              <a:rPr lang="ru-RU" dirty="0" smtClean="0">
-                <a:latin typeface="Times New Roman" panose="02020603050405020304" pitchFamily="18" charset="0"/>
-                <a:cs typeface="Times New Roman" panose="02020603050405020304" pitchFamily="18" charset="0"/>
-              </a:rPr>
-              <a:t>городов;</a:t>
-            </a:r>
-            <a:endParaRPr lang="ru-RU" dirty="0">
-              <a:latin typeface="Times New Roman" panose="02020603050405020304" pitchFamily="18" charset="0"/>
-              <a:cs typeface="Times New Roman" panose="02020603050405020304" pitchFamily="18" charset="0"/>
-            </a:endParaRPr>
+              <a:t> с учётом российских городов;</a:t>
+            </a:r>
           </a:p>
           <a:p>
             <a:pPr marL="285750" indent="-285750" fontAlgn="base">
@@ -4996,47 +6572,22 @@
                 <a:latin typeface="Times New Roman" panose="02020603050405020304" pitchFamily="18" charset="0"/>
                 <a:cs typeface="Times New Roman" panose="02020603050405020304" pitchFamily="18" charset="0"/>
               </a:rPr>
-              <a:t>Р</a:t>
-            </a:r>
-            <a:r>
-              <a:rPr lang="ru-RU" dirty="0" smtClean="0">
-                <a:latin typeface="Times New Roman" panose="02020603050405020304" pitchFamily="18" charset="0"/>
-                <a:cs typeface="Times New Roman" panose="02020603050405020304" pitchFamily="18" charset="0"/>
-              </a:rPr>
-              <a:t>еализация </a:t>
+              <a:t>Реализация офлайн-режима на мобильных устройствах с </a:t>
+            </a:r>
+            <a:r>
+              <a:rPr lang="ru-RU" dirty="0" err="1">
+                <a:latin typeface="Times New Roman" panose="02020603050405020304" pitchFamily="18" charset="0"/>
+                <a:cs typeface="Times New Roman" panose="02020603050405020304" pitchFamily="18" charset="0"/>
+              </a:rPr>
+              <a:t>Edge</a:t>
             </a:r>
             <a:r>
               <a:rPr lang="ru-RU" dirty="0">
                 <a:latin typeface="Times New Roman" panose="02020603050405020304" pitchFamily="18" charset="0"/>
                 <a:cs typeface="Times New Roman" panose="02020603050405020304" pitchFamily="18" charset="0"/>
               </a:rPr>
-              <a:t>офлайн-режима на мобильных устройствах с </a:t>
-            </a:r>
-            <a:r>
-              <a:rPr lang="ru-RU" dirty="0" err="1">
-                <a:latin typeface="Times New Roman" panose="02020603050405020304" pitchFamily="18" charset="0"/>
-                <a:cs typeface="Times New Roman" panose="02020603050405020304" pitchFamily="18" charset="0"/>
-              </a:rPr>
-              <a:t>Edge</a:t>
-            </a:r>
-            <a:r>
-              <a:rPr lang="ru-RU" dirty="0">
-                <a:latin typeface="Times New Roman" panose="02020603050405020304" pitchFamily="18" charset="0"/>
-                <a:cs typeface="Times New Roman" panose="02020603050405020304" pitchFamily="18" charset="0"/>
-              </a:rPr>
-              <a:t> </a:t>
-            </a:r>
-            <a:r>
-              <a:rPr lang="ru-RU" dirty="0" smtClean="0">
-                <a:latin typeface="Times New Roman" panose="02020603050405020304" pitchFamily="18" charset="0"/>
-                <a:cs typeface="Times New Roman" panose="02020603050405020304" pitchFamily="18" charset="0"/>
-              </a:rPr>
-              <a:t>TPU/NNAPI;</a:t>
-            </a:r>
-            <a:endParaRPr lang="ru-RU" dirty="0">
-              <a:latin typeface="Times New Roman" panose="02020603050405020304" pitchFamily="18" charset="0"/>
-              <a:cs typeface="Times New Roman" panose="02020603050405020304" pitchFamily="18" charset="0"/>
-            </a:endParaRPr>
+              <a:t> TPU/NNAPI;</a:t>
+            </a:r>
           </a:p>
           <a:p>
             <a:pPr marL="285750" indent="-285750" fontAlgn="base">
@@ -5048,21 +6599,7 @@
                 <a:latin typeface="Times New Roman" panose="02020603050405020304" pitchFamily="18" charset="0"/>
                 <a:cs typeface="Times New Roman" panose="02020603050405020304" pitchFamily="18" charset="0"/>
               </a:rPr>
-              <a:t>П</a:t>
-            </a:r>
-            <a:r>
-              <a:rPr lang="ru-RU" dirty="0" smtClean="0">
-                <a:latin typeface="Times New Roman" panose="02020603050405020304" pitchFamily="18" charset="0"/>
-                <a:cs typeface="Times New Roman" panose="02020603050405020304" pitchFamily="18" charset="0"/>
-              </a:rPr>
-              <a:t>овышение </a:t>
-            </a:r>
-            <a:r>
-              <a:rPr lang="ru-RU" dirty="0">
-                <a:latin typeface="Times New Roman" panose="02020603050405020304" pitchFamily="18" charset="0"/>
-                <a:cs typeface="Times New Roman" panose="02020603050405020304" pitchFamily="18" charset="0"/>
-              </a:rPr>
-              <a:t>интерпретируемости модели через визуализацию внимания.</a:t>
+              <a:t>Повышение интерпретируемости модели через визуализацию внимания.</a:t>
             </a:r>
           </a:p>
         </p:txBody>
@@ -5080,7 +6617,7 @@
 </p:sld>
 </file>
 
-<file path=ppt/slides/slide14.xml><?xml version="1.0" encoding="utf-8"?>
+<file path=ppt/slides/slide18.xml><?xml version="1.0" encoding="utf-8"?>
 <p:sld xmlns:a="http://schemas.openxmlformats.org/drawingml/2006/main" xmlns:r="http://schemas.openxmlformats.org/officeDocument/2006/relationships" xmlns:p="http://schemas.openxmlformats.org/presentationml/2006/main">
   <p:cSld>
     <p:spTree>
@@ -5119,12 +6656,12 @@
           <a:graphicData uri="http://schemas.openxmlformats.org/presentationml/2006/ole">
             <mc:AlternateContent xmlns:mc="http://schemas.openxmlformats.org/markup-compatibility/2006">
               <mc:Choice xmlns:v="urn:schemas-microsoft-com:vml" Requires="v">
-                <p:oleObj spid="_x0000_s14347" name="CorelDRAW" r:id="rId3" imgW="2566457" imgH="894201" progId="CorelDraw.Graphic.22">
+                <p:oleObj name="CorelDRAW" r:id="rId2" imgW="2566457" imgH="894201" progId="CorelDraw.Graphic.22">
                   <p:embed/>
                 </p:oleObj>
               </mc:Choice>
               <mc:Fallback>
-                <p:oleObj name="CorelDRAW" r:id="rId3" imgW="2566457" imgH="894201" progId="CorelDraw.Graphic.22">
+                <p:oleObj name="CorelDRAW" r:id="rId2" imgW="2566457" imgH="894201" progId="CorelDraw.Graphic.22">
                   <p:embed/>
                   <p:pic>
                     <p:nvPicPr>
@@ -5133,7 +6670,7 @@
                       <p:nvPr/>
                     </p:nvPicPr>
                     <p:blipFill>
-                      <a:blip r:embed="rId4"/>
+                      <a:blip r:embed="rId3"/>
                       <a:stretch>
                         <a:fillRect/>
                       </a:stretch>
@@ -5213,7 +6750,7 @@
           <p:nvPr/>
         </p:nvPicPr>
         <p:blipFill>
-          <a:blip r:embed="rId5" cstate="print">
+          <a:blip r:embed="rId4" cstate="print">
             <a:extLst>
               <a:ext uri="{28A0092B-C50C-407E-A947-70E740481C1C}">
                 <a14:useLocalDpi xmlns:a14="http://schemas.microsoft.com/office/drawing/2010/main" val="0"/>
@@ -5244,7 +6781,7 @@
         </p:nvSpPr>
         <p:spPr>
           <a:xfrm>
-            <a:off x="986118" y="2529299"/>
+            <a:off x="986117" y="871701"/>
             <a:ext cx="10586465" cy="1240444"/>
           </a:xfrm>
           <a:prstGeom prst="rect">
@@ -5281,29 +6818,302 @@
               </a:lnSpc>
             </a:pPr>
             <a:r>
-              <a:rPr lang="ru-RU" altLang="ru-RU" sz="5400" b="1" dirty="0" smtClean="0">
+              <a:rPr lang="ru-RU" altLang="ru-RU" sz="5400" b="1" dirty="0">
                 <a:solidFill>
                   <a:srgbClr val="0070C0"/>
                 </a:solidFill>
                 <a:latin typeface="Times New Roman" panose="02020603050405020304" pitchFamily="18" charset="0"/>
                 <a:cs typeface="Times New Roman" panose="02020603050405020304" pitchFamily="18" charset="0"/>
               </a:rPr>
-              <a:t>Спасибо за внимание!</a:t>
-            </a:r>
-            <a:endParaRPr lang="ru-RU" altLang="ru-RU" sz="5400" b="1" dirty="0">
-              <a:solidFill>
-                <a:srgbClr val="0070C0"/>
-              </a:solidFill>
-              <a:latin typeface="Times New Roman" panose="02020603050405020304" pitchFamily="18" charset="0"/>
-              <a:cs typeface="Times New Roman" panose="02020603050405020304" pitchFamily="18" charset="0"/>
-            </a:endParaRPr>
-          </a:p>
-        </p:txBody>
-      </p:sp>
+              <a:t>Ссылка на артефакты</a:t>
+            </a:r>
+          </a:p>
+        </p:txBody>
+      </p:sp>
+      <p:pic>
+        <p:nvPicPr>
+          <p:cNvPr id="3" name="Рисунок 2">
+            <a:extLst>
+              <a:ext uri="{FF2B5EF4-FFF2-40B4-BE49-F238E27FC236}">
+                <a16:creationId xmlns:a16="http://schemas.microsoft.com/office/drawing/2014/main" id="{AF736239-66AC-7F44-4434-F80E7B51D6B0}"/>
+              </a:ext>
+            </a:extLst>
+          </p:cNvPr>
+          <p:cNvPicPr>
+            <a:picLocks noChangeAspect="1"/>
+          </p:cNvPicPr>
+          <p:nvPr/>
+        </p:nvPicPr>
+        <p:blipFill>
+          <a:blip r:embed="rId5"/>
+          <a:stretch>
+            <a:fillRect/>
+          </a:stretch>
+        </p:blipFill>
+        <p:spPr>
+          <a:xfrm>
+            <a:off x="3809856" y="1869995"/>
+            <a:ext cx="4791744" cy="4782217"/>
+          </a:xfrm>
+          <a:prstGeom prst="rect">
+            <a:avLst/>
+          </a:prstGeom>
+        </p:spPr>
+      </p:pic>
     </p:spTree>
     <p:extLst>
       <p:ext uri="{BB962C8B-B14F-4D97-AF65-F5344CB8AC3E}">
         <p14:creationId xmlns:p14="http://schemas.microsoft.com/office/powerpoint/2010/main" val="1811793375"/>
+      </p:ext>
+    </p:extLst>
+  </p:cSld>
+  <p:clrMapOvr>
+    <a:masterClrMapping/>
+  </p:clrMapOvr>
+</p:sld>
+</file>
+
+<file path=ppt/slides/slide19.xml><?xml version="1.0" encoding="utf-8"?>
+<p:sld xmlns:a="http://schemas.openxmlformats.org/drawingml/2006/main" xmlns:r="http://schemas.openxmlformats.org/officeDocument/2006/relationships" xmlns:p="http://schemas.openxmlformats.org/presentationml/2006/main">
+  <p:cSld>
+    <p:spTree>
+      <p:nvGrpSpPr>
+        <p:cNvPr id="1" name="">
+          <a:extLst>
+            <a:ext uri="{FF2B5EF4-FFF2-40B4-BE49-F238E27FC236}">
+              <a16:creationId xmlns:a16="http://schemas.microsoft.com/office/drawing/2014/main" id="{59282ADE-6C46-0BD3-AA63-20744BC522A3}"/>
+            </a:ext>
+          </a:extLst>
+        </p:cNvPr>
+        <p:cNvGrpSpPr/>
+        <p:nvPr/>
+      </p:nvGrpSpPr>
+      <p:grpSpPr>
+        <a:xfrm>
+          <a:off x="0" y="0"/>
+          <a:ext cx="0" cy="0"/>
+          <a:chOff x="0" y="0"/>
+          <a:chExt cx="0" cy="0"/>
+        </a:xfrm>
+      </p:grpSpPr>
+      <p:graphicFrame>
+        <p:nvGraphicFramePr>
+          <p:cNvPr id="12" name="Объект 11">
+            <a:extLst>
+              <a:ext uri="{FF2B5EF4-FFF2-40B4-BE49-F238E27FC236}">
+                <a16:creationId xmlns:a16="http://schemas.microsoft.com/office/drawing/2014/main" id="{FBDEEA06-D67F-3624-2FAA-D723BED5108F}"/>
+              </a:ext>
+            </a:extLst>
+          </p:cNvPr>
+          <p:cNvGraphicFramePr>
+            <a:graphicFrameLocks noChangeAspect="1"/>
+          </p:cNvGraphicFramePr>
+          <p:nvPr/>
+        </p:nvGraphicFramePr>
+        <p:xfrm>
+          <a:off x="10289848" y="216259"/>
+          <a:ext cx="1282735" cy="446617"/>
+        </p:xfrm>
+        <a:graphic>
+          <a:graphicData uri="http://schemas.openxmlformats.org/presentationml/2006/ole">
+            <mc:AlternateContent xmlns:mc="http://schemas.openxmlformats.org/markup-compatibility/2006">
+              <mc:Choice xmlns:v="urn:schemas-microsoft-com:vml" Requires="v">
+                <p:oleObj name="CorelDRAW" r:id="rId2" imgW="2566457" imgH="894201" progId="CorelDraw.Graphic.22">
+                  <p:embed/>
+                </p:oleObj>
+              </mc:Choice>
+              <mc:Fallback>
+                <p:oleObj name="CorelDRAW" r:id="rId2" imgW="2566457" imgH="894201" progId="CorelDraw.Graphic.22">
+                  <p:embed/>
+                  <p:pic>
+                    <p:nvPicPr>
+                      <p:cNvPr id="12" name="Объект 11"/>
+                      <p:cNvPicPr/>
+                      <p:nvPr/>
+                    </p:nvPicPr>
+                    <p:blipFill>
+                      <a:blip r:embed="rId3"/>
+                      <a:stretch>
+                        <a:fillRect/>
+                      </a:stretch>
+                    </p:blipFill>
+                    <p:spPr>
+                      <a:xfrm>
+                        <a:off x="10289848" y="216259"/>
+                        <a:ext cx="1282735" cy="446617"/>
+                      </a:xfrm>
+                      <a:prstGeom prst="rect">
+                        <a:avLst/>
+                      </a:prstGeom>
+                    </p:spPr>
+                  </p:pic>
+                </p:oleObj>
+              </mc:Fallback>
+            </mc:AlternateContent>
+          </a:graphicData>
+        </a:graphic>
+      </p:graphicFrame>
+      <p:sp>
+        <p:nvSpPr>
+          <p:cNvPr id="9" name="Прямоугольник 8">
+            <a:extLst>
+              <a:ext uri="{FF2B5EF4-FFF2-40B4-BE49-F238E27FC236}">
+                <a16:creationId xmlns:a16="http://schemas.microsoft.com/office/drawing/2014/main" id="{B8FD7471-8453-00A7-EAD4-B769542085A3}"/>
+              </a:ext>
+            </a:extLst>
+          </p:cNvPr>
+          <p:cNvSpPr/>
+          <p:nvPr/>
+        </p:nvSpPr>
+        <p:spPr>
+          <a:xfrm>
+            <a:off x="986118" y="756621"/>
+            <a:ext cx="10586465" cy="21600"/>
+          </a:xfrm>
+          <a:prstGeom prst="rect">
+            <a:avLst/>
+          </a:prstGeom>
+          <a:solidFill>
+            <a:srgbClr val="0070C0"/>
+          </a:solidFill>
+          <a:ln>
+            <a:noFill/>
+          </a:ln>
+        </p:spPr>
+        <p:style>
+          <a:lnRef idx="2">
+            <a:schemeClr val="accent1">
+              <a:shade val="50000"/>
+            </a:schemeClr>
+          </a:lnRef>
+          <a:fillRef idx="1">
+            <a:schemeClr val="accent1"/>
+          </a:fillRef>
+          <a:effectRef idx="0">
+            <a:schemeClr val="accent1"/>
+          </a:effectRef>
+          <a:fontRef idx="minor">
+            <a:schemeClr val="lt1"/>
+          </a:fontRef>
+        </p:style>
+        <p:txBody>
+          <a:bodyPr rtlCol="0" anchor="ctr"/>
+          <a:lstStyle/>
+          <a:p>
+            <a:pPr algn="ctr"/>
+            <a:endParaRPr lang="ru-RU" dirty="0">
+              <a:solidFill>
+                <a:srgbClr val="7030A0"/>
+              </a:solidFill>
+            </a:endParaRPr>
+          </a:p>
+        </p:txBody>
+      </p:sp>
+      <p:pic>
+        <p:nvPicPr>
+          <p:cNvPr id="10" name="Рисунок 9">
+            <a:extLst>
+              <a:ext uri="{FF2B5EF4-FFF2-40B4-BE49-F238E27FC236}">
+                <a16:creationId xmlns:a16="http://schemas.microsoft.com/office/drawing/2014/main" id="{C215DE15-4B36-EE98-5901-C3F3648DFAEA}"/>
+              </a:ext>
+            </a:extLst>
+          </p:cNvPr>
+          <p:cNvPicPr>
+            <a:picLocks noChangeAspect="1"/>
+          </p:cNvPicPr>
+          <p:nvPr/>
+        </p:nvPicPr>
+        <p:blipFill>
+          <a:blip r:embed="rId4" cstate="print">
+            <a:extLst>
+              <a:ext uri="{28A0092B-C50C-407E-A947-70E740481C1C}">
+                <a14:useLocalDpi xmlns:a14="http://schemas.microsoft.com/office/drawing/2010/main" val="0"/>
+              </a:ext>
+            </a:extLst>
+          </a:blip>
+          <a:stretch>
+            <a:fillRect/>
+          </a:stretch>
+        </p:blipFill>
+        <p:spPr>
+          <a:xfrm>
+            <a:off x="653795" y="228173"/>
+            <a:ext cx="917722" cy="434968"/>
+          </a:xfrm>
+          <a:prstGeom prst="rect">
+            <a:avLst/>
+          </a:prstGeom>
+        </p:spPr>
+      </p:pic>
+      <p:sp>
+        <p:nvSpPr>
+          <p:cNvPr id="7" name="Заголовок 1">
+            <a:extLst>
+              <a:ext uri="{FF2B5EF4-FFF2-40B4-BE49-F238E27FC236}">
+                <a16:creationId xmlns:a16="http://schemas.microsoft.com/office/drawing/2014/main" id="{4BBE6301-F3FF-3B58-8BDA-7896AD7260AB}"/>
+              </a:ext>
+            </a:extLst>
+          </p:cNvPr>
+          <p:cNvSpPr txBox="1">
+            <a:spLocks/>
+          </p:cNvSpPr>
+          <p:nvPr/>
+        </p:nvSpPr>
+        <p:spPr>
+          <a:xfrm>
+            <a:off x="986118" y="2529299"/>
+            <a:ext cx="10586465" cy="1240444"/>
+          </a:xfrm>
+          <a:prstGeom prst="rect">
+            <a:avLst/>
+          </a:prstGeom>
+        </p:spPr>
+        <p:txBody>
+          <a:bodyPr>
+            <a:noAutofit/>
+          </a:bodyPr>
+          <a:lstStyle>
+            <a:lvl1pPr algn="l" defTabSz="914400" rtl="0" eaLnBrk="1" latinLnBrk="0" hangingPunct="1">
+              <a:lnSpc>
+                <a:spcPct val="90000"/>
+              </a:lnSpc>
+              <a:spcBef>
+                <a:spcPct val="0"/>
+              </a:spcBef>
+              <a:buNone/>
+              <a:defRPr sz="4400" kern="1200">
+                <a:solidFill>
+                  <a:schemeClr val="tx1"/>
+                </a:solidFill>
+                <a:latin typeface="+mj-lt"/>
+                <a:ea typeface="+mj-ea"/>
+                <a:cs typeface="+mj-cs"/>
+              </a:defRPr>
+            </a:lvl1pPr>
+          </a:lstStyle>
+          <a:p>
+            <a:pPr algn="ctr">
+              <a:lnSpc>
+                <a:spcPct val="100000"/>
+              </a:lnSpc>
+            </a:pPr>
+            <a:r>
+              <a:rPr lang="ru-RU" altLang="ru-RU" sz="5400" b="1" dirty="0">
+                <a:solidFill>
+                  <a:srgbClr val="0070C0"/>
+                </a:solidFill>
+                <a:latin typeface="Times New Roman" panose="02020603050405020304" pitchFamily="18" charset="0"/>
+                <a:cs typeface="Times New Roman" panose="02020603050405020304" pitchFamily="18" charset="0"/>
+              </a:rPr>
+              <a:t>Спасибо за внимание!</a:t>
+            </a:r>
+          </a:p>
+        </p:txBody>
+      </p:sp>
+    </p:spTree>
+    <p:extLst>
+      <p:ext uri="{BB962C8B-B14F-4D97-AF65-F5344CB8AC3E}">
+        <p14:creationId xmlns:p14="http://schemas.microsoft.com/office/powerpoint/2010/main" val="2079162559"/>
       </p:ext>
     </p:extLst>
   </p:cSld>
@@ -5352,12 +7162,12 @@
           <a:graphicData uri="http://schemas.openxmlformats.org/presentationml/2006/ole">
             <mc:AlternateContent xmlns:mc="http://schemas.openxmlformats.org/markup-compatibility/2006">
               <mc:Choice xmlns:v="urn:schemas-microsoft-com:vml" Requires="v">
-                <p:oleObj spid="_x0000_s5176" name="CorelDRAW" r:id="rId3" imgW="2566457" imgH="894201" progId="CorelDraw.Graphic.22">
+                <p:oleObj name="CorelDRAW" r:id="rId2" imgW="2566457" imgH="894201" progId="CorelDraw.Graphic.22">
                   <p:embed/>
                 </p:oleObj>
               </mc:Choice>
               <mc:Fallback>
-                <p:oleObj name="CorelDRAW" r:id="rId3" imgW="2566457" imgH="894201" progId="CorelDraw.Graphic.22">
+                <p:oleObj name="CorelDRAW" r:id="rId2" imgW="2566457" imgH="894201" progId="CorelDraw.Graphic.22">
                   <p:embed/>
                   <p:pic>
                     <p:nvPicPr>
@@ -5366,7 +7176,7 @@
                       <p:nvPr/>
                     </p:nvPicPr>
                     <p:blipFill>
-                      <a:blip r:embed="rId4"/>
+                      <a:blip r:embed="rId3"/>
                       <a:stretch>
                         <a:fillRect/>
                       </a:stretch>
@@ -5446,7 +7256,7 @@
           <p:nvPr/>
         </p:nvPicPr>
         <p:blipFill>
-          <a:blip r:embed="rId5" cstate="print">
+          <a:blip r:embed="rId4" cstate="print">
             <a:extLst>
               <a:ext uri="{28A0092B-C50C-407E-A947-70E740481C1C}">
                 <a14:useLocalDpi xmlns:a14="http://schemas.microsoft.com/office/drawing/2010/main" val="0"/>
@@ -5514,7 +7324,7 @@
               </a:lnSpc>
             </a:pPr>
             <a:r>
-              <a:rPr lang="ru-RU" altLang="ru-RU" sz="2400" b="1" dirty="0" smtClean="0">
+              <a:rPr lang="ru-RU" altLang="ru-RU" sz="2400" b="1" dirty="0">
                 <a:solidFill>
                   <a:srgbClr val="0070C0"/>
                 </a:solidFill>
@@ -5523,13 +7333,6 @@
               </a:rPr>
               <a:t>Актуальность и практическая значимость</a:t>
             </a:r>
-            <a:endParaRPr lang="ru-RU" altLang="ru-RU" sz="2400" b="1" dirty="0">
-              <a:solidFill>
-                <a:srgbClr val="0070C0"/>
-              </a:solidFill>
-              <a:latin typeface="Times New Roman" panose="02020603050405020304" pitchFamily="18" charset="0"/>
-              <a:cs typeface="Times New Roman" panose="02020603050405020304" pitchFamily="18" charset="0"/>
-            </a:endParaRPr>
           </a:p>
         </p:txBody>
       </p:sp>
@@ -5570,17 +7373,7 @@
                 <a:latin typeface="Times New Roman" panose="02020603050405020304" pitchFamily="18" charset="0"/>
                 <a:cs typeface="Times New Roman" panose="02020603050405020304" pitchFamily="18" charset="0"/>
               </a:rPr>
-              <a:t>Семантическая сегментация городских сцен находит применение в системах умного города, навигации, автономном вождении и мониторинге городской инфраструктуры. Модель, работающая в реальном времени и интегрированная с мобильным приложением, может использоваться для анализа объектов на фото без необходимости дорогого оборудования, что расширяет её прикладное значение для широкого круга пользователей</a:t>
-            </a:r>
-            <a:r>
-              <a:rPr lang="ru-RU" dirty="0" smtClean="0">
-                <a:solidFill>
-                  <a:srgbClr val="000000"/>
-                </a:solidFill>
-                <a:latin typeface="Times New Roman" panose="02020603050405020304" pitchFamily="18" charset="0"/>
-                <a:cs typeface="Times New Roman" panose="02020603050405020304" pitchFamily="18" charset="0"/>
-              </a:rPr>
-              <a:t>.</a:t>
+              <a:t>Семантическая сегментация городских сцен находит применение в системах умного города, навигации, автономном вождении и мониторинге городской инфраструктуры. Модель, работающая в реальном времени и интегрированная с мобильным приложением, может использоваться для анализа объектов на фото без необходимости дорогого оборудования, что расширяет её прикладное значение для широкого круга пользователей.</a:t>
             </a:r>
             <a:endParaRPr lang="ru-RU" dirty="0">
               <a:latin typeface="Times New Roman" panose="02020603050405020304" pitchFamily="18" charset="0"/>
@@ -5641,12 +7434,12 @@
           <a:graphicData uri="http://schemas.openxmlformats.org/presentationml/2006/ole">
             <mc:AlternateContent xmlns:mc="http://schemas.openxmlformats.org/markup-compatibility/2006">
               <mc:Choice xmlns:v="urn:schemas-microsoft-com:vml" Requires="v">
-                <p:oleObj spid="_x0000_s6159" name="CorelDRAW" r:id="rId3" imgW="2566457" imgH="894201" progId="CorelDraw.Graphic.22">
+                <p:oleObj name="CorelDRAW" r:id="rId2" imgW="2566457" imgH="894201" progId="CorelDraw.Graphic.22">
                   <p:embed/>
                 </p:oleObj>
               </mc:Choice>
               <mc:Fallback>
-                <p:oleObj name="CorelDRAW" r:id="rId3" imgW="2566457" imgH="894201" progId="CorelDraw.Graphic.22">
+                <p:oleObj name="CorelDRAW" r:id="rId2" imgW="2566457" imgH="894201" progId="CorelDraw.Graphic.22">
                   <p:embed/>
                   <p:pic>
                     <p:nvPicPr>
@@ -5655,7 +7448,7 @@
                       <p:nvPr/>
                     </p:nvPicPr>
                     <p:blipFill>
-                      <a:blip r:embed="rId4"/>
+                      <a:blip r:embed="rId3"/>
                       <a:stretch>
                         <a:fillRect/>
                       </a:stretch>
@@ -5735,7 +7528,7 @@
           <p:nvPr/>
         </p:nvPicPr>
         <p:blipFill>
-          <a:blip r:embed="rId5" cstate="print">
+          <a:blip r:embed="rId4" cstate="print">
             <a:extLst>
               <a:ext uri="{28A0092B-C50C-407E-A947-70E740481C1C}">
                 <a14:useLocalDpi xmlns:a14="http://schemas.microsoft.com/office/drawing/2010/main" val="0"/>
@@ -5803,7 +7596,7 @@
               </a:lnSpc>
             </a:pPr>
             <a:r>
-              <a:rPr lang="ru-RU" altLang="ru-RU" sz="2400" b="1" dirty="0" smtClean="0">
+              <a:rPr lang="ru-RU" altLang="ru-RU" sz="2400" b="1" dirty="0">
                 <a:solidFill>
                   <a:srgbClr val="0070C0"/>
                 </a:solidFill>
@@ -5812,13 +7605,6 @@
               </a:rPr>
               <a:t>Цели и задачи работы</a:t>
             </a:r>
-            <a:endParaRPr lang="ru-RU" altLang="ru-RU" sz="2400" b="1" dirty="0">
-              <a:solidFill>
-                <a:srgbClr val="0070C0"/>
-              </a:solidFill>
-              <a:latin typeface="Times New Roman" panose="02020603050405020304" pitchFamily="18" charset="0"/>
-              <a:cs typeface="Times New Roman" panose="02020603050405020304" pitchFamily="18" charset="0"/>
-            </a:endParaRPr>
           </a:p>
         </p:txBody>
       </p:sp>
@@ -5831,7 +7617,7 @@
         <p:spPr>
           <a:xfrm>
             <a:off x="986118" y="1057792"/>
-            <a:ext cx="10586465" cy="1477328"/>
+            <a:ext cx="10586465" cy="1754326"/>
           </a:xfrm>
           <a:prstGeom prst="rect">
             <a:avLst/>
@@ -5845,7 +7631,7 @@
           <a:p>
             <a:pPr algn="just"/>
             <a:r>
-              <a:rPr lang="ru-RU" b="1" dirty="0" smtClean="0">
+              <a:rPr lang="ru-RU" b="1" dirty="0">
                 <a:latin typeface="Times New Roman" panose="02020603050405020304" pitchFamily="18" charset="0"/>
                 <a:cs typeface="Times New Roman" panose="02020603050405020304" pitchFamily="18" charset="0"/>
               </a:rPr>
@@ -5855,68 +7641,43 @@
           <a:p>
             <a:pPr algn="just"/>
             <a:r>
-              <a:rPr lang="ru-RU" dirty="0" smtClean="0">
-                <a:latin typeface="Times New Roman" panose="02020603050405020304" pitchFamily="18" charset="0"/>
-                <a:cs typeface="Times New Roman" panose="02020603050405020304" pitchFamily="18" charset="0"/>
-              </a:rPr>
-              <a:t>Разработка </a:t>
-            </a:r>
-            <a:r>
               <a:rPr lang="ru-RU" dirty="0">
                 <a:latin typeface="Times New Roman" panose="02020603050405020304" pitchFamily="18" charset="0"/>
                 <a:cs typeface="Times New Roman" panose="02020603050405020304" pitchFamily="18" charset="0"/>
               </a:rPr>
-              <a:t>системы для семантической сегментации городских сцен в реальном времени с использованием нейронной сети </a:t>
+              <a:t>Разработка системы для семантической сегментации городских сцен в реальном времени с использованием нейронной сети. Предусматривается создание </a:t>
             </a:r>
             <a:r>
               <a:rPr lang="ru-RU" dirty="0" err="1">
                 <a:latin typeface="Times New Roman" panose="02020603050405020304" pitchFamily="18" charset="0"/>
                 <a:cs typeface="Times New Roman" panose="02020603050405020304" pitchFamily="18" charset="0"/>
               </a:rPr>
-              <a:t>ESNet</a:t>
+              <a:t>Android</a:t>
             </a:r>
             <a:r>
               <a:rPr lang="ru-RU" dirty="0">
                 <a:latin typeface="Times New Roman" panose="02020603050405020304" pitchFamily="18" charset="0"/>
                 <a:cs typeface="Times New Roman" panose="02020603050405020304" pitchFamily="18" charset="0"/>
               </a:rPr>
-              <a:t>. Предусматривается создание </a:t>
+              <a:t>-приложения, позволяющего отправлять фотографии на сервер, где модель выполняет сегментацию, а результат возвращается пользователю. Модель развёрнута в </a:t>
             </a:r>
             <a:r>
               <a:rPr lang="ru-RU" dirty="0" err="1">
                 <a:latin typeface="Times New Roman" panose="02020603050405020304" pitchFamily="18" charset="0"/>
                 <a:cs typeface="Times New Roman" panose="02020603050405020304" pitchFamily="18" charset="0"/>
               </a:rPr>
-              <a:t>Android</a:t>
+              <a:t>Docker</a:t>
             </a:r>
             <a:r>
               <a:rPr lang="ru-RU" dirty="0">
                 <a:latin typeface="Times New Roman" panose="02020603050405020304" pitchFamily="18" charset="0"/>
                 <a:cs typeface="Times New Roman" panose="02020603050405020304" pitchFamily="18" charset="0"/>
               </a:rPr>
-              <a:t>-приложения, позволяющего отправлять фотографии на сервер, где модель выполняет сегментацию, а результат возвращается пользователю. Модель развёрнута в </a:t>
-            </a:r>
-            <a:r>
-              <a:rPr lang="ru-RU" dirty="0" err="1">
-                <a:latin typeface="Times New Roman" panose="02020603050405020304" pitchFamily="18" charset="0"/>
-                <a:cs typeface="Times New Roman" panose="02020603050405020304" pitchFamily="18" charset="0"/>
-              </a:rPr>
-              <a:t>Docker</a:t>
-            </a:r>
-            <a:r>
-              <a:rPr lang="ru-RU" dirty="0">
-                <a:latin typeface="Times New Roman" panose="02020603050405020304" pitchFamily="18" charset="0"/>
-                <a:cs typeface="Times New Roman" panose="02020603050405020304" pitchFamily="18" charset="0"/>
-              </a:rPr>
-              <a:t>-контейнере для обеспечения удобства и переносимости</a:t>
-            </a:r>
-            <a:r>
-              <a:rPr lang="ru-RU" dirty="0" smtClean="0">
-                <a:latin typeface="Times New Roman" panose="02020603050405020304" pitchFamily="18" charset="0"/>
-                <a:cs typeface="Times New Roman" panose="02020603050405020304" pitchFamily="18" charset="0"/>
-              </a:rPr>
-              <a:t>.</a:t>
-            </a:r>
+              <a:t>-контейнере для обеспечения удобства и переносимости.</a:t>
+            </a:r>
+          </a:p>
+          <a:p>
+            <a:pPr algn="just"/>
             <a:endParaRPr lang="ru-RU" dirty="0"/>
           </a:p>
         </p:txBody>
@@ -5950,17 +7711,7 @@
                 <a:latin typeface="Times New Roman" panose="02020603050405020304" pitchFamily="18" charset="0"/>
                 <a:cs typeface="Times New Roman" panose="02020603050405020304" pitchFamily="18" charset="0"/>
               </a:rPr>
-              <a:t>Цель работы</a:t>
-            </a:r>
-            <a:r>
-              <a:rPr lang="ru-RU" b="1" dirty="0" smtClean="0">
-                <a:solidFill>
-                  <a:srgbClr val="000000"/>
-                </a:solidFill>
-                <a:latin typeface="Times New Roman" panose="02020603050405020304" pitchFamily="18" charset="0"/>
-                <a:cs typeface="Times New Roman" panose="02020603050405020304" pitchFamily="18" charset="0"/>
-              </a:rPr>
-              <a:t>:</a:t>
+              <a:t>Цель работы:</a:t>
             </a:r>
           </a:p>
           <a:p>
@@ -5970,54 +7721,14 @@
               </a:spcAft>
             </a:pPr>
             <a:r>
-              <a:rPr lang="ru-RU" dirty="0" smtClean="0">
+              <a:rPr lang="ru-RU" dirty="0">
                 <a:solidFill>
                   <a:srgbClr val="000000"/>
                 </a:solidFill>
                 <a:latin typeface="Times New Roman" panose="02020603050405020304" pitchFamily="18" charset="0"/>
                 <a:cs typeface="Times New Roman" panose="02020603050405020304" pitchFamily="18" charset="0"/>
               </a:rPr>
-              <a:t>Разработать </a:t>
-            </a:r>
-            <a:r>
-              <a:rPr lang="ru-RU" dirty="0">
-                <a:solidFill>
-                  <a:srgbClr val="000000"/>
-                </a:solidFill>
-                <a:latin typeface="Times New Roman" panose="02020603050405020304" pitchFamily="18" charset="0"/>
-                <a:cs typeface="Times New Roman" panose="02020603050405020304" pitchFamily="18" charset="0"/>
-              </a:rPr>
-              <a:t>систему реального времени для сегментации объектов на изображениях городских сцен с использованием модели </a:t>
-            </a:r>
-            <a:r>
-              <a:rPr lang="ru-RU" dirty="0" err="1">
-                <a:solidFill>
-                  <a:srgbClr val="000000"/>
-                </a:solidFill>
-                <a:latin typeface="Times New Roman" panose="02020603050405020304" pitchFamily="18" charset="0"/>
-                <a:cs typeface="Times New Roman" panose="02020603050405020304" pitchFamily="18" charset="0"/>
-              </a:rPr>
-              <a:t>ESNet</a:t>
-            </a:r>
-            <a:r>
-              <a:rPr lang="ru-RU" dirty="0">
-                <a:solidFill>
-                  <a:srgbClr val="000000"/>
-                </a:solidFill>
-                <a:latin typeface="Times New Roman" panose="02020603050405020304" pitchFamily="18" charset="0"/>
-                <a:cs typeface="Times New Roman" panose="02020603050405020304" pitchFamily="18" charset="0"/>
-              </a:rPr>
-              <a:t> и реализовать её интеграцию в мобильное приложение</a:t>
-            </a:r>
-            <a:r>
-              <a:rPr lang="ru-RU" dirty="0" smtClean="0">
-                <a:solidFill>
-                  <a:srgbClr val="000000"/>
-                </a:solidFill>
-                <a:latin typeface="Times New Roman" panose="02020603050405020304" pitchFamily="18" charset="0"/>
-                <a:cs typeface="Times New Roman" panose="02020603050405020304" pitchFamily="18" charset="0"/>
-              </a:rPr>
-              <a:t>.</a:t>
+              <a:t>Разработать систему реального времени для сегментации объектов на изображениях городских сцен с использованием моделей машинного обучения и реализовать их интеграцию в мобильное приложение</a:t>
             </a:r>
             <a:endParaRPr lang="ru-RU" dirty="0">
               <a:latin typeface="Times New Roman" panose="02020603050405020304" pitchFamily="18" charset="0"/>
@@ -6053,14 +7764,7 @@
                 <a:latin typeface="Times New Roman" panose="02020603050405020304" pitchFamily="18" charset="0"/>
                 <a:cs typeface="Times New Roman" panose="02020603050405020304" pitchFamily="18" charset="0"/>
               </a:rPr>
-              <a:t>З</a:t>
-            </a:r>
-            <a:r>
-              <a:rPr lang="ru-RU" b="1" dirty="0" smtClean="0">
-                <a:latin typeface="Times New Roman" panose="02020603050405020304" pitchFamily="18" charset="0"/>
-                <a:cs typeface="Times New Roman" panose="02020603050405020304" pitchFamily="18" charset="0"/>
-              </a:rPr>
-              <a:t>адачи:</a:t>
+              <a:t>Задачи:</a:t>
             </a:r>
           </a:p>
           <a:p>
@@ -6073,19 +7777,8 @@
                 <a:latin typeface="Times New Roman" panose="02020603050405020304" pitchFamily="18" charset="0"/>
                 <a:cs typeface="Times New Roman" panose="02020603050405020304" pitchFamily="18" charset="0"/>
               </a:rPr>
-              <a:t>провести обзор существующих решений и моделей для семантической сегментации изображений</a:t>
-            </a:r>
-            <a:r>
-              <a:rPr lang="ru-RU" dirty="0" smtClean="0">
-                <a:latin typeface="Times New Roman" panose="02020603050405020304" pitchFamily="18" charset="0"/>
-                <a:cs typeface="Times New Roman" panose="02020603050405020304" pitchFamily="18" charset="0"/>
-              </a:rPr>
-              <a:t>;</a:t>
-            </a:r>
-            <a:endParaRPr lang="ru-RU" dirty="0">
-              <a:latin typeface="Times New Roman" panose="02020603050405020304" pitchFamily="18" charset="0"/>
-              <a:cs typeface="Times New Roman" panose="02020603050405020304" pitchFamily="18" charset="0"/>
-            </a:endParaRPr>
+              <a:t>провести обзор существующих решений и моделей для семантической сегментации изображений;</a:t>
+            </a:r>
           </a:p>
           <a:p>
             <a:pPr marL="285750" indent="-285750" fontAlgn="base">
@@ -6111,19 +7804,8 @@
                 <a:latin typeface="Times New Roman" panose="02020603050405020304" pitchFamily="18" charset="0"/>
                 <a:cs typeface="Times New Roman" panose="02020603050405020304" pitchFamily="18" charset="0"/>
               </a:rPr>
-              <a:t> для задачи сегментации в реальном времени</a:t>
-            </a:r>
-            <a:r>
-              <a:rPr lang="ru-RU" dirty="0" smtClean="0">
-                <a:latin typeface="Times New Roman" panose="02020603050405020304" pitchFamily="18" charset="0"/>
-                <a:cs typeface="Times New Roman" panose="02020603050405020304" pitchFamily="18" charset="0"/>
-              </a:rPr>
-              <a:t>;</a:t>
-            </a:r>
-            <a:endParaRPr lang="ru-RU" dirty="0">
-              <a:latin typeface="Times New Roman" panose="02020603050405020304" pitchFamily="18" charset="0"/>
-              <a:cs typeface="Times New Roman" panose="02020603050405020304" pitchFamily="18" charset="0"/>
-            </a:endParaRPr>
+              <a:t> для задачи сегментации в реальном времени;</a:t>
+            </a:r>
           </a:p>
           <a:p>
             <a:pPr marL="285750" indent="-285750" fontAlgn="base">
@@ -6149,19 +7831,8 @@
                 <a:latin typeface="Times New Roman" panose="02020603050405020304" pitchFamily="18" charset="0"/>
                 <a:cs typeface="Times New Roman" panose="02020603050405020304" pitchFamily="18" charset="0"/>
               </a:rPr>
-              <a:t> модели</a:t>
-            </a:r>
-            <a:r>
-              <a:rPr lang="ru-RU" dirty="0" smtClean="0">
-                <a:latin typeface="Times New Roman" panose="02020603050405020304" pitchFamily="18" charset="0"/>
-                <a:cs typeface="Times New Roman" panose="02020603050405020304" pitchFamily="18" charset="0"/>
-              </a:rPr>
-              <a:t>;</a:t>
-            </a:r>
-            <a:endParaRPr lang="ru-RU" dirty="0">
-              <a:latin typeface="Times New Roman" panose="02020603050405020304" pitchFamily="18" charset="0"/>
-              <a:cs typeface="Times New Roman" panose="02020603050405020304" pitchFamily="18" charset="0"/>
-            </a:endParaRPr>
+              <a:t> модели;</a:t>
+            </a:r>
           </a:p>
           <a:p>
             <a:pPr marL="285750" indent="-285750" fontAlgn="base">
@@ -6197,16 +7868,12 @@
               <a:t>датасете</a:t>
             </a:r>
             <a:r>
-              <a:rPr lang="ru-RU" dirty="0" smtClean="0">
+              <a:rPr lang="ru-RU" dirty="0">
                 <a:latin typeface="Times New Roman" panose="02020603050405020304" pitchFamily="18" charset="0"/>
                 <a:cs typeface="Times New Roman" panose="02020603050405020304" pitchFamily="18" charset="0"/>
               </a:rPr>
               <a:t>;</a:t>
             </a:r>
-            <a:endParaRPr lang="ru-RU" dirty="0">
-              <a:latin typeface="Times New Roman" panose="02020603050405020304" pitchFamily="18" charset="0"/>
-              <a:cs typeface="Times New Roman" panose="02020603050405020304" pitchFamily="18" charset="0"/>
-            </a:endParaRPr>
           </a:p>
           <a:p>
             <a:pPr marL="285750" indent="-285750" fontAlgn="base">
@@ -6232,19 +7899,8 @@
                 <a:latin typeface="Times New Roman" panose="02020603050405020304" pitchFamily="18" charset="0"/>
                 <a:cs typeface="Times New Roman" panose="02020603050405020304" pitchFamily="18" charset="0"/>
               </a:rPr>
-              <a:t>-контейнере для серверного исполнения</a:t>
-            </a:r>
-            <a:r>
-              <a:rPr lang="ru-RU" dirty="0" smtClean="0">
-                <a:latin typeface="Times New Roman" panose="02020603050405020304" pitchFamily="18" charset="0"/>
-                <a:cs typeface="Times New Roman" panose="02020603050405020304" pitchFamily="18" charset="0"/>
-              </a:rPr>
-              <a:t>;</a:t>
-            </a:r>
-            <a:endParaRPr lang="ru-RU" dirty="0">
-              <a:latin typeface="Times New Roman" panose="02020603050405020304" pitchFamily="18" charset="0"/>
-              <a:cs typeface="Times New Roman" panose="02020603050405020304" pitchFamily="18" charset="0"/>
-            </a:endParaRPr>
+              <a:t>-контейнере для серверного исполнения;</a:t>
+            </a:r>
           </a:p>
           <a:p>
             <a:pPr marL="285750" indent="-285750" fontAlgn="base">
@@ -6270,19 +7926,8 @@
                 <a:latin typeface="Times New Roman" panose="02020603050405020304" pitchFamily="18" charset="0"/>
                 <a:cs typeface="Times New Roman" panose="02020603050405020304" pitchFamily="18" charset="0"/>
               </a:rPr>
-              <a:t>-приложение для отправки изображений и отображения результата сегментации</a:t>
-            </a:r>
-            <a:r>
-              <a:rPr lang="ru-RU" dirty="0" smtClean="0">
-                <a:latin typeface="Times New Roman" panose="02020603050405020304" pitchFamily="18" charset="0"/>
-                <a:cs typeface="Times New Roman" panose="02020603050405020304" pitchFamily="18" charset="0"/>
-              </a:rPr>
-              <a:t>;</a:t>
-            </a:r>
-            <a:endParaRPr lang="ru-RU" dirty="0">
-              <a:latin typeface="Times New Roman" panose="02020603050405020304" pitchFamily="18" charset="0"/>
-              <a:cs typeface="Times New Roman" panose="02020603050405020304" pitchFamily="18" charset="0"/>
-            </a:endParaRPr>
+              <a:t>-приложение для отправки изображений и отображения результата сегментации;</a:t>
+            </a:r>
           </a:p>
           <a:p>
             <a:pPr marL="285750" indent="-285750" fontAlgn="base">
@@ -6294,14 +7939,7 @@
                 <a:latin typeface="Times New Roman" panose="02020603050405020304" pitchFamily="18" charset="0"/>
                 <a:cs typeface="Times New Roman" panose="02020603050405020304" pitchFamily="18" charset="0"/>
               </a:rPr>
-              <a:t>протестировать систему в реальных условиях (городские сцены, фото с мобильного устройства</a:t>
-            </a:r>
-            <a:r>
-              <a:rPr lang="ru-RU" dirty="0" smtClean="0">
-                <a:latin typeface="Times New Roman" panose="02020603050405020304" pitchFamily="18" charset="0"/>
-                <a:cs typeface="Times New Roman" panose="02020603050405020304" pitchFamily="18" charset="0"/>
-              </a:rPr>
-              <a:t>).</a:t>
+              <a:t>протестировать систему в реальных условиях (городские сцены, фото с мобильного устройства).</a:t>
             </a:r>
             <a:endParaRPr lang="ru-RU" dirty="0"/>
           </a:p>
@@ -6359,12 +7997,12 @@
           <a:graphicData uri="http://schemas.openxmlformats.org/presentationml/2006/ole">
             <mc:AlternateContent xmlns:mc="http://schemas.openxmlformats.org/markup-compatibility/2006">
               <mc:Choice xmlns:v="urn:schemas-microsoft-com:vml" Requires="v">
-                <p:oleObj spid="_x0000_s7185" name="CorelDRAW" r:id="rId3" imgW="2566457" imgH="894201" progId="CorelDraw.Graphic.22">
+                <p:oleObj name="CorelDRAW" r:id="rId2" imgW="2566457" imgH="894201" progId="CorelDraw.Graphic.22">
                   <p:embed/>
                 </p:oleObj>
               </mc:Choice>
               <mc:Fallback>
-                <p:oleObj name="CorelDRAW" r:id="rId3" imgW="2566457" imgH="894201" progId="CorelDraw.Graphic.22">
+                <p:oleObj name="CorelDRAW" r:id="rId2" imgW="2566457" imgH="894201" progId="CorelDraw.Graphic.22">
                   <p:embed/>
                   <p:pic>
                     <p:nvPicPr>
@@ -6373,7 +8011,7 @@
                       <p:nvPr/>
                     </p:nvPicPr>
                     <p:blipFill>
-                      <a:blip r:embed="rId4"/>
+                      <a:blip r:embed="rId3"/>
                       <a:stretch>
                         <a:fillRect/>
                       </a:stretch>
@@ -6453,7 +8091,7 @@
           <p:nvPr/>
         </p:nvPicPr>
         <p:blipFill>
-          <a:blip r:embed="rId5" cstate="print">
+          <a:blip r:embed="rId4" cstate="print">
             <a:extLst>
               <a:ext uri="{28A0092B-C50C-407E-A947-70E740481C1C}">
                 <a14:useLocalDpi xmlns:a14="http://schemas.microsoft.com/office/drawing/2010/main" val="0"/>
@@ -6521,7 +8159,7 @@
               </a:lnSpc>
             </a:pPr>
             <a:r>
-              <a:rPr lang="ru-RU" altLang="ru-RU" sz="2400" b="1" dirty="0" smtClean="0">
+              <a:rPr lang="ru-RU" altLang="ru-RU" sz="2400" b="1" dirty="0">
                 <a:solidFill>
                   <a:srgbClr val="0070C0"/>
                 </a:solidFill>
@@ -6530,13 +8168,6 @@
               </a:rPr>
               <a:t>Команда проекта и индивидуальные задачи</a:t>
             </a:r>
-            <a:endParaRPr lang="ru-RU" altLang="ru-RU" sz="2400" b="1" dirty="0">
-              <a:solidFill>
-                <a:srgbClr val="0070C0"/>
-              </a:solidFill>
-              <a:latin typeface="Times New Roman" panose="02020603050405020304" pitchFamily="18" charset="0"/>
-              <a:cs typeface="Times New Roman" panose="02020603050405020304" pitchFamily="18" charset="0"/>
-            </a:endParaRPr>
           </a:p>
         </p:txBody>
       </p:sp>
@@ -6600,19 +8231,8 @@
                 <a:latin typeface="Times New Roman" panose="02020603050405020304" pitchFamily="18" charset="0"/>
                 <a:cs typeface="Times New Roman" panose="02020603050405020304" pitchFamily="18" charset="0"/>
               </a:rPr>
-              <a:t>-сборки</a:t>
-            </a:r>
-            <a:r>
-              <a:rPr lang="ru-RU" dirty="0" smtClean="0">
-                <a:latin typeface="Times New Roman" panose="02020603050405020304" pitchFamily="18" charset="0"/>
-                <a:cs typeface="Times New Roman" panose="02020603050405020304" pitchFamily="18" charset="0"/>
-              </a:rPr>
-              <a:t>;</a:t>
-            </a:r>
-            <a:endParaRPr lang="ru-RU" dirty="0">
-              <a:latin typeface="Times New Roman" panose="02020603050405020304" pitchFamily="18" charset="0"/>
-              <a:cs typeface="Times New Roman" panose="02020603050405020304" pitchFamily="18" charset="0"/>
-            </a:endParaRPr>
+              <a:t>-сборки;</a:t>
+            </a:r>
           </a:p>
           <a:p>
             <a:pPr marL="285750" indent="-285750" fontAlgn="base">
@@ -6634,16 +8254,12 @@
               <a:t>FastAPI</a:t>
             </a:r>
             <a:r>
-              <a:rPr lang="ru-RU" dirty="0" smtClean="0">
+              <a:rPr lang="ru-RU" dirty="0">
                 <a:latin typeface="Times New Roman" panose="02020603050405020304" pitchFamily="18" charset="0"/>
                 <a:cs typeface="Times New Roman" panose="02020603050405020304" pitchFamily="18" charset="0"/>
               </a:rPr>
               <a:t>;</a:t>
             </a:r>
-            <a:endParaRPr lang="ru-RU" dirty="0">
-              <a:latin typeface="Times New Roman" panose="02020603050405020304" pitchFamily="18" charset="0"/>
-              <a:cs typeface="Times New Roman" panose="02020603050405020304" pitchFamily="18" charset="0"/>
-            </a:endParaRPr>
           </a:p>
           <a:p>
             <a:pPr marL="285750" indent="-285750" fontAlgn="base">
@@ -6669,21 +8285,7 @@
                 <a:latin typeface="Times New Roman" panose="02020603050405020304" pitchFamily="18" charset="0"/>
                 <a:cs typeface="Times New Roman" panose="02020603050405020304" pitchFamily="18" charset="0"/>
               </a:rPr>
-              <a:t> </a:t>
-            </a:r>
-            <a:r>
-              <a:rPr lang="ru-RU" dirty="0" smtClean="0">
-                <a:latin typeface="Times New Roman" panose="02020603050405020304" pitchFamily="18" charset="0"/>
-                <a:cs typeface="Times New Roman" panose="02020603050405020304" pitchFamily="18" charset="0"/>
-              </a:rPr>
-              <a:t>API</a:t>
-            </a:r>
-            <a:r>
-              <a:rPr lang="ru-RU" dirty="0">
-                <a:latin typeface="Times New Roman" panose="02020603050405020304" pitchFamily="18" charset="0"/>
-                <a:cs typeface="Times New Roman" panose="02020603050405020304" pitchFamily="18" charset="0"/>
-              </a:rPr>
-              <a:t>;</a:t>
+              <a:t> API;</a:t>
             </a:r>
           </a:p>
           <a:p>
@@ -6696,19 +8298,8 @@
                 <a:latin typeface="Times New Roman" panose="02020603050405020304" pitchFamily="18" charset="0"/>
                 <a:cs typeface="Times New Roman" panose="02020603050405020304" pitchFamily="18" charset="0"/>
               </a:rPr>
-              <a:t>Построение </a:t>
-            </a:r>
-            <a:r>
-              <a:rPr lang="ru-RU" dirty="0" smtClean="0">
-                <a:latin typeface="Times New Roman" panose="02020603050405020304" pitchFamily="18" charset="0"/>
-                <a:cs typeface="Times New Roman" panose="02020603050405020304" pitchFamily="18" charset="0"/>
-              </a:rPr>
-              <a:t>модели.</a:t>
-            </a:r>
-            <a:endParaRPr lang="ru-RU" dirty="0">
-              <a:latin typeface="Times New Roman" panose="02020603050405020304" pitchFamily="18" charset="0"/>
-              <a:cs typeface="Times New Roman" panose="02020603050405020304" pitchFamily="18" charset="0"/>
-            </a:endParaRPr>
+              <a:t>Построение модели.</a:t>
+            </a:r>
           </a:p>
         </p:txBody>
       </p:sp>
@@ -6761,25 +8352,8 @@
                 <a:latin typeface="Times New Roman" panose="02020603050405020304" pitchFamily="18" charset="0"/>
                 <a:cs typeface="Times New Roman" panose="02020603050405020304" pitchFamily="18" charset="0"/>
               </a:rPr>
-              <a:t>Сбор тестовых изображений в городской среде</a:t>
-            </a:r>
-            <a:r>
-              <a:rPr lang="ru-RU" dirty="0" smtClean="0">
-                <a:solidFill>
-                  <a:srgbClr val="000000"/>
-                </a:solidFill>
-                <a:latin typeface="Times New Roman" panose="02020603050405020304" pitchFamily="18" charset="0"/>
-                <a:cs typeface="Times New Roman" panose="02020603050405020304" pitchFamily="18" charset="0"/>
-              </a:rPr>
-              <a:t>;</a:t>
-            </a:r>
-            <a:endParaRPr lang="ru-RU" dirty="0">
-              <a:solidFill>
-                <a:srgbClr val="000000"/>
-              </a:solidFill>
-              <a:latin typeface="Times New Roman" panose="02020603050405020304" pitchFamily="18" charset="0"/>
-              <a:cs typeface="Times New Roman" panose="02020603050405020304" pitchFamily="18" charset="0"/>
-            </a:endParaRPr>
+              <a:t>Сбор тестовых изображений в городской среде;</a:t>
+            </a:r>
           </a:p>
           <a:p>
             <a:pPr marL="285750" indent="-285750" fontAlgn="base">
@@ -6794,25 +8368,8 @@
                 <a:latin typeface="Times New Roman" panose="02020603050405020304" pitchFamily="18" charset="0"/>
                 <a:cs typeface="Times New Roman" panose="02020603050405020304" pitchFamily="18" charset="0"/>
               </a:rPr>
-              <a:t>Проведение оценки качества результата сегментации</a:t>
-            </a:r>
-            <a:r>
-              <a:rPr lang="ru-RU" dirty="0" smtClean="0">
-                <a:solidFill>
-                  <a:srgbClr val="000000"/>
-                </a:solidFill>
-                <a:latin typeface="Times New Roman" panose="02020603050405020304" pitchFamily="18" charset="0"/>
-                <a:cs typeface="Times New Roman" panose="02020603050405020304" pitchFamily="18" charset="0"/>
-              </a:rPr>
-              <a:t>;</a:t>
-            </a:r>
-            <a:endParaRPr lang="ru-RU" dirty="0">
-              <a:solidFill>
-                <a:srgbClr val="000000"/>
-              </a:solidFill>
-              <a:latin typeface="Times New Roman" panose="02020603050405020304" pitchFamily="18" charset="0"/>
-              <a:cs typeface="Times New Roman" panose="02020603050405020304" pitchFamily="18" charset="0"/>
-            </a:endParaRPr>
+              <a:t>Проведение оценки качества результата сегментации;</a:t>
+            </a:r>
           </a:p>
           <a:p>
             <a:pPr marL="285750" indent="-285750" fontAlgn="base">
@@ -6827,27 +8384,7 @@
                 <a:latin typeface="Times New Roman" panose="02020603050405020304" pitchFamily="18" charset="0"/>
                 <a:cs typeface="Times New Roman" panose="02020603050405020304" pitchFamily="18" charset="0"/>
               </a:rPr>
-              <a:t>Подготовка презентации, отчёта и </a:t>
-            </a:r>
-            <a:r>
-              <a:rPr lang="ru-RU" dirty="0" smtClean="0">
-                <a:solidFill>
-                  <a:srgbClr val="000000"/>
-                </a:solidFill>
-                <a:latin typeface="Times New Roman" panose="02020603050405020304" pitchFamily="18" charset="0"/>
-                <a:cs typeface="Times New Roman" panose="02020603050405020304" pitchFamily="18" charset="0"/>
-              </a:rPr>
-              <a:t>визуализаций</a:t>
-            </a:r>
-            <a:r>
-              <a:rPr lang="ru-RU" dirty="0">
-                <a:solidFill>
-                  <a:srgbClr val="000000"/>
-                </a:solidFill>
-                <a:latin typeface="Times New Roman" panose="02020603050405020304" pitchFamily="18" charset="0"/>
-                <a:cs typeface="Times New Roman" panose="02020603050405020304" pitchFamily="18" charset="0"/>
-              </a:rPr>
-              <a:t>;</a:t>
+              <a:t>Подготовка презентации, отчёта и визуализаций;</a:t>
             </a:r>
           </a:p>
           <a:p>
@@ -6859,24 +8396,14 @@
               <a:buChar char="•"/>
             </a:pPr>
             <a:r>
-              <a:rPr lang="ru-RU" dirty="0" smtClean="0">
+              <a:rPr lang="ru-RU" dirty="0">
                 <a:solidFill>
                   <a:srgbClr val="000000"/>
                 </a:solidFill>
                 <a:latin typeface="Times New Roman" panose="02020603050405020304" pitchFamily="18" charset="0"/>
                 <a:cs typeface="Times New Roman" panose="02020603050405020304" pitchFamily="18" charset="0"/>
               </a:rPr>
-              <a:t>Анализ </a:t>
-            </a:r>
-            <a:r>
-              <a:rPr lang="ru-RU" dirty="0">
-                <a:solidFill>
-                  <a:srgbClr val="000000"/>
-                </a:solidFill>
-                <a:latin typeface="Times New Roman" panose="02020603050405020304" pitchFamily="18" charset="0"/>
-                <a:cs typeface="Times New Roman" panose="02020603050405020304" pitchFamily="18" charset="0"/>
-              </a:rPr>
-              <a:t>метрик и дообработка результатов.</a:t>
+              <a:t>Анализ метрик и дообработка результатов.</a:t>
             </a:r>
           </a:p>
         </p:txBody>
@@ -6931,25 +8458,8 @@
                 <a:latin typeface="Times New Roman" panose="02020603050405020304" pitchFamily="18" charset="0"/>
                 <a:cs typeface="Times New Roman" panose="02020603050405020304" pitchFamily="18" charset="0"/>
               </a:rPr>
-              <a:t>Сбор тестовых изображений в городской среде</a:t>
-            </a:r>
-            <a:r>
-              <a:rPr lang="ru-RU" dirty="0" smtClean="0">
-                <a:solidFill>
-                  <a:srgbClr val="000000"/>
-                </a:solidFill>
-                <a:latin typeface="Times New Roman" panose="02020603050405020304" pitchFamily="18" charset="0"/>
-                <a:cs typeface="Times New Roman" panose="02020603050405020304" pitchFamily="18" charset="0"/>
-              </a:rPr>
-              <a:t>;</a:t>
-            </a:r>
-            <a:endParaRPr lang="ru-RU" dirty="0">
-              <a:solidFill>
-                <a:srgbClr val="000000"/>
-              </a:solidFill>
-              <a:latin typeface="Times New Roman" panose="02020603050405020304" pitchFamily="18" charset="0"/>
-              <a:cs typeface="Times New Roman" panose="02020603050405020304" pitchFamily="18" charset="0"/>
-            </a:endParaRPr>
+              <a:t>Сбор тестовых изображений в городской среде;</a:t>
+            </a:r>
           </a:p>
           <a:p>
             <a:pPr marL="285750" indent="-285750" algn="just" fontAlgn="base">
@@ -6984,25 +8494,8 @@
                 <a:latin typeface="Times New Roman" panose="02020603050405020304" pitchFamily="18" charset="0"/>
                 <a:cs typeface="Times New Roman" panose="02020603050405020304" pitchFamily="18" charset="0"/>
               </a:rPr>
-              <a:t> условий</a:t>
-            </a:r>
-            <a:r>
-              <a:rPr lang="ru-RU" dirty="0" smtClean="0">
-                <a:solidFill>
-                  <a:srgbClr val="000000"/>
-                </a:solidFill>
-                <a:latin typeface="Times New Roman" panose="02020603050405020304" pitchFamily="18" charset="0"/>
-                <a:cs typeface="Times New Roman" panose="02020603050405020304" pitchFamily="18" charset="0"/>
-              </a:rPr>
-              <a:t>;</a:t>
-            </a:r>
-            <a:endParaRPr lang="ru-RU" dirty="0">
-              <a:solidFill>
-                <a:srgbClr val="000000"/>
-              </a:solidFill>
-              <a:latin typeface="Times New Roman" panose="02020603050405020304" pitchFamily="18" charset="0"/>
-              <a:cs typeface="Times New Roman" panose="02020603050405020304" pitchFamily="18" charset="0"/>
-            </a:endParaRPr>
+              <a:t> условий;</a:t>
+            </a:r>
           </a:p>
           <a:p>
             <a:pPr marL="285750" indent="-285750" algn="just">
@@ -7017,17 +8510,7 @@
                 <a:latin typeface="Times New Roman" panose="02020603050405020304" pitchFamily="18" charset="0"/>
                 <a:cs typeface="Times New Roman" panose="02020603050405020304" pitchFamily="18" charset="0"/>
               </a:rPr>
-              <a:t>Подготовка презентации, отчёта и визуализаций</a:t>
-            </a:r>
-            <a:r>
-              <a:rPr lang="ru-RU" dirty="0" smtClean="0">
-                <a:solidFill>
-                  <a:srgbClr val="000000"/>
-                </a:solidFill>
-                <a:latin typeface="Times New Roman" panose="02020603050405020304" pitchFamily="18" charset="0"/>
-                <a:cs typeface="Times New Roman" panose="02020603050405020304" pitchFamily="18" charset="0"/>
-              </a:rPr>
-              <a:t>.</a:t>
+              <a:t>Подготовка презентации, отчёта и визуализаций.</a:t>
             </a:r>
             <a:endParaRPr lang="ru-RU" dirty="0">
               <a:latin typeface="Times New Roman" panose="02020603050405020304" pitchFamily="18" charset="0"/>
@@ -7105,25 +8588,8 @@
                 <a:latin typeface="Times New Roman" panose="02020603050405020304" pitchFamily="18" charset="0"/>
                 <a:cs typeface="Times New Roman" panose="02020603050405020304" pitchFamily="18" charset="0"/>
               </a:rPr>
-              <a:t>-приложения (UI/UX</a:t>
-            </a:r>
-            <a:r>
-              <a:rPr lang="ru-RU" dirty="0" smtClean="0">
-                <a:solidFill>
-                  <a:srgbClr val="000000"/>
-                </a:solidFill>
-                <a:latin typeface="Times New Roman" panose="02020603050405020304" pitchFamily="18" charset="0"/>
-                <a:cs typeface="Times New Roman" panose="02020603050405020304" pitchFamily="18" charset="0"/>
-              </a:rPr>
-              <a:t>);</a:t>
-            </a:r>
-            <a:endParaRPr lang="ru-RU" dirty="0">
-              <a:solidFill>
-                <a:srgbClr val="000000"/>
-              </a:solidFill>
-              <a:latin typeface="Times New Roman" panose="02020603050405020304" pitchFamily="18" charset="0"/>
-              <a:cs typeface="Times New Roman" panose="02020603050405020304" pitchFamily="18" charset="0"/>
-            </a:endParaRPr>
+              <a:t>-приложения (UI/UX);</a:t>
+            </a:r>
           </a:p>
           <a:p>
             <a:pPr marL="285750" indent="-285750" fontAlgn="base">
@@ -7151,7 +8617,7 @@
               <a:t>Retrofit</a:t>
             </a:r>
             <a:r>
-              <a:rPr lang="ru-RU" dirty="0" smtClean="0">
+              <a:rPr lang="ru-RU" dirty="0">
                 <a:solidFill>
                   <a:srgbClr val="000000"/>
                 </a:solidFill>
@@ -7160,13 +8626,6 @@
               </a:rPr>
               <a:t>);</a:t>
             </a:r>
-            <a:endParaRPr lang="ru-RU" dirty="0">
-              <a:solidFill>
-                <a:srgbClr val="000000"/>
-              </a:solidFill>
-              <a:latin typeface="Times New Roman" panose="02020603050405020304" pitchFamily="18" charset="0"/>
-              <a:cs typeface="Times New Roman" panose="02020603050405020304" pitchFamily="18" charset="0"/>
-            </a:endParaRPr>
           </a:p>
           <a:p>
             <a:pPr marL="285750" indent="-285750" fontAlgn="base">
@@ -7174,24 +8633,14 @@
               <a:buChar char="•"/>
             </a:pPr>
             <a:r>
-              <a:rPr lang="ru-RU" dirty="0" smtClean="0">
+              <a:rPr lang="ru-RU" dirty="0">
                 <a:solidFill>
                   <a:srgbClr val="000000"/>
                 </a:solidFill>
                 <a:latin typeface="Times New Roman" panose="02020603050405020304" pitchFamily="18" charset="0"/>
                 <a:cs typeface="Times New Roman" panose="02020603050405020304" pitchFamily="18" charset="0"/>
               </a:rPr>
-              <a:t>Построение </a:t>
-            </a:r>
-            <a:r>
-              <a:rPr lang="ru-RU" dirty="0">
-                <a:solidFill>
-                  <a:srgbClr val="000000"/>
-                </a:solidFill>
-                <a:latin typeface="Times New Roman" panose="02020603050405020304" pitchFamily="18" charset="0"/>
-                <a:cs typeface="Times New Roman" panose="02020603050405020304" pitchFamily="18" charset="0"/>
-              </a:rPr>
-              <a:t>модели.</a:t>
+              <a:t>Построение модели.</a:t>
             </a:r>
           </a:p>
         </p:txBody>
@@ -7408,12 +8857,12 @@
           <a:graphicData uri="http://schemas.openxmlformats.org/presentationml/2006/ole">
             <mc:AlternateContent xmlns:mc="http://schemas.openxmlformats.org/markup-compatibility/2006">
               <mc:Choice xmlns:v="urn:schemas-microsoft-com:vml" Requires="v">
-                <p:oleObj spid="_x0000_s8206" name="CorelDRAW" r:id="rId3" imgW="2566457" imgH="894201" progId="CorelDraw.Graphic.22">
+                <p:oleObj name="CorelDRAW" r:id="rId2" imgW="2566457" imgH="894201" progId="CorelDraw.Graphic.22">
                   <p:embed/>
                 </p:oleObj>
               </mc:Choice>
               <mc:Fallback>
-                <p:oleObj name="CorelDRAW" r:id="rId3" imgW="2566457" imgH="894201" progId="CorelDraw.Graphic.22">
+                <p:oleObj name="CorelDRAW" r:id="rId2" imgW="2566457" imgH="894201" progId="CorelDraw.Graphic.22">
                   <p:embed/>
                   <p:pic>
                     <p:nvPicPr>
@@ -7422,7 +8871,7 @@
                       <p:nvPr/>
                     </p:nvPicPr>
                     <p:blipFill>
-                      <a:blip r:embed="rId4"/>
+                      <a:blip r:embed="rId3"/>
                       <a:stretch>
                         <a:fillRect/>
                       </a:stretch>
@@ -7502,7 +8951,7 @@
           <p:nvPr/>
         </p:nvPicPr>
         <p:blipFill>
-          <a:blip r:embed="rId5" cstate="print">
+          <a:blip r:embed="rId4" cstate="print">
             <a:extLst>
               <a:ext uri="{28A0092B-C50C-407E-A947-70E740481C1C}">
                 <a14:useLocalDpi xmlns:a14="http://schemas.microsoft.com/office/drawing/2010/main" val="0"/>
@@ -7570,7 +9019,7 @@
               </a:lnSpc>
             </a:pPr>
             <a:r>
-              <a:rPr lang="ru-RU" altLang="ru-RU" sz="2400" b="1" dirty="0" smtClean="0">
+              <a:rPr lang="ru-RU" altLang="ru-RU" sz="2400" b="1" dirty="0">
                 <a:solidFill>
                   <a:srgbClr val="0070C0"/>
                 </a:solidFill>
@@ -7579,13 +9028,6 @@
               </a:rPr>
               <a:t>Инструменты и результаты</a:t>
             </a:r>
-            <a:endParaRPr lang="ru-RU" altLang="ru-RU" sz="2400" b="1" dirty="0">
-              <a:solidFill>
-                <a:srgbClr val="0070C0"/>
-              </a:solidFill>
-              <a:latin typeface="Times New Roman" panose="02020603050405020304" pitchFamily="18" charset="0"/>
-              <a:cs typeface="Times New Roman" panose="02020603050405020304" pitchFamily="18" charset="0"/>
-            </a:endParaRPr>
           </a:p>
         </p:txBody>
       </p:sp>
@@ -7616,7 +9058,7 @@
               </a:spcBef>
             </a:pPr>
             <a:r>
-              <a:rPr lang="ru-RU" b="1" dirty="0" smtClean="0">
+              <a:rPr lang="ru-RU" b="1" dirty="0">
                 <a:solidFill>
                   <a:srgbClr val="000000"/>
                 </a:solidFill>
@@ -7632,37 +9074,27 @@
               <a:buChar char="•"/>
             </a:pPr>
             <a:r>
-              <a:rPr lang="ru-RU" dirty="0" smtClean="0">
+              <a:rPr lang="ru-RU" dirty="0">
                 <a:solidFill>
                   <a:srgbClr val="000000"/>
                 </a:solidFill>
                 <a:latin typeface="Times New Roman" panose="02020603050405020304" pitchFamily="18" charset="0"/>
                 <a:cs typeface="Times New Roman" panose="02020603050405020304" pitchFamily="18" charset="0"/>
               </a:rPr>
-              <a:t>Язык </a:t>
+              <a:t>Язык программирования: </a:t>
+            </a:r>
+            <a:r>
+              <a:rPr lang="en-US" dirty="0" err="1">
+                <a:solidFill>
+                  <a:srgbClr val="000000"/>
+                </a:solidFill>
+                <a:latin typeface="Times New Roman" panose="02020603050405020304" pitchFamily="18" charset="0"/>
+                <a:cs typeface="Times New Roman" panose="02020603050405020304" pitchFamily="18" charset="0"/>
+              </a:rPr>
+              <a:t>Python,Kotlin</a:t>
             </a:r>
             <a:r>
               <a:rPr lang="ru-RU" dirty="0">
-                <a:solidFill>
-                  <a:srgbClr val="000000"/>
-                </a:solidFill>
-                <a:latin typeface="Times New Roman" panose="02020603050405020304" pitchFamily="18" charset="0"/>
-                <a:cs typeface="Times New Roman" panose="02020603050405020304" pitchFamily="18" charset="0"/>
-              </a:rPr>
-              <a:t>программирования: </a:t>
-            </a:r>
-            <a:r>
-              <a:rPr lang="en-US" dirty="0" err="1" smtClean="0">
-                <a:solidFill>
-                  <a:srgbClr val="000000"/>
-                </a:solidFill>
-                <a:latin typeface="Times New Roman" panose="02020603050405020304" pitchFamily="18" charset="0"/>
-                <a:cs typeface="Times New Roman" panose="02020603050405020304" pitchFamily="18" charset="0"/>
-              </a:rPr>
-              <a:t>Python,Kotlin</a:t>
-            </a:r>
-            <a:r>
-              <a:rPr lang="ru-RU" dirty="0" smtClean="0">
                 <a:solidFill>
                   <a:srgbClr val="000000"/>
                 </a:solidFill>
@@ -7765,7 +9197,7 @@
               <a:t>adndoid</a:t>
             </a:r>
             <a:r>
-              <a:rPr lang="en-US" dirty="0" smtClean="0">
+              <a:rPr lang="en-US" dirty="0">
                 <a:solidFill>
                   <a:srgbClr val="000000"/>
                 </a:solidFill>
@@ -7775,7 +9207,7 @@
               <a:t>)</a:t>
             </a:r>
             <a:r>
-              <a:rPr lang="ru-RU" dirty="0" smtClean="0">
+              <a:rPr lang="ru-RU" dirty="0">
                 <a:solidFill>
                   <a:srgbClr val="000000"/>
                 </a:solidFill>
@@ -7805,20 +9237,30 @@
                 <a:latin typeface="Times New Roman" panose="02020603050405020304" pitchFamily="18" charset="0"/>
                 <a:cs typeface="Times New Roman" panose="02020603050405020304" pitchFamily="18" charset="0"/>
               </a:rPr>
-              <a:t>Модель: </a:t>
-            </a:r>
-            <a:r>
-              <a:rPr lang="en-US" dirty="0" err="1" smtClean="0">
+              <a:t>Инфраструктура: </a:t>
+            </a:r>
+            <a:r>
+              <a:rPr lang="en-US" dirty="0">
                 <a:solidFill>
                   <a:srgbClr val="000000"/>
                 </a:solidFill>
                 <a:latin typeface="Times New Roman" panose="02020603050405020304" pitchFamily="18" charset="0"/>
                 <a:cs typeface="Times New Roman" panose="02020603050405020304" pitchFamily="18" charset="0"/>
               </a:rPr>
-              <a:t>ESNet</a:t>
-            </a:r>
-            <a:r>
-              <a:rPr lang="ru-RU" dirty="0" smtClean="0">
+              <a:t>Docker, </a:t>
+            </a:r>
+            <a:r>
+              <a:rPr lang="en-US" dirty="0" err="1">
+                <a:solidFill>
+                  <a:srgbClr val="000000"/>
+                </a:solidFill>
+                <a:latin typeface="Times New Roman" panose="02020603050405020304" pitchFamily="18" charset="0"/>
+                <a:cs typeface="Times New Roman" panose="02020603050405020304" pitchFamily="18" charset="0"/>
+              </a:rPr>
+              <a:t>FastAPI</a:t>
+            </a:r>
+            <a:r>
+              <a:rPr lang="ru-RU" dirty="0">
                 <a:solidFill>
                   <a:srgbClr val="000000"/>
                 </a:solidFill>
@@ -7841,47 +9283,47 @@
               <a:buChar char="•"/>
             </a:pPr>
             <a:r>
-              <a:rPr lang="ru-RU" dirty="0" smtClean="0">
+              <a:rPr lang="ru-RU" dirty="0">
                 <a:solidFill>
                   <a:srgbClr val="000000"/>
                 </a:solidFill>
                 <a:latin typeface="Times New Roman" panose="02020603050405020304" pitchFamily="18" charset="0"/>
                 <a:cs typeface="Times New Roman" panose="02020603050405020304" pitchFamily="18" charset="0"/>
               </a:rPr>
-              <a:t>Инфраструктура: </a:t>
-            </a:r>
-            <a:r>
-              <a:rPr lang="en-US" dirty="0" smtClean="0">
+              <a:t>Среда разработки: </a:t>
+            </a:r>
+            <a:r>
+              <a:rPr lang="en-US" dirty="0">
                 <a:solidFill>
                   <a:srgbClr val="000000"/>
                 </a:solidFill>
                 <a:latin typeface="Times New Roman" panose="02020603050405020304" pitchFamily="18" charset="0"/>
                 <a:cs typeface="Times New Roman" panose="02020603050405020304" pitchFamily="18" charset="0"/>
               </a:rPr>
-              <a:t>Docker, Flask </a:t>
-            </a:r>
-            <a:r>
-              <a:rPr lang="ru-RU" dirty="0" smtClean="0">
+              <a:t>Google </a:t>
+            </a:r>
+            <a:r>
+              <a:rPr lang="en-US" dirty="0" err="1">
                 <a:solidFill>
                   <a:srgbClr val="000000"/>
                 </a:solidFill>
                 <a:latin typeface="Times New Roman" panose="02020603050405020304" pitchFamily="18" charset="0"/>
                 <a:cs typeface="Times New Roman" panose="02020603050405020304" pitchFamily="18" charset="0"/>
               </a:rPr>
-              <a:t>или </a:t>
-            </a:r>
-            <a:r>
-              <a:rPr lang="en-US" dirty="0" err="1" smtClean="0">
+              <a:t>Colab</a:t>
+            </a:r>
+            <a:r>
+              <a:rPr lang="en-US" dirty="0">
                 <a:solidFill>
                   <a:srgbClr val="000000"/>
                 </a:solidFill>
                 <a:latin typeface="Times New Roman" panose="02020603050405020304" pitchFamily="18" charset="0"/>
                 <a:cs typeface="Times New Roman" panose="02020603050405020304" pitchFamily="18" charset="0"/>
               </a:rPr>
-              <a:t>FastAPI</a:t>
-            </a:r>
-            <a:r>
-              <a:rPr lang="ru-RU" dirty="0" smtClean="0">
+              <a:t>, Android Studio</a:t>
+            </a:r>
+            <a:r>
+              <a:rPr lang="ru-RU" dirty="0">
                 <a:solidFill>
                   <a:srgbClr val="000000"/>
                 </a:solidFill>
@@ -7890,7 +9332,7 @@
               </a:rPr>
               <a:t>;</a:t>
             </a:r>
-            <a:endParaRPr lang="en-US" dirty="0" smtClean="0">
+            <a:endParaRPr lang="en-US" dirty="0">
               <a:solidFill>
                 <a:srgbClr val="000000"/>
               </a:solidFill>
@@ -7904,135 +9346,65 @@
               <a:buChar char="•"/>
             </a:pPr>
             <a:r>
-              <a:rPr lang="ru-RU" dirty="0" smtClean="0">
+              <a:rPr lang="ru-RU" dirty="0" err="1">
                 <a:solidFill>
                   <a:srgbClr val="000000"/>
                 </a:solidFill>
                 <a:latin typeface="Times New Roman" panose="02020603050405020304" pitchFamily="18" charset="0"/>
                 <a:cs typeface="Times New Roman" panose="02020603050405020304" pitchFamily="18" charset="0"/>
               </a:rPr>
-              <a:t>Среда разработки: </a:t>
-            </a:r>
-            <a:r>
-              <a:rPr lang="en-US" dirty="0" smtClean="0">
+              <a:t>Датасеты</a:t>
+            </a:r>
+            <a:r>
+              <a:rPr lang="ru-RU" dirty="0">
                 <a:solidFill>
                   <a:srgbClr val="000000"/>
                 </a:solidFill>
                 <a:latin typeface="Times New Roman" panose="02020603050405020304" pitchFamily="18" charset="0"/>
                 <a:cs typeface="Times New Roman" panose="02020603050405020304" pitchFamily="18" charset="0"/>
               </a:rPr>
-              <a:t>Google </a:t>
-            </a:r>
-            <a:r>
-              <a:rPr lang="en-US" dirty="0" err="1" smtClean="0">
+              <a:t>: </a:t>
+            </a:r>
+            <a:r>
+              <a:rPr lang="en-US" dirty="0">
                 <a:solidFill>
                   <a:srgbClr val="000000"/>
                 </a:solidFill>
                 <a:latin typeface="Times New Roman" panose="02020603050405020304" pitchFamily="18" charset="0"/>
                 <a:cs typeface="Times New Roman" panose="02020603050405020304" pitchFamily="18" charset="0"/>
               </a:rPr>
-              <a:t>Colab</a:t>
-            </a:r>
-            <a:r>
-              <a:rPr lang="en-US" dirty="0" smtClean="0">
+              <a:t>Cityscapes, driving-segmentation</a:t>
+            </a:r>
+            <a:r>
+              <a:rPr lang="ru-RU" dirty="0">
                 <a:solidFill>
                   <a:srgbClr val="000000"/>
                 </a:solidFill>
                 <a:latin typeface="Times New Roman" panose="02020603050405020304" pitchFamily="18" charset="0"/>
                 <a:cs typeface="Times New Roman" panose="02020603050405020304" pitchFamily="18" charset="0"/>
               </a:rPr>
-              <a:t>, Android Studio</a:t>
-            </a:r>
-            <a:r>
-              <a:rPr lang="ru-RU" dirty="0" smtClean="0">
+              <a:t> </a:t>
+            </a:r>
+            <a:r>
+              <a:rPr lang="en-US" dirty="0">
                 <a:solidFill>
                   <a:srgbClr val="000000"/>
                 </a:solidFill>
                 <a:latin typeface="Times New Roman" panose="02020603050405020304" pitchFamily="18" charset="0"/>
                 <a:cs typeface="Times New Roman" panose="02020603050405020304" pitchFamily="18" charset="0"/>
               </a:rPr>
-              <a:t>;</a:t>
-            </a:r>
-            <a:endParaRPr lang="en-US" dirty="0" smtClean="0">
-              <a:solidFill>
-                <a:srgbClr val="000000"/>
-              </a:solidFill>
-              <a:latin typeface="Times New Roman" panose="02020603050405020304" pitchFamily="18" charset="0"/>
-              <a:cs typeface="Times New Roman" panose="02020603050405020304" pitchFamily="18" charset="0"/>
-            </a:endParaRPr>
-          </a:p>
-          <a:p>
-            <a:pPr marL="285750" indent="-285750" algn="just" fontAlgn="base">
-              <a:buFont typeface="Arial" panose="020B0604020202020204" pitchFamily="34" charset="0"/>
-              <a:buChar char="•"/>
-            </a:pPr>
-            <a:r>
-              <a:rPr lang="ru-RU" dirty="0" err="1" smtClean="0">
+              <a:t>, </a:t>
+            </a:r>
+            <a:r>
+              <a:rPr lang="ru-RU" dirty="0">
                 <a:solidFill>
                   <a:srgbClr val="000000"/>
                 </a:solidFill>
                 <a:latin typeface="Times New Roman" panose="02020603050405020304" pitchFamily="18" charset="0"/>
                 <a:cs typeface="Times New Roman" panose="02020603050405020304" pitchFamily="18" charset="0"/>
               </a:rPr>
-              <a:t>Датасеты</a:t>
-            </a:r>
-            <a:r>
-              <a:rPr lang="ru-RU" dirty="0" smtClean="0">
-                <a:solidFill>
-                  <a:srgbClr val="000000"/>
-                </a:solidFill>
-                <a:latin typeface="Times New Roman" panose="02020603050405020304" pitchFamily="18" charset="0"/>
-                <a:cs typeface="Times New Roman" panose="02020603050405020304" pitchFamily="18" charset="0"/>
-              </a:rPr>
-              <a:t>: </a:t>
-            </a:r>
-            <a:r>
-              <a:rPr lang="en-US" dirty="0" smtClean="0">
-                <a:solidFill>
-                  <a:srgbClr val="000000"/>
-                </a:solidFill>
-                <a:latin typeface="Times New Roman" panose="02020603050405020304" pitchFamily="18" charset="0"/>
-                <a:cs typeface="Times New Roman" panose="02020603050405020304" pitchFamily="18" charset="0"/>
-              </a:rPr>
-              <a:t>Cityscapes, </a:t>
-            </a:r>
-            <a:r>
-              <a:rPr lang="en-US" dirty="0" err="1" smtClean="0">
-                <a:solidFill>
-                  <a:srgbClr val="000000"/>
-                </a:solidFill>
-                <a:latin typeface="Times New Roman" panose="02020603050405020304" pitchFamily="18" charset="0"/>
-                <a:cs typeface="Times New Roman" panose="02020603050405020304" pitchFamily="18" charset="0"/>
-              </a:rPr>
-              <a:t>CamVid</a:t>
-            </a:r>
-            <a:r>
-              <a:rPr lang="en-US" dirty="0" smtClean="0">
-                <a:solidFill>
-                  <a:srgbClr val="000000"/>
-                </a:solidFill>
-                <a:latin typeface="Times New Roman" panose="02020603050405020304" pitchFamily="18" charset="0"/>
-                <a:cs typeface="Times New Roman" panose="02020603050405020304" pitchFamily="18" charset="0"/>
-              </a:rPr>
-              <a:t>, </a:t>
-            </a:r>
-            <a:r>
-              <a:rPr lang="ru-RU" dirty="0" smtClean="0">
-                <a:solidFill>
-                  <a:srgbClr val="000000"/>
-                </a:solidFill>
-                <a:latin typeface="Times New Roman" panose="02020603050405020304" pitchFamily="18" charset="0"/>
-                <a:cs typeface="Times New Roman" panose="02020603050405020304" pitchFamily="18" charset="0"/>
-              </a:rPr>
               <a:t>а также дополнительные наборы (сформированные нашей командой).</a:t>
             </a:r>
-            <a:endParaRPr lang="ru-RU" dirty="0">
-              <a:solidFill>
-                <a:srgbClr val="000000"/>
-              </a:solidFill>
-              <a:latin typeface="Times New Roman" panose="02020603050405020304" pitchFamily="18" charset="0"/>
-              <a:cs typeface="Times New Roman" panose="02020603050405020304" pitchFamily="18" charset="0"/>
-            </a:endParaRPr>
           </a:p>
         </p:txBody>
       </p:sp>
@@ -8063,7 +9435,7 @@
               </a:spcBef>
             </a:pPr>
             <a:r>
-              <a:rPr lang="ru-RU" b="1" dirty="0" smtClean="0">
+              <a:rPr lang="ru-RU" b="1" dirty="0">
                 <a:solidFill>
                   <a:srgbClr val="000000"/>
                 </a:solidFill>
@@ -8086,65 +9458,8 @@
                 <a:latin typeface="Times New Roman" panose="02020603050405020304" pitchFamily="18" charset="0"/>
                 <a:cs typeface="Times New Roman" panose="02020603050405020304" pitchFamily="18" charset="0"/>
               </a:rPr>
-              <a:t>О</a:t>
-            </a:r>
-            <a:r>
-              <a:rPr lang="ru-RU" dirty="0" smtClean="0">
-                <a:solidFill>
-                  <a:srgbClr val="000000"/>
-                </a:solidFill>
-                <a:latin typeface="Times New Roman" panose="02020603050405020304" pitchFamily="18" charset="0"/>
-                <a:cs typeface="Times New Roman" panose="02020603050405020304" pitchFamily="18" charset="0"/>
-              </a:rPr>
-              <a:t>бученная </a:t>
-            </a:r>
-            <a:r>
-              <a:rPr lang="ru-RU" dirty="0">
-                <a:solidFill>
-                  <a:srgbClr val="000000"/>
-                </a:solidFill>
-                <a:latin typeface="Times New Roman" panose="02020603050405020304" pitchFamily="18" charset="0"/>
-                <a:cs typeface="Times New Roman" panose="02020603050405020304" pitchFamily="18" charset="0"/>
-              </a:rPr>
-              <a:t>модель </a:t>
-            </a:r>
-            <a:r>
-              <a:rPr lang="ru-RU" dirty="0" err="1">
-                <a:solidFill>
-                  <a:srgbClr val="000000"/>
-                </a:solidFill>
-                <a:latin typeface="Times New Roman" panose="02020603050405020304" pitchFamily="18" charset="0"/>
-                <a:cs typeface="Times New Roman" panose="02020603050405020304" pitchFamily="18" charset="0"/>
-              </a:rPr>
-              <a:t>ESNet</a:t>
-            </a:r>
-            <a:r>
-              <a:rPr lang="ru-RU" dirty="0">
-                <a:solidFill>
-                  <a:srgbClr val="000000"/>
-                </a:solidFill>
-                <a:latin typeface="Times New Roman" panose="02020603050405020304" pitchFamily="18" charset="0"/>
-                <a:cs typeface="Times New Roman" panose="02020603050405020304" pitchFamily="18" charset="0"/>
-              </a:rPr>
-              <a:t>, способная производить сегментацию городских сцен в реальном времени</a:t>
-            </a:r>
-            <a:r>
-              <a:rPr lang="ru-RU" dirty="0" smtClean="0">
-                <a:solidFill>
-                  <a:srgbClr val="000000"/>
-                </a:solidFill>
-                <a:latin typeface="Times New Roman" panose="02020603050405020304" pitchFamily="18" charset="0"/>
-                <a:cs typeface="Times New Roman" panose="02020603050405020304" pitchFamily="18" charset="0"/>
-              </a:rPr>
-              <a:t>;</a:t>
-            </a:r>
-            <a:endParaRPr lang="ru-RU" dirty="0">
-              <a:solidFill>
-                <a:srgbClr val="000000"/>
-              </a:solidFill>
-              <a:latin typeface="Times New Roman" panose="02020603050405020304" pitchFamily="18" charset="0"/>
-              <a:cs typeface="Times New Roman" panose="02020603050405020304" pitchFamily="18" charset="0"/>
-            </a:endParaRPr>
+              <a:t>Обученная модель, способная производить сегментацию городских сцен в реальном времени;</a:t>
+            </a:r>
           </a:p>
           <a:p>
             <a:pPr marL="285750" indent="-285750" algn="just" fontAlgn="base">
@@ -8169,25 +9484,8 @@
                 <a:latin typeface="Times New Roman" panose="02020603050405020304" pitchFamily="18" charset="0"/>
                 <a:cs typeface="Times New Roman" panose="02020603050405020304" pitchFamily="18" charset="0"/>
               </a:rPr>
-              <a:t>-сервис с REST API для обработки изображений</a:t>
-            </a:r>
-            <a:r>
-              <a:rPr lang="ru-RU" dirty="0" smtClean="0">
-                <a:solidFill>
-                  <a:srgbClr val="000000"/>
-                </a:solidFill>
-                <a:latin typeface="Times New Roman" panose="02020603050405020304" pitchFamily="18" charset="0"/>
-                <a:cs typeface="Times New Roman" panose="02020603050405020304" pitchFamily="18" charset="0"/>
-              </a:rPr>
-              <a:t>;</a:t>
-            </a:r>
-            <a:endParaRPr lang="ru-RU" dirty="0">
-              <a:solidFill>
-                <a:srgbClr val="000000"/>
-              </a:solidFill>
-              <a:latin typeface="Times New Roman" panose="02020603050405020304" pitchFamily="18" charset="0"/>
-              <a:cs typeface="Times New Roman" panose="02020603050405020304" pitchFamily="18" charset="0"/>
-            </a:endParaRPr>
+              <a:t>-сервис с REST API для обработки изображений;</a:t>
+            </a:r>
           </a:p>
           <a:p>
             <a:pPr marL="285750" indent="-285750" algn="just" fontAlgn="base">
@@ -8195,7 +9493,7 @@
               <a:buChar char="•"/>
             </a:pPr>
             <a:r>
-              <a:rPr lang="ru-RU" dirty="0" smtClean="0">
+              <a:rPr lang="ru-RU" dirty="0">
                 <a:solidFill>
                   <a:srgbClr val="000000"/>
                 </a:solidFill>
@@ -8222,25 +9520,8 @@
                 <a:latin typeface="Times New Roman" panose="02020603050405020304" pitchFamily="18" charset="0"/>
                 <a:cs typeface="Times New Roman" panose="02020603050405020304" pitchFamily="18" charset="0"/>
               </a:rPr>
-              <a:t>-приложение с интерфейсом для загрузки изображений и отображения результата</a:t>
-            </a:r>
-            <a:r>
-              <a:rPr lang="ru-RU" dirty="0" smtClean="0">
-                <a:solidFill>
-                  <a:srgbClr val="000000"/>
-                </a:solidFill>
-                <a:latin typeface="Times New Roman" panose="02020603050405020304" pitchFamily="18" charset="0"/>
-                <a:cs typeface="Times New Roman" panose="02020603050405020304" pitchFamily="18" charset="0"/>
-              </a:rPr>
-              <a:t>;</a:t>
-            </a:r>
-            <a:endParaRPr lang="ru-RU" dirty="0">
-              <a:solidFill>
-                <a:srgbClr val="000000"/>
-              </a:solidFill>
-              <a:latin typeface="Times New Roman" panose="02020603050405020304" pitchFamily="18" charset="0"/>
-              <a:cs typeface="Times New Roman" panose="02020603050405020304" pitchFamily="18" charset="0"/>
-            </a:endParaRPr>
+              <a:t>-приложение с интерфейсом для загрузки изображений и отображения результата;</a:t>
+            </a:r>
           </a:p>
           <a:p>
             <a:pPr marL="285750" indent="-285750" algn="just" fontAlgn="base">
@@ -8248,24 +9529,14 @@
               <a:buChar char="•"/>
             </a:pPr>
             <a:r>
-              <a:rPr lang="ru-RU" dirty="0" smtClean="0">
+              <a:rPr lang="ru-RU" dirty="0">
                 <a:solidFill>
                   <a:srgbClr val="000000"/>
                 </a:solidFill>
                 <a:latin typeface="Times New Roman" panose="02020603050405020304" pitchFamily="18" charset="0"/>
                 <a:cs typeface="Times New Roman" panose="02020603050405020304" pitchFamily="18" charset="0"/>
               </a:rPr>
-              <a:t>Отчёт </a:t>
-            </a:r>
-            <a:r>
-              <a:rPr lang="ru-RU" dirty="0">
-                <a:solidFill>
-                  <a:srgbClr val="000000"/>
-                </a:solidFill>
-                <a:latin typeface="Times New Roman" panose="02020603050405020304" pitchFamily="18" charset="0"/>
-                <a:cs typeface="Times New Roman" panose="02020603050405020304" pitchFamily="18" charset="0"/>
-              </a:rPr>
-              <a:t>о точности модели и тестировании в условиях, приближённых к реальной эксплуатации.</a:t>
+              <a:t>Отчёт о точности модели и тестировании в условиях, приближённых к реальной эксплуатации.</a:t>
             </a:r>
           </a:p>
         </p:txBody>
@@ -8322,12 +9593,12 @@
           <a:graphicData uri="http://schemas.openxmlformats.org/presentationml/2006/ole">
             <mc:AlternateContent xmlns:mc="http://schemas.openxmlformats.org/markup-compatibility/2006">
               <mc:Choice xmlns:v="urn:schemas-microsoft-com:vml" Requires="v">
-                <p:oleObj spid="_x0000_s9228" name="CorelDRAW" r:id="rId3" imgW="2566457" imgH="894201" progId="CorelDraw.Graphic.22">
+                <p:oleObj name="CorelDRAW" r:id="rId2" imgW="2566457" imgH="894201" progId="CorelDraw.Graphic.22">
                   <p:embed/>
                 </p:oleObj>
               </mc:Choice>
               <mc:Fallback>
-                <p:oleObj name="CorelDRAW" r:id="rId3" imgW="2566457" imgH="894201" progId="CorelDraw.Graphic.22">
+                <p:oleObj name="CorelDRAW" r:id="rId2" imgW="2566457" imgH="894201" progId="CorelDraw.Graphic.22">
                   <p:embed/>
                   <p:pic>
                     <p:nvPicPr>
@@ -8336,7 +9607,7 @@
                       <p:nvPr/>
                     </p:nvPicPr>
                     <p:blipFill>
-                      <a:blip r:embed="rId4"/>
+                      <a:blip r:embed="rId3"/>
                       <a:stretch>
                         <a:fillRect/>
                       </a:stretch>
@@ -8416,7 +9687,7 @@
           <p:nvPr/>
         </p:nvPicPr>
         <p:blipFill>
-          <a:blip r:embed="rId5" cstate="print">
+          <a:blip r:embed="rId4" cstate="print">
             <a:extLst>
               <a:ext uri="{28A0092B-C50C-407E-A947-70E740481C1C}">
                 <a14:useLocalDpi xmlns:a14="http://schemas.microsoft.com/office/drawing/2010/main" val="0"/>
@@ -8484,7 +9755,7 @@
               </a:lnSpc>
             </a:pPr>
             <a:r>
-              <a:rPr lang="ru-RU" altLang="ru-RU" sz="2400" b="1" dirty="0" smtClean="0">
+              <a:rPr lang="ru-RU" altLang="ru-RU" sz="2400" b="1" dirty="0">
                 <a:solidFill>
                   <a:srgbClr val="0070C0"/>
                 </a:solidFill>
@@ -8493,13 +9764,6 @@
               </a:rPr>
               <a:t>Применение обученной модели в реальной среде</a:t>
             </a:r>
-            <a:endParaRPr lang="ru-RU" altLang="ru-RU" sz="2400" b="1" dirty="0">
-              <a:solidFill>
-                <a:srgbClr val="0070C0"/>
-              </a:solidFill>
-              <a:latin typeface="Times New Roman" panose="02020603050405020304" pitchFamily="18" charset="0"/>
-              <a:cs typeface="Times New Roman" panose="02020603050405020304" pitchFamily="18" charset="0"/>
-            </a:endParaRPr>
           </a:p>
         </p:txBody>
       </p:sp>
@@ -8512,7 +9776,7 @@
         <p:spPr>
           <a:xfrm>
             <a:off x="986115" y="1497167"/>
-            <a:ext cx="10586465" cy="2585323"/>
+            <a:ext cx="10586465" cy="2308324"/>
           </a:xfrm>
           <a:prstGeom prst="rect">
             <a:avLst/>
@@ -8533,23 +9797,19 @@
               <a:t>Интеграция в </a:t>
             </a:r>
             <a:r>
-              <a:rPr lang="ru-RU" b="1" dirty="0" err="1" smtClean="0">
+              <a:rPr lang="ru-RU" b="1" dirty="0" err="1">
                 <a:latin typeface="Times New Roman" panose="02020603050405020304" pitchFamily="18" charset="0"/>
                 <a:cs typeface="Times New Roman" panose="02020603050405020304" pitchFamily="18" charset="0"/>
               </a:rPr>
               <a:t>Android</a:t>
             </a:r>
             <a:r>
-              <a:rPr lang="ru-RU" b="1" dirty="0" smtClean="0">
+              <a:rPr lang="ru-RU" b="1" dirty="0">
                 <a:latin typeface="Times New Roman" panose="02020603050405020304" pitchFamily="18" charset="0"/>
                 <a:cs typeface="Times New Roman" panose="02020603050405020304" pitchFamily="18" charset="0"/>
               </a:rPr>
               <a:t>-приложение:</a:t>
             </a:r>
-            <a:endParaRPr lang="ru-RU" b="1" dirty="0">
-              <a:latin typeface="Times New Roman" panose="02020603050405020304" pitchFamily="18" charset="0"/>
-              <a:cs typeface="Times New Roman" panose="02020603050405020304" pitchFamily="18" charset="0"/>
-            </a:endParaRPr>
           </a:p>
           <a:p>
             <a:pPr algn="just"/>
@@ -8558,122 +9818,31 @@
                 <a:latin typeface="Times New Roman" panose="02020603050405020304" pitchFamily="18" charset="0"/>
                 <a:cs typeface="Times New Roman" panose="02020603050405020304" pitchFamily="18" charset="0"/>
               </a:rPr>
-              <a:t>Обученная модель была экспортирована в формат </a:t>
-            </a:r>
-            <a:r>
-              <a:rPr lang="ru-RU" b="1" dirty="0">
-                <a:latin typeface="Times New Roman" panose="02020603050405020304" pitchFamily="18" charset="0"/>
-                <a:cs typeface="Times New Roman" panose="02020603050405020304" pitchFamily="18" charset="0"/>
-              </a:rPr>
-              <a:t>ONNX/</a:t>
-            </a:r>
-            <a:r>
-              <a:rPr lang="ru-RU" b="1" dirty="0" err="1">
-                <a:latin typeface="Times New Roman" panose="02020603050405020304" pitchFamily="18" charset="0"/>
-                <a:cs typeface="Times New Roman" panose="02020603050405020304" pitchFamily="18" charset="0"/>
-              </a:rPr>
-              <a:t>TFLite</a:t>
+              <a:t>Обученная модель была экспортирована, затем оптимизирована для мобильного приложения. Серверная часть реализована в </a:t>
+            </a:r>
+            <a:r>
+              <a:rPr lang="ru-RU" dirty="0" err="1">
+                <a:latin typeface="Times New Roman" panose="02020603050405020304" pitchFamily="18" charset="0"/>
+                <a:cs typeface="Times New Roman" panose="02020603050405020304" pitchFamily="18" charset="0"/>
+              </a:rPr>
+              <a:t>Docker</a:t>
             </a:r>
             <a:r>
               <a:rPr lang="ru-RU" dirty="0">
                 <a:latin typeface="Times New Roman" panose="02020603050405020304" pitchFamily="18" charset="0"/>
                 <a:cs typeface="Times New Roman" panose="02020603050405020304" pitchFamily="18" charset="0"/>
               </a:rPr>
-              <a:t>, затем оптимизирована для мобильного применения через </a:t>
-            </a:r>
-            <a:r>
-              <a:rPr lang="ru-RU" b="1" dirty="0" err="1">
-                <a:latin typeface="Times New Roman" panose="02020603050405020304" pitchFamily="18" charset="0"/>
-                <a:cs typeface="Times New Roman" panose="02020603050405020304" pitchFamily="18" charset="0"/>
-              </a:rPr>
-              <a:t>TensorRT</a:t>
-            </a:r>
-            <a:r>
-              <a:rPr lang="ru-RU" b="1" dirty="0">
-                <a:latin typeface="Times New Roman" panose="02020603050405020304" pitchFamily="18" charset="0"/>
-                <a:cs typeface="Times New Roman" panose="02020603050405020304" pitchFamily="18" charset="0"/>
-              </a:rPr>
-              <a:t> / ML </a:t>
-            </a:r>
-            <a:r>
-              <a:rPr lang="ru-RU" b="1" dirty="0" err="1">
-                <a:latin typeface="Times New Roman" panose="02020603050405020304" pitchFamily="18" charset="0"/>
-                <a:cs typeface="Times New Roman" panose="02020603050405020304" pitchFamily="18" charset="0"/>
-              </a:rPr>
-              <a:t>Kit</a:t>
-            </a:r>
-            <a:r>
-              <a:rPr lang="ru-RU" b="1" dirty="0">
-                <a:latin typeface="Times New Roman" panose="02020603050405020304" pitchFamily="18" charset="0"/>
-                <a:cs typeface="Times New Roman" panose="02020603050405020304" pitchFamily="18" charset="0"/>
-              </a:rPr>
-              <a:t> или </a:t>
-            </a:r>
-            <a:r>
-              <a:rPr lang="ru-RU" b="1" dirty="0" err="1">
-                <a:latin typeface="Times New Roman" panose="02020603050405020304" pitchFamily="18" charset="0"/>
-                <a:cs typeface="Times New Roman" panose="02020603050405020304" pitchFamily="18" charset="0"/>
-              </a:rPr>
-              <a:t>custom</a:t>
-            </a:r>
-            <a:r>
-              <a:rPr lang="ru-RU" b="1" dirty="0">
-                <a:latin typeface="Times New Roman" panose="02020603050405020304" pitchFamily="18" charset="0"/>
-                <a:cs typeface="Times New Roman" panose="02020603050405020304" pitchFamily="18" charset="0"/>
-              </a:rPr>
-              <a:t> </a:t>
-            </a:r>
-            <a:r>
-              <a:rPr lang="ru-RU" b="1" dirty="0" err="1">
-                <a:latin typeface="Times New Roman" panose="02020603050405020304" pitchFamily="18" charset="0"/>
-                <a:cs typeface="Times New Roman" panose="02020603050405020304" pitchFamily="18" charset="0"/>
-              </a:rPr>
-              <a:t>inference</a:t>
-            </a:r>
-            <a:r>
-              <a:rPr lang="ru-RU" b="1" dirty="0">
-                <a:latin typeface="Times New Roman" panose="02020603050405020304" pitchFamily="18" charset="0"/>
-                <a:cs typeface="Times New Roman" panose="02020603050405020304" pitchFamily="18" charset="0"/>
-              </a:rPr>
-              <a:t> </a:t>
-            </a:r>
-            <a:r>
-              <a:rPr lang="ru-RU" b="1" dirty="0" err="1">
-                <a:latin typeface="Times New Roman" panose="02020603050405020304" pitchFamily="18" charset="0"/>
-                <a:cs typeface="Times New Roman" panose="02020603050405020304" pitchFamily="18" charset="0"/>
-              </a:rPr>
-              <a:t>engine</a:t>
+              <a:t>-контейнере с REST API на </a:t>
+            </a:r>
+            <a:r>
+              <a:rPr lang="ru-RU" dirty="0" err="1">
+                <a:latin typeface="Times New Roman" panose="02020603050405020304" pitchFamily="18" charset="0"/>
+                <a:cs typeface="Times New Roman" panose="02020603050405020304" pitchFamily="18" charset="0"/>
+              </a:rPr>
+              <a:t>FastAPI</a:t>
             </a:r>
             <a:r>
               <a:rPr lang="ru-RU" dirty="0">
-                <a:latin typeface="Times New Roman" panose="02020603050405020304" pitchFamily="18" charset="0"/>
-                <a:cs typeface="Times New Roman" panose="02020603050405020304" pitchFamily="18" charset="0"/>
-              </a:rPr>
-              <a:t>. Серверная часть реализована в </a:t>
-            </a:r>
-            <a:r>
-              <a:rPr lang="ru-RU" dirty="0" err="1">
-                <a:latin typeface="Times New Roman" panose="02020603050405020304" pitchFamily="18" charset="0"/>
-                <a:cs typeface="Times New Roman" panose="02020603050405020304" pitchFamily="18" charset="0"/>
-              </a:rPr>
-              <a:t>Docker</a:t>
-            </a:r>
-            <a:r>
-              <a:rPr lang="ru-RU" dirty="0">
-                <a:latin typeface="Times New Roman" panose="02020603050405020304" pitchFamily="18" charset="0"/>
-                <a:cs typeface="Times New Roman" panose="02020603050405020304" pitchFamily="18" charset="0"/>
-              </a:rPr>
-              <a:t>-контейнере с REST API на </a:t>
-            </a:r>
-            <a:r>
-              <a:rPr lang="ru-RU" dirty="0" err="1">
-                <a:latin typeface="Times New Roman" panose="02020603050405020304" pitchFamily="18" charset="0"/>
-                <a:cs typeface="Times New Roman" panose="02020603050405020304" pitchFamily="18" charset="0"/>
-              </a:rPr>
-              <a:t>FastAPI</a:t>
-            </a:r>
-            <a:r>
-              <a:rPr lang="ru-RU" dirty="0" smtClean="0">
                 <a:latin typeface="Times New Roman" panose="02020603050405020304" pitchFamily="18" charset="0"/>
                 <a:cs typeface="Times New Roman" panose="02020603050405020304" pitchFamily="18" charset="0"/>
               </a:rPr>
@@ -8714,19 +9883,8 @@
                 <a:latin typeface="Times New Roman" panose="02020603050405020304" pitchFamily="18" charset="0"/>
                 <a:cs typeface="Times New Roman" panose="02020603050405020304" pitchFamily="18" charset="0"/>
               </a:rPr>
-              <a:t>Захват изображения с </a:t>
-            </a:r>
-            <a:r>
-              <a:rPr lang="ru-RU" dirty="0" smtClean="0">
-                <a:latin typeface="Times New Roman" panose="02020603050405020304" pitchFamily="18" charset="0"/>
-                <a:cs typeface="Times New Roman" panose="02020603050405020304" pitchFamily="18" charset="0"/>
-              </a:rPr>
-              <a:t>камеры;</a:t>
-            </a:r>
-            <a:endParaRPr lang="ru-RU" dirty="0">
-              <a:latin typeface="Times New Roman" panose="02020603050405020304" pitchFamily="18" charset="0"/>
-              <a:cs typeface="Times New Roman" panose="02020603050405020304" pitchFamily="18" charset="0"/>
-            </a:endParaRPr>
+              <a:t>Захват изображения с камеры;</a:t>
+            </a:r>
           </a:p>
           <a:p>
             <a:pPr marL="285750" indent="-285750" algn="just" fontAlgn="base">
@@ -8734,30 +9892,12 @@
               <a:buChar char="•"/>
             </a:pPr>
             <a:r>
-              <a:rPr lang="ru-RU" dirty="0" smtClean="0">
-                <a:latin typeface="Times New Roman" panose="02020603050405020304" pitchFamily="18" charset="0"/>
-                <a:cs typeface="Times New Roman" panose="02020603050405020304" pitchFamily="18" charset="0"/>
-              </a:rPr>
-              <a:t>Отправка </a:t>
-            </a:r>
-            <a:r>
               <a:rPr lang="ru-RU" dirty="0">
                 <a:latin typeface="Times New Roman" panose="02020603050405020304" pitchFamily="18" charset="0"/>
                 <a:cs typeface="Times New Roman" panose="02020603050405020304" pitchFamily="18" charset="0"/>
               </a:rPr>
-              <a:t>на сервер через </a:t>
-            </a:r>
-            <a:r>
-              <a:rPr lang="ru-RU" dirty="0" smtClean="0">
-                <a:latin typeface="Times New Roman" panose="02020603050405020304" pitchFamily="18" charset="0"/>
-                <a:cs typeface="Times New Roman" panose="02020603050405020304" pitchFamily="18" charset="0"/>
-              </a:rPr>
-              <a:t>HTTP-запрос;</a:t>
-            </a:r>
-            <a:endParaRPr lang="ru-RU" dirty="0">
-              <a:latin typeface="Times New Roman" panose="02020603050405020304" pitchFamily="18" charset="0"/>
-              <a:cs typeface="Times New Roman" panose="02020603050405020304" pitchFamily="18" charset="0"/>
-            </a:endParaRPr>
+              <a:t>Отправка на сервер через HTTP-запрос;</a:t>
+            </a:r>
           </a:p>
           <a:p>
             <a:pPr marL="285750" indent="-285750" algn="just" fontAlgn="base">
@@ -8765,25 +9905,11 @@
               <a:buChar char="•"/>
             </a:pPr>
             <a:r>
-              <a:rPr lang="ru-RU" dirty="0" smtClean="0">
-                <a:latin typeface="Times New Roman" panose="02020603050405020304" pitchFamily="18" charset="0"/>
-                <a:cs typeface="Times New Roman" panose="02020603050405020304" pitchFamily="18" charset="0"/>
-              </a:rPr>
-              <a:t>Получение </a:t>
-            </a:r>
-            <a:r>
               <a:rPr lang="ru-RU" dirty="0">
                 <a:latin typeface="Times New Roman" panose="02020603050405020304" pitchFamily="18" charset="0"/>
                 <a:cs typeface="Times New Roman" panose="02020603050405020304" pitchFamily="18" charset="0"/>
               </a:rPr>
-              <a:t>и отображение сегментированной маски в реальном времени</a:t>
-            </a:r>
-            <a:r>
-              <a:rPr lang="ru-RU" dirty="0" smtClean="0">
-                <a:latin typeface="Times New Roman" panose="02020603050405020304" pitchFamily="18" charset="0"/>
-                <a:cs typeface="Times New Roman" panose="02020603050405020304" pitchFamily="18" charset="0"/>
-              </a:rPr>
-              <a:t>.</a:t>
+              <a:t>Получение и отображение сегментированной маски в реальном времени.</a:t>
             </a:r>
           </a:p>
         </p:txBody>
@@ -8840,12 +9966,12 @@
           <a:graphicData uri="http://schemas.openxmlformats.org/presentationml/2006/ole">
             <mc:AlternateContent xmlns:mc="http://schemas.openxmlformats.org/markup-compatibility/2006">
               <mc:Choice xmlns:v="urn:schemas-microsoft-com:vml" Requires="v">
-                <p:oleObj spid="_x0000_s10252" name="CorelDRAW" r:id="rId3" imgW="2566457" imgH="894201" progId="CorelDraw.Graphic.22">
+                <p:oleObj name="CorelDRAW" r:id="rId2" imgW="2566457" imgH="894201" progId="CorelDraw.Graphic.22">
                   <p:embed/>
                 </p:oleObj>
               </mc:Choice>
               <mc:Fallback>
-                <p:oleObj name="CorelDRAW" r:id="rId3" imgW="2566457" imgH="894201" progId="CorelDraw.Graphic.22">
+                <p:oleObj name="CorelDRAW" r:id="rId2" imgW="2566457" imgH="894201" progId="CorelDraw.Graphic.22">
                   <p:embed/>
                   <p:pic>
                     <p:nvPicPr>
@@ -8854,7 +9980,7 @@
                       <p:nvPr/>
                     </p:nvPicPr>
                     <p:blipFill>
-                      <a:blip r:embed="rId4"/>
+                      <a:blip r:embed="rId3"/>
                       <a:stretch>
                         <a:fillRect/>
                       </a:stretch>
@@ -8934,7 +10060,7 @@
           <p:nvPr/>
         </p:nvPicPr>
         <p:blipFill>
-          <a:blip r:embed="rId5" cstate="print">
+          <a:blip r:embed="rId4" cstate="print">
             <a:extLst>
               <a:ext uri="{28A0092B-C50C-407E-A947-70E740481C1C}">
                 <a14:useLocalDpi xmlns:a14="http://schemas.microsoft.com/office/drawing/2010/main" val="0"/>
@@ -9002,7 +10128,7 @@
               </a:lnSpc>
             </a:pPr>
             <a:r>
-              <a:rPr lang="ru-RU" altLang="ru-RU" sz="2400" b="1" dirty="0" smtClean="0">
+              <a:rPr lang="ru-RU" altLang="ru-RU" sz="2400" b="1" dirty="0">
                 <a:solidFill>
                   <a:srgbClr val="0070C0"/>
                 </a:solidFill>
@@ -9011,13 +10137,6 @@
               </a:rPr>
               <a:t>Применение обученной модели в реальной среде</a:t>
             </a:r>
-            <a:endParaRPr lang="ru-RU" altLang="ru-RU" sz="2400" b="1" dirty="0">
-              <a:solidFill>
-                <a:srgbClr val="0070C0"/>
-              </a:solidFill>
-              <a:latin typeface="Times New Roman" panose="02020603050405020304" pitchFamily="18" charset="0"/>
-              <a:cs typeface="Times New Roman" panose="02020603050405020304" pitchFamily="18" charset="0"/>
-            </a:endParaRPr>
           </a:p>
         </p:txBody>
       </p:sp>
@@ -9030,7 +10149,7 @@
         <p:spPr>
           <a:xfrm>
             <a:off x="986118" y="1514419"/>
-            <a:ext cx="10586465" cy="3139321"/>
+            <a:ext cx="10586465" cy="2862322"/>
           </a:xfrm>
           <a:prstGeom prst="rect">
             <a:avLst/>
@@ -9044,30 +10163,12 @@
           <a:p>
             <a:pPr algn="just"/>
             <a:r>
-              <a:rPr lang="ru-RU" b="1" dirty="0" smtClean="0">
-                <a:latin typeface="Times New Roman" panose="02020603050405020304" pitchFamily="18" charset="0"/>
-                <a:cs typeface="Times New Roman" panose="02020603050405020304" pitchFamily="18" charset="0"/>
-              </a:rPr>
-              <a:t>Тестирование </a:t>
-            </a:r>
-            <a:r>
               <a:rPr lang="ru-RU" b="1" dirty="0">
                 <a:latin typeface="Times New Roman" panose="02020603050405020304" pitchFamily="18" charset="0"/>
                 <a:cs typeface="Times New Roman" panose="02020603050405020304" pitchFamily="18" charset="0"/>
               </a:rPr>
-              <a:t>в условиях </a:t>
-            </a:r>
-            <a:r>
-              <a:rPr lang="ru-RU" b="1" dirty="0" smtClean="0">
-                <a:latin typeface="Times New Roman" panose="02020603050405020304" pitchFamily="18" charset="0"/>
-                <a:cs typeface="Times New Roman" panose="02020603050405020304" pitchFamily="18" charset="0"/>
-              </a:rPr>
-              <a:t>города:</a:t>
-            </a:r>
-            <a:endParaRPr lang="ru-RU" b="1" dirty="0">
-              <a:latin typeface="Times New Roman" panose="02020603050405020304" pitchFamily="18" charset="0"/>
-              <a:cs typeface="Times New Roman" panose="02020603050405020304" pitchFamily="18" charset="0"/>
-            </a:endParaRPr>
+              <a:t>Тестирование в условиях города:</a:t>
+            </a:r>
           </a:p>
           <a:p>
             <a:pPr algn="just"/>
@@ -9076,14 +10177,7 @@
                 <a:latin typeface="Times New Roman" panose="02020603050405020304" pitchFamily="18" charset="0"/>
                 <a:cs typeface="Times New Roman" panose="02020603050405020304" pitchFamily="18" charset="0"/>
               </a:rPr>
-              <a:t>Для тестирования в реальных условиях были сняты фотографии на камеру смартфона в различных местах города (улицы, перекрестки, дворы). Изображения обрабатывались через сервер, и результаты показали высокую устойчивость модели к разным условиям освещения и погоде</a:t>
-            </a:r>
-            <a:r>
-              <a:rPr lang="ru-RU" dirty="0" smtClean="0">
-                <a:latin typeface="Times New Roman" panose="02020603050405020304" pitchFamily="18" charset="0"/>
-                <a:cs typeface="Times New Roman" panose="02020603050405020304" pitchFamily="18" charset="0"/>
-              </a:rPr>
-              <a:t>.</a:t>
+              <a:t>Для тестирования в реальных условиях были сняты фотографии на камеру смартфона в различных местах города (улицы, перекрестки, дворы). Изображения обрабатывались через сервер, и результаты показали высокую устойчивость модели к разным условиям освещения и погоде.</a:t>
             </a:r>
           </a:p>
           <a:p>
@@ -9100,19 +10194,8 @@
                 <a:latin typeface="Times New Roman" panose="02020603050405020304" pitchFamily="18" charset="0"/>
                 <a:cs typeface="Times New Roman" panose="02020603050405020304" pitchFamily="18" charset="0"/>
               </a:rPr>
-              <a:t>Архитектура </a:t>
-            </a:r>
-            <a:r>
-              <a:rPr lang="ru-RU" b="1" dirty="0" smtClean="0">
-                <a:latin typeface="Times New Roman" panose="02020603050405020304" pitchFamily="18" charset="0"/>
-                <a:cs typeface="Times New Roman" panose="02020603050405020304" pitchFamily="18" charset="0"/>
-              </a:rPr>
-              <a:t>передачи:</a:t>
-            </a:r>
-            <a:endParaRPr lang="ru-RU" b="1" dirty="0">
-              <a:latin typeface="Times New Roman" panose="02020603050405020304" pitchFamily="18" charset="0"/>
-              <a:cs typeface="Times New Roman" panose="02020603050405020304" pitchFamily="18" charset="0"/>
-            </a:endParaRPr>
+              <a:t>Архитектура передачи:</a:t>
+            </a:r>
           </a:p>
           <a:p>
             <a:pPr algn="just"/>
@@ -9149,46 +10232,11 @@
                 <a:latin typeface="Times New Roman" panose="02020603050405020304" pitchFamily="18" charset="0"/>
                 <a:cs typeface="Times New Roman" panose="02020603050405020304" pitchFamily="18" charset="0"/>
               </a:rPr>
-              <a:t>] → [API-запрос] → [</a:t>
-            </a:r>
-            <a:r>
-              <a:rPr lang="ru-RU" dirty="0" err="1">
-                <a:latin typeface="Times New Roman" panose="02020603050405020304" pitchFamily="18" charset="0"/>
-                <a:cs typeface="Times New Roman" panose="02020603050405020304" pitchFamily="18" charset="0"/>
-              </a:rPr>
-              <a:t>Docker</a:t>
-            </a:r>
-            <a:r>
-              <a:rPr lang="ru-RU" dirty="0">
-                <a:latin typeface="Times New Roman" panose="02020603050405020304" pitchFamily="18" charset="0"/>
-                <a:cs typeface="Times New Roman" panose="02020603050405020304" pitchFamily="18" charset="0"/>
-              </a:rPr>
-              <a:t>-сервер с </a:t>
-            </a:r>
-            <a:r>
-              <a:rPr lang="ru-RU" dirty="0" err="1">
-                <a:latin typeface="Times New Roman" panose="02020603050405020304" pitchFamily="18" charset="0"/>
-                <a:cs typeface="Times New Roman" panose="02020603050405020304" pitchFamily="18" charset="0"/>
-              </a:rPr>
-              <a:t>ESNet</a:t>
-            </a:r>
-            <a:r>
-              <a:rPr lang="ru-RU" dirty="0">
-                <a:latin typeface="Times New Roman" panose="02020603050405020304" pitchFamily="18" charset="0"/>
-                <a:cs typeface="Times New Roman" panose="02020603050405020304" pitchFamily="18" charset="0"/>
-              </a:rPr>
-              <a:t>] → [Ответ с сегментированной маской]</a:t>
+              <a:t>] → [API-запрос] → [сервер с моделью] → [Ответ с сегментированной маской]</a:t>
             </a:r>
           </a:p>
           <a:p>
             <a:pPr algn="just"/>
-            <a:r>
-              <a:rPr lang="ru-RU" dirty="0">
-                <a:latin typeface="Times New Roman" panose="02020603050405020304" pitchFamily="18" charset="0"/>
-                <a:cs typeface="Times New Roman" panose="02020603050405020304" pitchFamily="18" charset="0"/>
-              </a:rPr>
-              <a:t/>
-            </a:r>
             <a:br>
               <a:rPr lang="ru-RU" dirty="0">
                 <a:latin typeface="Times New Roman" panose="02020603050405020304" pitchFamily="18" charset="0"/>
@@ -9200,7 +10248,7 @@
                 <a:latin typeface="Times New Roman" panose="02020603050405020304" pitchFamily="18" charset="0"/>
                 <a:cs typeface="Times New Roman" panose="02020603050405020304" pitchFamily="18" charset="0"/>
               </a:rPr>
-              <a:t>Среднее время отклика составило ~0.6 сек, что считается приемлемым для </a:t>
+              <a:t>Среднее время отклика составило ~2 сек, что считается приемлемым для </a:t>
             </a:r>
             <a:r>
               <a:rPr lang="ru-RU" dirty="0" err="1">
@@ -9214,19 +10262,8 @@
                 <a:latin typeface="Times New Roman" panose="02020603050405020304" pitchFamily="18" charset="0"/>
                 <a:cs typeface="Times New Roman" panose="02020603050405020304" pitchFamily="18" charset="0"/>
               </a:rPr>
-              <a:t> обработки</a:t>
-            </a:r>
-            <a:r>
-              <a:rPr lang="ru-RU" dirty="0" smtClean="0">
-                <a:latin typeface="Times New Roman" panose="02020603050405020304" pitchFamily="18" charset="0"/>
-                <a:cs typeface="Times New Roman" panose="02020603050405020304" pitchFamily="18" charset="0"/>
-              </a:rPr>
-              <a:t>.</a:t>
-            </a:r>
-            <a:endParaRPr lang="ru-RU" dirty="0">
-              <a:latin typeface="Times New Roman" panose="02020603050405020304" pitchFamily="18" charset="0"/>
-              <a:cs typeface="Times New Roman" panose="02020603050405020304" pitchFamily="18" charset="0"/>
-            </a:endParaRPr>
+              <a:t> обработки.</a:t>
+            </a:r>
           </a:p>
         </p:txBody>
       </p:sp>
@@ -9282,12 +10319,12 @@
           <a:graphicData uri="http://schemas.openxmlformats.org/presentationml/2006/ole">
             <mc:AlternateContent xmlns:mc="http://schemas.openxmlformats.org/markup-compatibility/2006">
               <mc:Choice xmlns:v="urn:schemas-microsoft-com:vml" Requires="v">
-                <p:oleObj spid="_x0000_s11276" name="CorelDRAW" r:id="rId3" imgW="2566457" imgH="894201" progId="CorelDraw.Graphic.22">
+                <p:oleObj name="CorelDRAW" r:id="rId2" imgW="2566457" imgH="894201" progId="CorelDraw.Graphic.22">
                   <p:embed/>
                 </p:oleObj>
               </mc:Choice>
               <mc:Fallback>
-                <p:oleObj name="CorelDRAW" r:id="rId3" imgW="2566457" imgH="894201" progId="CorelDraw.Graphic.22">
+                <p:oleObj name="CorelDRAW" r:id="rId2" imgW="2566457" imgH="894201" progId="CorelDraw.Graphic.22">
                   <p:embed/>
                   <p:pic>
                     <p:nvPicPr>
@@ -9296,7 +10333,7 @@
                       <p:nvPr/>
                     </p:nvPicPr>
                     <p:blipFill>
-                      <a:blip r:embed="rId4"/>
+                      <a:blip r:embed="rId3"/>
                       <a:stretch>
                         <a:fillRect/>
                       </a:stretch>
@@ -9376,7 +10413,7 @@
           <p:nvPr/>
         </p:nvPicPr>
         <p:blipFill>
-          <a:blip r:embed="rId5" cstate="print">
+          <a:blip r:embed="rId4" cstate="print">
             <a:extLst>
               <a:ext uri="{28A0092B-C50C-407E-A947-70E740481C1C}">
                 <a14:useLocalDpi xmlns:a14="http://schemas.microsoft.com/office/drawing/2010/main" val="0"/>
@@ -9444,7 +10481,7 @@
               </a:lnSpc>
             </a:pPr>
             <a:r>
-              <a:rPr lang="ru-RU" altLang="ru-RU" sz="2400" b="1" dirty="0" smtClean="0">
+              <a:rPr lang="ru-RU" altLang="ru-RU" sz="2400" b="1" dirty="0">
                 <a:solidFill>
                   <a:srgbClr val="0070C0"/>
                 </a:solidFill>
@@ -9453,26 +10490,19 @@
               </a:rPr>
               <a:t>Инфраструктура и реализация</a:t>
             </a:r>
-            <a:endParaRPr lang="ru-RU" altLang="ru-RU" sz="2400" b="1" dirty="0">
-              <a:solidFill>
-                <a:srgbClr val="0070C0"/>
-              </a:solidFill>
-              <a:latin typeface="Times New Roman" panose="02020603050405020304" pitchFamily="18" charset="0"/>
-              <a:cs typeface="Times New Roman" panose="02020603050405020304" pitchFamily="18" charset="0"/>
-            </a:endParaRPr>
-          </a:p>
-        </p:txBody>
-      </p:sp>
-      <p:sp>
-        <p:nvSpPr>
-          <p:cNvPr id="4" name="Прямоугольник 3"/>
+          </a:p>
+        </p:txBody>
+      </p:sp>
+      <p:sp>
+        <p:nvSpPr>
+          <p:cNvPr id="2" name="Прямоугольник 1"/>
           <p:cNvSpPr/>
           <p:nvPr/>
         </p:nvSpPr>
         <p:spPr>
           <a:xfrm>
-            <a:off x="986118" y="1376396"/>
-            <a:ext cx="10586465" cy="4524315"/>
+            <a:off x="986118" y="1375964"/>
+            <a:ext cx="10586465" cy="646331"/>
           </a:xfrm>
           <a:prstGeom prst="rect">
             <a:avLst/>
@@ -9486,320 +10516,177 @@
           <a:p>
             <a:pPr algn="just"/>
             <a:r>
+              <a:rPr lang="ru-RU" b="1" dirty="0">
+                <a:latin typeface="Times New Roman" panose="02020603050405020304" pitchFamily="18" charset="0"/>
+                <a:cs typeface="Times New Roman" panose="02020603050405020304" pitchFamily="18" charset="0"/>
+              </a:rPr>
+              <a:t>Разметка </a:t>
+            </a:r>
+            <a:r>
               <a:rPr lang="ru-RU" b="1" dirty="0" err="1">
                 <a:latin typeface="Times New Roman" panose="02020603050405020304" pitchFamily="18" charset="0"/>
                 <a:cs typeface="Times New Roman" panose="02020603050405020304" pitchFamily="18" charset="0"/>
               </a:rPr>
-              <a:t>Docker</a:t>
-            </a:r>
-            <a:r>
-              <a:rPr lang="ru-RU" b="1" dirty="0">
-                <a:latin typeface="Times New Roman" panose="02020603050405020304" pitchFamily="18" charset="0"/>
-                <a:cs typeface="Times New Roman" panose="02020603050405020304" pitchFamily="18" charset="0"/>
-              </a:rPr>
-              <a:t>-окружение</a:t>
-            </a:r>
-          </a:p>
-          <a:p>
-            <a:pPr algn="just"/>
-            <a:r>
-              <a:rPr lang="ru-RU" dirty="0">
-                <a:latin typeface="Times New Roman" panose="02020603050405020304" pitchFamily="18" charset="0"/>
-                <a:cs typeface="Times New Roman" panose="02020603050405020304" pitchFamily="18" charset="0"/>
-              </a:rPr>
-              <a:t>Для удобства развертывания и тестирования модели </a:t>
-            </a:r>
-            <a:r>
-              <a:rPr lang="ru-RU" dirty="0" err="1">
-                <a:latin typeface="Times New Roman" panose="02020603050405020304" pitchFamily="18" charset="0"/>
-                <a:cs typeface="Times New Roman" panose="02020603050405020304" pitchFamily="18" charset="0"/>
-              </a:rPr>
-              <a:t>ESNet</a:t>
-            </a:r>
-            <a:r>
-              <a:rPr lang="ru-RU" dirty="0">
-                <a:latin typeface="Times New Roman" panose="02020603050405020304" pitchFamily="18" charset="0"/>
-                <a:cs typeface="Times New Roman" panose="02020603050405020304" pitchFamily="18" charset="0"/>
-              </a:rPr>
-              <a:t> было подготовлено изолированное </a:t>
-            </a:r>
-            <a:r>
-              <a:rPr lang="ru-RU" dirty="0" err="1">
-                <a:latin typeface="Times New Roman" panose="02020603050405020304" pitchFamily="18" charset="0"/>
-                <a:cs typeface="Times New Roman" panose="02020603050405020304" pitchFamily="18" charset="0"/>
-              </a:rPr>
-              <a:t>Docker</a:t>
-            </a:r>
-            <a:r>
-              <a:rPr lang="ru-RU" dirty="0">
-                <a:latin typeface="Times New Roman" panose="02020603050405020304" pitchFamily="18" charset="0"/>
-                <a:cs typeface="Times New Roman" panose="02020603050405020304" pitchFamily="18" charset="0"/>
-              </a:rPr>
-              <a:t>-окружение. Оно включало в себя:</a:t>
-            </a:r>
-          </a:p>
-          <a:p>
-            <a:pPr marL="285750" indent="-285750" algn="just" fontAlgn="base">
-              <a:buFont typeface="Arial" panose="020B0604020202020204" pitchFamily="34" charset="0"/>
-              <a:buChar char="•"/>
-            </a:pPr>
-            <a:r>
-              <a:rPr lang="ru-RU" dirty="0">
-                <a:latin typeface="Times New Roman" panose="02020603050405020304" pitchFamily="18" charset="0"/>
-                <a:cs typeface="Times New Roman" panose="02020603050405020304" pitchFamily="18" charset="0"/>
-              </a:rPr>
-              <a:t>образ с установленным </a:t>
-            </a:r>
-            <a:r>
-              <a:rPr lang="ru-RU" dirty="0" err="1">
-                <a:latin typeface="Times New Roman" panose="02020603050405020304" pitchFamily="18" charset="0"/>
-                <a:cs typeface="Times New Roman" panose="02020603050405020304" pitchFamily="18" charset="0"/>
-              </a:rPr>
-              <a:t>PyTorch</a:t>
-            </a:r>
-            <a:r>
-              <a:rPr lang="ru-RU" dirty="0">
-                <a:latin typeface="Times New Roman" panose="02020603050405020304" pitchFamily="18" charset="0"/>
-                <a:cs typeface="Times New Roman" panose="02020603050405020304" pitchFamily="18" charset="0"/>
-              </a:rPr>
-              <a:t>, зависимостями для запуска модели и обработки изображений (</a:t>
-            </a:r>
-            <a:r>
-              <a:rPr lang="ru-RU" dirty="0" err="1">
-                <a:latin typeface="Times New Roman" panose="02020603050405020304" pitchFamily="18" charset="0"/>
-                <a:cs typeface="Times New Roman" panose="02020603050405020304" pitchFamily="18" charset="0"/>
-              </a:rPr>
-              <a:t>OpenCV</a:t>
-            </a:r>
-            <a:r>
-              <a:rPr lang="ru-RU" dirty="0">
-                <a:latin typeface="Times New Roman" panose="02020603050405020304" pitchFamily="18" charset="0"/>
-                <a:cs typeface="Times New Roman" panose="02020603050405020304" pitchFamily="18" charset="0"/>
-              </a:rPr>
-              <a:t>, </a:t>
-            </a:r>
-            <a:r>
-              <a:rPr lang="ru-RU" dirty="0" err="1">
-                <a:latin typeface="Times New Roman" panose="02020603050405020304" pitchFamily="18" charset="0"/>
-                <a:cs typeface="Times New Roman" panose="02020603050405020304" pitchFamily="18" charset="0"/>
-              </a:rPr>
-              <a:t>torchvision</a:t>
-            </a:r>
-            <a:r>
-              <a:rPr lang="ru-RU" dirty="0" smtClean="0">
-                <a:latin typeface="Times New Roman" panose="02020603050405020304" pitchFamily="18" charset="0"/>
-                <a:cs typeface="Times New Roman" panose="02020603050405020304" pitchFamily="18" charset="0"/>
-              </a:rPr>
-              <a:t>);</a:t>
-            </a:r>
-            <a:endParaRPr lang="ru-RU" dirty="0">
+              <a:t>датасета</a:t>
+            </a:r>
+            <a:endParaRPr lang="ru-RU" b="1" dirty="0">
               <a:latin typeface="Times New Roman" panose="02020603050405020304" pitchFamily="18" charset="0"/>
               <a:cs typeface="Times New Roman" panose="02020603050405020304" pitchFamily="18" charset="0"/>
             </a:endParaRPr>
           </a:p>
           <a:p>
-            <a:pPr marL="285750" indent="-285750" algn="just" fontAlgn="base">
-              <a:buFont typeface="Arial" panose="020B0604020202020204" pitchFamily="34" charset="0"/>
-              <a:buChar char="•"/>
-            </a:pPr>
-            <a:r>
-              <a:rPr lang="ru-RU" dirty="0" smtClean="0">
-                <a:latin typeface="Times New Roman" panose="02020603050405020304" pitchFamily="18" charset="0"/>
-                <a:cs typeface="Times New Roman" panose="02020603050405020304" pitchFamily="18" charset="0"/>
-              </a:rPr>
-              <a:t>скрипты </a:t>
-            </a:r>
+            <a:pPr algn="just"/>
             <a:r>
               <a:rPr lang="ru-RU" dirty="0">
                 <a:latin typeface="Times New Roman" panose="02020603050405020304" pitchFamily="18" charset="0"/>
                 <a:cs typeface="Times New Roman" panose="02020603050405020304" pitchFamily="18" charset="0"/>
               </a:rPr>
-              <a:t>запуска модели для обработки входных изображений и возврата маски </a:t>
-            </a:r>
-            <a:r>
-              <a:rPr lang="ru-RU" dirty="0" smtClean="0">
-                <a:latin typeface="Times New Roman" panose="02020603050405020304" pitchFamily="18" charset="0"/>
-                <a:cs typeface="Times New Roman" panose="02020603050405020304" pitchFamily="18" charset="0"/>
-              </a:rPr>
-              <a:t>сегментации;\</a:t>
-            </a:r>
-          </a:p>
-          <a:p>
-            <a:pPr marL="285750" indent="-285750" algn="just" fontAlgn="base">
-              <a:buFont typeface="Arial" panose="020B0604020202020204" pitchFamily="34" charset="0"/>
-              <a:buChar char="•"/>
-            </a:pPr>
-            <a:r>
-              <a:rPr lang="ru-RU" dirty="0" smtClean="0">
-                <a:latin typeface="Times New Roman" panose="02020603050405020304" pitchFamily="18" charset="0"/>
-                <a:cs typeface="Times New Roman" panose="02020603050405020304" pitchFamily="18" charset="0"/>
-              </a:rPr>
-              <a:t>REST </a:t>
+              <a:t>Был собран </a:t>
+            </a:r>
+            <a:r>
+              <a:rPr lang="ru-RU" dirty="0" err="1">
+                <a:latin typeface="Times New Roman" panose="02020603050405020304" pitchFamily="18" charset="0"/>
+                <a:cs typeface="Times New Roman" panose="02020603050405020304" pitchFamily="18" charset="0"/>
+              </a:rPr>
+              <a:t>датасет</a:t>
             </a:r>
             <a:r>
               <a:rPr lang="ru-RU" dirty="0">
                 <a:latin typeface="Times New Roman" panose="02020603050405020304" pitchFamily="18" charset="0"/>
                 <a:cs typeface="Times New Roman" panose="02020603050405020304" pitchFamily="18" charset="0"/>
               </a:rPr>
-              <a:t>API на </a:t>
-            </a:r>
-            <a:r>
-              <a:rPr lang="ru-RU" dirty="0" err="1">
-                <a:latin typeface="Times New Roman" panose="02020603050405020304" pitchFamily="18" charset="0"/>
-                <a:cs typeface="Times New Roman" panose="02020603050405020304" pitchFamily="18" charset="0"/>
-              </a:rPr>
-              <a:t>FastAPI</a:t>
-            </a:r>
-            <a:r>
-              <a:rPr lang="ru-RU" dirty="0">
-                <a:latin typeface="Times New Roman" panose="02020603050405020304" pitchFamily="18" charset="0"/>
-                <a:cs typeface="Times New Roman" panose="02020603050405020304" pitchFamily="18" charset="0"/>
-              </a:rPr>
-              <a:t> для приёма изображений и возврата результатов в формате PNG/JSON</a:t>
-            </a:r>
-            <a:r>
-              <a:rPr lang="ru-RU" dirty="0" smtClean="0">
-                <a:latin typeface="Times New Roman" panose="02020603050405020304" pitchFamily="18" charset="0"/>
-                <a:cs typeface="Times New Roman" panose="02020603050405020304" pitchFamily="18" charset="0"/>
-              </a:rPr>
-              <a:t>.</a:t>
-            </a:r>
-          </a:p>
-          <a:p>
-            <a:pPr algn="just" fontAlgn="base"/>
-            <a:endParaRPr lang="ru-RU" dirty="0">
-              <a:latin typeface="Times New Roman" panose="02020603050405020304" pitchFamily="18" charset="0"/>
-              <a:cs typeface="Times New Roman" panose="02020603050405020304" pitchFamily="18" charset="0"/>
-            </a:endParaRPr>
-          </a:p>
-          <a:p>
-            <a:pPr algn="just"/>
-            <a:r>
-              <a:rPr lang="ru-RU" dirty="0" err="1">
-                <a:latin typeface="Times New Roman" panose="02020603050405020304" pitchFamily="18" charset="0"/>
-                <a:cs typeface="Times New Roman" panose="02020603050405020304" pitchFamily="18" charset="0"/>
-              </a:rPr>
-              <a:t>Docker</a:t>
-            </a:r>
-            <a:r>
-              <a:rPr lang="ru-RU" dirty="0">
-                <a:latin typeface="Times New Roman" panose="02020603050405020304" pitchFamily="18" charset="0"/>
-                <a:cs typeface="Times New Roman" panose="02020603050405020304" pitchFamily="18" charset="0"/>
-              </a:rPr>
-              <a:t>-сборка была развернута на локальной машине и в </a:t>
-            </a:r>
-            <a:r>
-              <a:rPr lang="ru-RU" dirty="0" err="1">
-                <a:latin typeface="Times New Roman" panose="02020603050405020304" pitchFamily="18" charset="0"/>
-                <a:cs typeface="Times New Roman" panose="02020603050405020304" pitchFamily="18" charset="0"/>
-              </a:rPr>
-              <a:t>Google</a:t>
-            </a:r>
-            <a:r>
-              <a:rPr lang="ru-RU" dirty="0">
-                <a:latin typeface="Times New Roman" panose="02020603050405020304" pitchFamily="18" charset="0"/>
-                <a:cs typeface="Times New Roman" panose="02020603050405020304" pitchFamily="18" charset="0"/>
-              </a:rPr>
-              <a:t> </a:t>
-            </a:r>
-            <a:r>
-              <a:rPr lang="ru-RU" dirty="0" err="1">
-                <a:latin typeface="Times New Roman" panose="02020603050405020304" pitchFamily="18" charset="0"/>
-                <a:cs typeface="Times New Roman" panose="02020603050405020304" pitchFamily="18" charset="0"/>
-              </a:rPr>
-              <a:t>Colab</a:t>
-            </a:r>
-            <a:r>
-              <a:rPr lang="ru-RU" dirty="0">
-                <a:latin typeface="Times New Roman" panose="02020603050405020304" pitchFamily="18" charset="0"/>
-                <a:cs typeface="Times New Roman" panose="02020603050405020304" pitchFamily="18" charset="0"/>
-              </a:rPr>
-              <a:t> с использованием бесплатной версии, что позволило протестировать работу в условиях ограниченных вычислительных ресурсов. Несмотря на отсутствие GPU на ноутбуке (только </a:t>
-            </a:r>
-            <a:r>
-              <a:rPr lang="ru-RU" dirty="0" err="1">
-                <a:latin typeface="Times New Roman" panose="02020603050405020304" pitchFamily="18" charset="0"/>
-                <a:cs typeface="Times New Roman" panose="02020603050405020304" pitchFamily="18" charset="0"/>
-              </a:rPr>
-              <a:t>Intel</a:t>
-            </a:r>
-            <a:r>
-              <a:rPr lang="ru-RU" dirty="0">
-                <a:latin typeface="Times New Roman" panose="02020603050405020304" pitchFamily="18" charset="0"/>
-                <a:cs typeface="Times New Roman" panose="02020603050405020304" pitchFamily="18" charset="0"/>
-              </a:rPr>
-              <a:t> UHD </a:t>
-            </a:r>
-            <a:r>
-              <a:rPr lang="ru-RU" dirty="0" err="1">
-                <a:latin typeface="Times New Roman" panose="02020603050405020304" pitchFamily="18" charset="0"/>
-                <a:cs typeface="Times New Roman" panose="02020603050405020304" pitchFamily="18" charset="0"/>
-              </a:rPr>
-              <a:t>Graphics</a:t>
-            </a:r>
-            <a:r>
-              <a:rPr lang="ru-RU" dirty="0">
-                <a:latin typeface="Times New Roman" panose="02020603050405020304" pitchFamily="18" charset="0"/>
-                <a:cs typeface="Times New Roman" panose="02020603050405020304" pitchFamily="18" charset="0"/>
-              </a:rPr>
-              <a:t>), основной этап тестирования происходил в облаке</a:t>
-            </a:r>
-            <a:r>
-              <a:rPr lang="ru-RU" dirty="0" smtClean="0">
-                <a:latin typeface="Times New Roman" panose="02020603050405020304" pitchFamily="18" charset="0"/>
-                <a:cs typeface="Times New Roman" panose="02020603050405020304" pitchFamily="18" charset="0"/>
-              </a:rPr>
-              <a:t>.</a:t>
-            </a:r>
-          </a:p>
-          <a:p>
-            <a:pPr algn="just"/>
-            <a:endParaRPr lang="ru-RU" dirty="0">
-              <a:latin typeface="Times New Roman" panose="02020603050405020304" pitchFamily="18" charset="0"/>
-              <a:cs typeface="Times New Roman" panose="02020603050405020304" pitchFamily="18" charset="0"/>
-            </a:endParaRPr>
-          </a:p>
-          <a:p>
-            <a:pPr algn="just"/>
-            <a:r>
-              <a:rPr lang="ru-RU" dirty="0">
-                <a:latin typeface="Times New Roman" panose="02020603050405020304" pitchFamily="18" charset="0"/>
-                <a:cs typeface="Times New Roman" panose="02020603050405020304" pitchFamily="18" charset="0"/>
-              </a:rPr>
-              <a:t>Интеграция с мобильным клиентом обеспечивалась за счёт REST API. Приложение на </a:t>
-            </a:r>
-            <a:r>
-              <a:rPr lang="ru-RU" dirty="0" err="1">
-                <a:latin typeface="Times New Roman" panose="02020603050405020304" pitchFamily="18" charset="0"/>
-                <a:cs typeface="Times New Roman" panose="02020603050405020304" pitchFamily="18" charset="0"/>
-              </a:rPr>
-              <a:t>Android</a:t>
-            </a:r>
-            <a:r>
-              <a:rPr lang="ru-RU" dirty="0">
-                <a:latin typeface="Times New Roman" panose="02020603050405020304" pitchFamily="18" charset="0"/>
-                <a:cs typeface="Times New Roman" panose="02020603050405020304" pitchFamily="18" charset="0"/>
-              </a:rPr>
-              <a:t> посылало изображение в кодировке base64 на сервер, который в ответ возвращал сегментированную маску, наложенную на оригинал</a:t>
-            </a:r>
-            <a:r>
-              <a:rPr lang="ru-RU" dirty="0" smtClean="0">
-                <a:latin typeface="Times New Roman" panose="02020603050405020304" pitchFamily="18" charset="0"/>
-                <a:cs typeface="Times New Roman" panose="02020603050405020304" pitchFamily="18" charset="0"/>
-              </a:rPr>
-              <a:t>.</a:t>
-            </a:r>
-            <a:endParaRPr lang="ru-RU" dirty="0">
-              <a:latin typeface="Times New Roman" panose="02020603050405020304" pitchFamily="18" charset="0"/>
-              <a:cs typeface="Times New Roman" panose="02020603050405020304" pitchFamily="18" charset="0"/>
-            </a:endParaRPr>
-          </a:p>
-        </p:txBody>
-      </p:sp>
+              <a:t> на 520 фотографий.</a:t>
+            </a:r>
+          </a:p>
+        </p:txBody>
+      </p:sp>
+      <p:pic>
+        <p:nvPicPr>
+          <p:cNvPr id="12294" name="Picture 6" descr="https://sun9-78.userapi.com/impg/tD9Tr4UaAepgifjTqMqpoth9fuWoR0DeTNCvVg/tNQT0U9Auwg.jpg?size=1496x908&amp;quality=95&amp;sign=390e6352da5545488ed5316c5732a9ad&amp;type=album"/>
+          <p:cNvPicPr>
+            <a:picLocks noChangeAspect="1" noChangeArrowheads="1"/>
+          </p:cNvPicPr>
+          <p:nvPr/>
+        </p:nvPicPr>
+        <p:blipFill>
+          <a:blip r:embed="rId5" cstate="print">
+            <a:extLst>
+              <a:ext uri="{28A0092B-C50C-407E-A947-70E740481C1C}">
+                <a14:useLocalDpi xmlns:a14="http://schemas.microsoft.com/office/drawing/2010/main" val="0"/>
+              </a:ext>
+            </a:extLst>
+          </a:blip>
+          <a:srcRect/>
+          <a:stretch>
+            <a:fillRect/>
+          </a:stretch>
+        </p:blipFill>
+        <p:spPr bwMode="auto">
+          <a:xfrm>
+            <a:off x="986118" y="2146212"/>
+            <a:ext cx="4558202" cy="2766610"/>
+          </a:xfrm>
+          <a:prstGeom prst="rect">
+            <a:avLst/>
+          </a:prstGeom>
+          <a:noFill/>
+          <a:extLst>
+            <a:ext uri="{909E8E84-426E-40DD-AFC4-6F175D3DCCD1}">
+              <a14:hiddenFill xmlns:a14="http://schemas.microsoft.com/office/drawing/2010/main">
+                <a:solidFill>
+                  <a:srgbClr val="FFFFFF"/>
+                </a:solidFill>
+              </a14:hiddenFill>
+            </a:ext>
+          </a:extLst>
+        </p:spPr>
+      </p:pic>
+      <p:pic>
+        <p:nvPicPr>
+          <p:cNvPr id="12296" name="Picture 8" descr="https://sun9-15.userapi.com/impg/ms_u8T-tVNZJWGUl9CGSmmq3eQlGwEPFrwsnqw/c41B4FTcyro.jpg?size=769x547&amp;quality=95&amp;sign=712624918af42dfd30a70d5cbee03fa4&amp;type=album"/>
+          <p:cNvPicPr>
+            <a:picLocks noChangeAspect="1" noChangeArrowheads="1"/>
+          </p:cNvPicPr>
+          <p:nvPr/>
+        </p:nvPicPr>
+        <p:blipFill>
+          <a:blip r:embed="rId6">
+            <a:extLst>
+              <a:ext uri="{28A0092B-C50C-407E-A947-70E740481C1C}">
+                <a14:useLocalDpi xmlns:a14="http://schemas.microsoft.com/office/drawing/2010/main" val="0"/>
+              </a:ext>
+            </a:extLst>
+          </a:blip>
+          <a:srcRect/>
+          <a:stretch>
+            <a:fillRect/>
+          </a:stretch>
+        </p:blipFill>
+        <p:spPr bwMode="auto">
+          <a:xfrm>
+            <a:off x="6550430" y="974534"/>
+            <a:ext cx="4697958" cy="3341721"/>
+          </a:xfrm>
+          <a:prstGeom prst="rect">
+            <a:avLst/>
+          </a:prstGeom>
+          <a:noFill/>
+          <a:extLst>
+            <a:ext uri="{909E8E84-426E-40DD-AFC4-6F175D3DCCD1}">
+              <a14:hiddenFill xmlns:a14="http://schemas.microsoft.com/office/drawing/2010/main">
+                <a:solidFill>
+                  <a:srgbClr val="FFFFFF"/>
+                </a:solidFill>
+              </a14:hiddenFill>
+            </a:ext>
+          </a:extLst>
+        </p:spPr>
+      </p:pic>
+      <p:pic>
+        <p:nvPicPr>
+          <p:cNvPr id="12298" name="Picture 10" descr="https://sun9-19.userapi.com/impg/mSmiHoctNBII8Na-ehr_CuxbOvVyB0jzJeCzuA/MJdrhuMprB8.jpg?size=1346x541&amp;quality=95&amp;sign=3d9a6a82776f4699bca0ac876f664565&amp;type=album"/>
+          <p:cNvPicPr>
+            <a:picLocks noChangeAspect="1" noChangeArrowheads="1"/>
+          </p:cNvPicPr>
+          <p:nvPr/>
+        </p:nvPicPr>
+        <p:blipFill>
+          <a:blip r:embed="rId7" cstate="print">
+            <a:extLst>
+              <a:ext uri="{28A0092B-C50C-407E-A947-70E740481C1C}">
+                <a14:useLocalDpi xmlns:a14="http://schemas.microsoft.com/office/drawing/2010/main" val="0"/>
+              </a:ext>
+            </a:extLst>
+          </a:blip>
+          <a:srcRect/>
+          <a:stretch>
+            <a:fillRect/>
+          </a:stretch>
+        </p:blipFill>
+        <p:spPr bwMode="auto">
+          <a:xfrm>
+            <a:off x="6550430" y="4541039"/>
+            <a:ext cx="4697895" cy="1888233"/>
+          </a:xfrm>
+          <a:prstGeom prst="rect">
+            <a:avLst/>
+          </a:prstGeom>
+          <a:noFill/>
+          <a:extLst>
+            <a:ext uri="{909E8E84-426E-40DD-AFC4-6F175D3DCCD1}">
+              <a14:hiddenFill xmlns:a14="http://schemas.microsoft.com/office/drawing/2010/main">
+                <a:solidFill>
+                  <a:srgbClr val="FFFFFF"/>
+                </a:solidFill>
+              </a14:hiddenFill>
+            </a:ext>
+          </a:extLst>
+        </p:spPr>
+      </p:pic>
     </p:spTree>
     <p:extLst>
       <p:ext uri="{BB962C8B-B14F-4D97-AF65-F5344CB8AC3E}">
-        <p14:creationId xmlns:p14="http://schemas.microsoft.com/office/powerpoint/2010/main" val="2436037948"/>
+        <p14:creationId xmlns:p14="http://schemas.microsoft.com/office/powerpoint/2010/main" val="1914126501"/>
       </p:ext>
     </p:extLst>
   </p:cSld>
@@ -9814,7 +10701,13 @@
   <p:cSld>
     <p:spTree>
       <p:nvGrpSpPr>
-        <p:cNvPr id="1" name=""/>
+        <p:cNvPr id="1" name="">
+          <a:extLst>
+            <a:ext uri="{FF2B5EF4-FFF2-40B4-BE49-F238E27FC236}">
+              <a16:creationId xmlns:a16="http://schemas.microsoft.com/office/drawing/2014/main" id="{7E4859C1-B289-D7DA-FA6B-73740E5130B1}"/>
+            </a:ext>
+          </a:extLst>
+        </p:cNvPr>
         <p:cNvGrpSpPr/>
         <p:nvPr/>
       </p:nvGrpSpPr>
@@ -9828,17 +10721,17 @@
       </p:grpSpPr>
       <p:graphicFrame>
         <p:nvGraphicFramePr>
-          <p:cNvPr id="12" name="Объект 11"/>
+          <p:cNvPr id="12" name="Объект 11">
+            <a:extLst>
+              <a:ext uri="{FF2B5EF4-FFF2-40B4-BE49-F238E27FC236}">
+                <a16:creationId xmlns:a16="http://schemas.microsoft.com/office/drawing/2014/main" id="{79186DF5-91BF-CD54-D393-A8B457F34874}"/>
+              </a:ext>
+            </a:extLst>
+          </p:cNvPr>
           <p:cNvGraphicFramePr>
             <a:graphicFrameLocks noChangeAspect="1"/>
           </p:cNvGraphicFramePr>
-          <p:nvPr>
-            <p:extLst>
-              <p:ext uri="{D42A27DB-BD31-4B8C-83A1-F6EECF244321}">
-                <p14:modId xmlns:p14="http://schemas.microsoft.com/office/powerpoint/2010/main" val="1391305449"/>
-              </p:ext>
-            </p:extLst>
-          </p:nvPr>
+          <p:nvPr/>
         </p:nvGraphicFramePr>
         <p:xfrm>
           <a:off x="10289848" y="216259"/>
@@ -9848,12 +10741,12 @@
           <a:graphicData uri="http://schemas.openxmlformats.org/presentationml/2006/ole">
             <mc:AlternateContent xmlns:mc="http://schemas.openxmlformats.org/markup-compatibility/2006">
               <mc:Choice xmlns:v="urn:schemas-microsoft-com:vml" Requires="v">
-                <p:oleObj spid="_x0000_s12305" name="CorelDRAW" r:id="rId3" imgW="2566457" imgH="894201" progId="CorelDraw.Graphic.22">
+                <p:oleObj name="CorelDRAW" r:id="rId2" imgW="2566457" imgH="894201" progId="CorelDraw.Graphic.22">
                   <p:embed/>
                 </p:oleObj>
               </mc:Choice>
               <mc:Fallback>
-                <p:oleObj name="CorelDRAW" r:id="rId3" imgW="2566457" imgH="894201" progId="CorelDraw.Graphic.22">
+                <p:oleObj name="CorelDRAW" r:id="rId2" imgW="2566457" imgH="894201" progId="CorelDraw.Graphic.22">
                   <p:embed/>
                   <p:pic>
                     <p:nvPicPr>
@@ -9862,7 +10755,7 @@
                       <p:nvPr/>
                     </p:nvPicPr>
                     <p:blipFill>
-                      <a:blip r:embed="rId4"/>
+                      <a:blip r:embed="rId3"/>
                       <a:stretch>
                         <a:fillRect/>
                       </a:stretch>
@@ -9885,7 +10778,13 @@
       </p:graphicFrame>
       <p:sp>
         <p:nvSpPr>
-          <p:cNvPr id="9" name="Прямоугольник 8"/>
+          <p:cNvPr id="9" name="Прямоугольник 8">
+            <a:extLst>
+              <a:ext uri="{FF2B5EF4-FFF2-40B4-BE49-F238E27FC236}">
+                <a16:creationId xmlns:a16="http://schemas.microsoft.com/office/drawing/2014/main" id="{456DD98C-0F00-5095-6519-1530F4CF963E}"/>
+              </a:ext>
+            </a:extLst>
+          </p:cNvPr>
           <p:cNvSpPr/>
           <p:nvPr/>
         </p:nvSpPr>
@@ -9935,14 +10834,20 @@
       </p:sp>
       <p:pic>
         <p:nvPicPr>
-          <p:cNvPr id="10" name="Рисунок 9"/>
+          <p:cNvPr id="10" name="Рисунок 9">
+            <a:extLst>
+              <a:ext uri="{FF2B5EF4-FFF2-40B4-BE49-F238E27FC236}">
+                <a16:creationId xmlns:a16="http://schemas.microsoft.com/office/drawing/2014/main" id="{F09D7607-D6D9-9EC4-2468-90240F8ACD96}"/>
+              </a:ext>
+            </a:extLst>
+          </p:cNvPr>
           <p:cNvPicPr>
             <a:picLocks noChangeAspect="1"/>
           </p:cNvPicPr>
           <p:nvPr/>
         </p:nvPicPr>
         <p:blipFill>
-          <a:blip r:embed="rId5" cstate="print">
+          <a:blip r:embed="rId4" cstate="print">
             <a:extLst>
               <a:ext uri="{28A0092B-C50C-407E-A947-70E740481C1C}">
                 <a14:useLocalDpi xmlns:a14="http://schemas.microsoft.com/office/drawing/2010/main" val="0"/>
@@ -9965,7 +10870,13 @@
       </p:pic>
       <p:sp>
         <p:nvSpPr>
-          <p:cNvPr id="5" name="Заголовок 1"/>
+          <p:cNvPr id="5" name="Заголовок 1">
+            <a:extLst>
+              <a:ext uri="{FF2B5EF4-FFF2-40B4-BE49-F238E27FC236}">
+                <a16:creationId xmlns:a16="http://schemas.microsoft.com/office/drawing/2014/main" id="{71D0B9BD-6AA9-96DB-3B8B-46CFC6738570}"/>
+              </a:ext>
+            </a:extLst>
+          </p:cNvPr>
           <p:cNvSpPr txBox="1">
             <a:spLocks/>
           </p:cNvSpPr>
@@ -10010,106 +10921,34 @@
               </a:lnSpc>
             </a:pPr>
             <a:r>
-              <a:rPr lang="ru-RU" altLang="ru-RU" sz="2400" b="1" dirty="0" smtClean="0">
+              <a:rPr lang="ru-RU" altLang="ru-RU" sz="2400" b="1" dirty="0">
                 <a:solidFill>
                   <a:srgbClr val="0070C0"/>
                 </a:solidFill>
                 <a:latin typeface="Times New Roman" panose="02020603050405020304" pitchFamily="18" charset="0"/>
                 <a:cs typeface="Times New Roman" panose="02020603050405020304" pitchFamily="18" charset="0"/>
               </a:rPr>
-              <a:t>Инфраструктура и реализация</a:t>
-            </a:r>
-            <a:endParaRPr lang="ru-RU" altLang="ru-RU" sz="2400" b="1" dirty="0">
-              <a:solidFill>
-                <a:srgbClr val="0070C0"/>
-              </a:solidFill>
-              <a:latin typeface="Times New Roman" panose="02020603050405020304" pitchFamily="18" charset="0"/>
-              <a:cs typeface="Times New Roman" panose="02020603050405020304" pitchFamily="18" charset="0"/>
-            </a:endParaRPr>
-          </a:p>
-        </p:txBody>
-      </p:sp>
-      <p:sp>
-        <p:nvSpPr>
-          <p:cNvPr id="2" name="Прямоугольник 1"/>
-          <p:cNvSpPr/>
-          <p:nvPr/>
-        </p:nvSpPr>
-        <p:spPr>
-          <a:xfrm>
-            <a:off x="986118" y="1375964"/>
-            <a:ext cx="10586465" cy="646331"/>
-          </a:xfrm>
-          <a:prstGeom prst="rect">
-            <a:avLst/>
-          </a:prstGeom>
-        </p:spPr>
-        <p:txBody>
-          <a:bodyPr wrap="square">
-            <a:spAutoFit/>
-          </a:bodyPr>
-          <a:lstStyle/>
-          <a:p>
-            <a:pPr algn="just"/>
-            <a:r>
-              <a:rPr lang="ru-RU" b="1" dirty="0" smtClean="0">
-                <a:latin typeface="Times New Roman" panose="02020603050405020304" pitchFamily="18" charset="0"/>
-                <a:cs typeface="Times New Roman" panose="02020603050405020304" pitchFamily="18" charset="0"/>
-              </a:rPr>
-              <a:t>Разметка </a:t>
-            </a:r>
-            <a:r>
-              <a:rPr lang="ru-RU" b="1" dirty="0" err="1" smtClean="0">
-                <a:latin typeface="Times New Roman" panose="02020603050405020304" pitchFamily="18" charset="0"/>
-                <a:cs typeface="Times New Roman" panose="02020603050405020304" pitchFamily="18" charset="0"/>
-              </a:rPr>
-              <a:t>датасета</a:t>
-            </a:r>
-            <a:endParaRPr lang="ru-RU" b="1" dirty="0" smtClean="0">
-              <a:latin typeface="Times New Roman" panose="02020603050405020304" pitchFamily="18" charset="0"/>
-              <a:cs typeface="Times New Roman" panose="02020603050405020304" pitchFamily="18" charset="0"/>
-            </a:endParaRPr>
-          </a:p>
-          <a:p>
-            <a:pPr algn="just"/>
-            <a:r>
-              <a:rPr lang="ru-RU" dirty="0" smtClean="0">
-                <a:latin typeface="Times New Roman" panose="02020603050405020304" pitchFamily="18" charset="0"/>
-                <a:cs typeface="Times New Roman" panose="02020603050405020304" pitchFamily="18" charset="0"/>
-              </a:rPr>
-              <a:t>Был собран </a:t>
-            </a:r>
-            <a:r>
-              <a:rPr lang="ru-RU" dirty="0" err="1" smtClean="0">
-                <a:latin typeface="Times New Roman" panose="02020603050405020304" pitchFamily="18" charset="0"/>
-                <a:cs typeface="Times New Roman" panose="02020603050405020304" pitchFamily="18" charset="0"/>
-              </a:rPr>
-              <a:t>датасет</a:t>
-            </a:r>
-            <a:r>
-              <a:rPr lang="ru-RU" dirty="0" smtClean="0">
-                <a:latin typeface="Times New Roman" panose="02020603050405020304" pitchFamily="18" charset="0"/>
-                <a:cs typeface="Times New Roman" panose="02020603050405020304" pitchFamily="18" charset="0"/>
-              </a:rPr>
-              <a:t> на 520 фотографий.</a:t>
-            </a:r>
-            <a:endParaRPr lang="ru-RU" dirty="0">
-              <a:latin typeface="Times New Roman" panose="02020603050405020304" pitchFamily="18" charset="0"/>
-              <a:cs typeface="Times New Roman" panose="02020603050405020304" pitchFamily="18" charset="0"/>
-            </a:endParaRPr>
+              <a:t>Анализ датасета</a:t>
+            </a:r>
           </a:p>
         </p:txBody>
       </p:sp>
       <p:pic>
         <p:nvPicPr>
-          <p:cNvPr id="12294" name="Picture 6" descr="https://sun9-78.userapi.com/impg/tD9Tr4UaAepgifjTqMqpoth9fuWoR0DeTNCvVg/tNQT0U9Auwg.jpg?size=1496x908&amp;quality=95&amp;sign=390e6352da5545488ed5316c5732a9ad&amp;type=album"/>
+          <p:cNvPr id="18434" name="Picture 2">
+            <a:extLst>
+              <a:ext uri="{FF2B5EF4-FFF2-40B4-BE49-F238E27FC236}">
+                <a16:creationId xmlns:a16="http://schemas.microsoft.com/office/drawing/2014/main" id="{F5C2211F-1484-9ED1-F624-3FAD4E84A58D}"/>
+              </a:ext>
+            </a:extLst>
+          </p:cNvPr>
           <p:cNvPicPr>
             <a:picLocks noChangeAspect="1" noChangeArrowheads="1"/>
           </p:cNvPicPr>
           <p:nvPr/>
         </p:nvPicPr>
         <p:blipFill>
-          <a:blip r:embed="rId6" cstate="print">
+          <a:blip r:embed="rId5">
             <a:extLst>
               <a:ext uri="{28A0092B-C50C-407E-A947-70E740481C1C}">
                 <a14:useLocalDpi xmlns:a14="http://schemas.microsoft.com/office/drawing/2010/main" val="0"/>
@@ -10123,8 +10962,8 @@
         </p:blipFill>
         <p:spPr bwMode="auto">
           <a:xfrm>
-            <a:off x="986118" y="2146212"/>
-            <a:ext cx="4558202" cy="2766610"/>
+            <a:off x="6800556" y="1319333"/>
+            <a:ext cx="4347315" cy="2391023"/>
           </a:xfrm>
           <a:prstGeom prst="rect">
             <a:avLst/>
@@ -10143,7 +10982,60 @@
       </p:pic>
       <p:pic>
         <p:nvPicPr>
-          <p:cNvPr id="12296" name="Picture 8" descr="https://sun9-15.userapi.com/impg/ms_u8T-tVNZJWGUl9CGSmmq3eQlGwEPFrwsnqw/c41B4FTcyro.jpg?size=769x547&amp;quality=95&amp;sign=712624918af42dfd30a70d5cbee03fa4&amp;type=album"/>
+          <p:cNvPr id="18436" name="Picture 4">
+            <a:extLst>
+              <a:ext uri="{FF2B5EF4-FFF2-40B4-BE49-F238E27FC236}">
+                <a16:creationId xmlns:a16="http://schemas.microsoft.com/office/drawing/2014/main" id="{772F7D35-E1E3-41BE-B01D-840009FC3DE8}"/>
+              </a:ext>
+            </a:extLst>
+          </p:cNvPr>
+          <p:cNvPicPr>
+            <a:picLocks noChangeAspect="1" noChangeArrowheads="1"/>
+          </p:cNvPicPr>
+          <p:nvPr/>
+        </p:nvPicPr>
+        <p:blipFill>
+          <a:blip r:embed="rId6">
+            <a:extLst>
+              <a:ext uri="{28A0092B-C50C-407E-A947-70E740481C1C}">
+                <a14:useLocalDpi xmlns:a14="http://schemas.microsoft.com/office/drawing/2010/main" val="0"/>
+              </a:ext>
+            </a:extLst>
+          </a:blip>
+          <a:srcRect/>
+          <a:stretch>
+            <a:fillRect/>
+          </a:stretch>
+        </p:blipFill>
+        <p:spPr bwMode="auto">
+          <a:xfrm>
+            <a:off x="401085" y="2123549"/>
+            <a:ext cx="5770208" cy="3173615"/>
+          </a:xfrm>
+          <a:prstGeom prst="rect">
+            <a:avLst/>
+          </a:prstGeom>
+          <a:noFill/>
+          <a:extLst>
+            <a:ext uri="{909E8E84-426E-40DD-AFC4-6F175D3DCCD1}">
+              <a14:hiddenFill xmlns:a14="http://schemas.microsoft.com/office/drawing/2010/main">
+                <a:solidFill>
+                  <a:srgbClr val="FFFFFF"/>
+                </a:solidFill>
+              </a14:hiddenFill>
+            </a:ext>
+          </a:extLst>
+        </p:spPr>
+      </p:pic>
+      <p:pic>
+        <p:nvPicPr>
+          <p:cNvPr id="18438" name="Picture 6">
+            <a:extLst>
+              <a:ext uri="{FF2B5EF4-FFF2-40B4-BE49-F238E27FC236}">
+                <a16:creationId xmlns:a16="http://schemas.microsoft.com/office/drawing/2014/main" id="{C9A11A4A-3726-9A2B-F7FD-CCDA17799C67}"/>
+              </a:ext>
+            </a:extLst>
+          </p:cNvPr>
           <p:cNvPicPr>
             <a:picLocks noChangeAspect="1" noChangeArrowheads="1"/>
           </p:cNvPicPr>
@@ -10164,8 +11056,8 @@
         </p:blipFill>
         <p:spPr bwMode="auto">
           <a:xfrm>
-            <a:off x="6550430" y="974534"/>
-            <a:ext cx="4697958" cy="3341721"/>
+            <a:off x="6800555" y="3710356"/>
+            <a:ext cx="4347315" cy="2391023"/>
           </a:xfrm>
           <a:prstGeom prst="rect">
             <a:avLst/>
@@ -10182,51 +11074,10 @@
           </a:extLst>
         </p:spPr>
       </p:pic>
-      <p:pic>
-        <p:nvPicPr>
-          <p:cNvPr id="12298" name="Picture 10" descr="https://sun9-19.userapi.com/impg/mSmiHoctNBII8Na-ehr_CuxbOvVyB0jzJeCzuA/MJdrhuMprB8.jpg?size=1346x541&amp;quality=95&amp;sign=3d9a6a82776f4699bca0ac876f664565&amp;type=album"/>
-          <p:cNvPicPr>
-            <a:picLocks noChangeAspect="1" noChangeArrowheads="1"/>
-          </p:cNvPicPr>
-          <p:nvPr/>
-        </p:nvPicPr>
-        <p:blipFill>
-          <a:blip r:embed="rId8" cstate="print">
-            <a:extLst>
-              <a:ext uri="{28A0092B-C50C-407E-A947-70E740481C1C}">
-                <a14:useLocalDpi xmlns:a14="http://schemas.microsoft.com/office/drawing/2010/main" val="0"/>
-              </a:ext>
-            </a:extLst>
-          </a:blip>
-          <a:srcRect/>
-          <a:stretch>
-            <a:fillRect/>
-          </a:stretch>
-        </p:blipFill>
-        <p:spPr bwMode="auto">
-          <a:xfrm>
-            <a:off x="6550430" y="4541039"/>
-            <a:ext cx="4697895" cy="1888233"/>
-          </a:xfrm>
-          <a:prstGeom prst="rect">
-            <a:avLst/>
-          </a:prstGeom>
-          <a:noFill/>
-          <a:extLst>
-            <a:ext uri="{909E8E84-426E-40DD-AFC4-6F175D3DCCD1}">
-              <a14:hiddenFill xmlns:a14="http://schemas.microsoft.com/office/drawing/2010/main">
-                <a:solidFill>
-                  <a:srgbClr val="FFFFFF"/>
-                </a:solidFill>
-              </a14:hiddenFill>
-            </a:ext>
-          </a:extLst>
-        </p:spPr>
-      </p:pic>
     </p:spTree>
     <p:extLst>
       <p:ext uri="{BB962C8B-B14F-4D97-AF65-F5344CB8AC3E}">
-        <p14:creationId xmlns:p14="http://schemas.microsoft.com/office/powerpoint/2010/main" val="1914126501"/>
+        <p14:creationId xmlns:p14="http://schemas.microsoft.com/office/powerpoint/2010/main" val="2515858014"/>
       </p:ext>
     </p:extLst>
   </p:cSld>
